--- a/Overviews/Experimental verifiability/Diagram.pptx
+++ b/Overviews/Experimental verifiability/Diagram.pptx
@@ -2,18 +2,18 @@
 <file path=ppt/presentation.xml><?xml version="1.0" encoding="utf-8"?>
 <p:presentation xmlns:a="http://schemas.openxmlformats.org/drawingml/2006/main" xmlns:r="http://schemas.openxmlformats.org/officeDocument/2006/relationships" xmlns:p="http://schemas.openxmlformats.org/presentationml/2006/main" saveSubsetFonts="1">
   <p:sldMasterIdLst>
-    <p:sldMasterId id="2147483648" r:id="rId1"/>
+    <p:sldMasterId id="2147483660" r:id="rId1"/>
   </p:sldMasterIdLst>
   <p:sldIdLst>
-    <p:sldId id="258" r:id="rId2"/>
+    <p:sldId id="260" r:id="rId2"/>
   </p:sldIdLst>
-  <p:sldSz cx="12192000" cy="6858000"/>
+  <p:sldSz cx="12192000" cy="5486400"/>
   <p:notesSz cx="6858000" cy="9144000"/>
   <p:defaultTextStyle>
     <a:defPPr>
       <a:defRPr lang="en-US"/>
     </a:defPPr>
-    <a:lvl1pPr marL="0" algn="l" defTabSz="914400" rtl="0" eaLnBrk="1" latinLnBrk="0" hangingPunct="1">
+    <a:lvl1pPr marL="0" algn="l" defTabSz="457200" rtl="0" eaLnBrk="1" latinLnBrk="0" hangingPunct="1">
       <a:defRPr sz="1800" kern="1200">
         <a:solidFill>
           <a:schemeClr val="tx1"/>
@@ -23,7 +23,7 @@
         <a:cs typeface="+mn-cs"/>
       </a:defRPr>
     </a:lvl1pPr>
-    <a:lvl2pPr marL="457200" algn="l" defTabSz="914400" rtl="0" eaLnBrk="1" latinLnBrk="0" hangingPunct="1">
+    <a:lvl2pPr marL="457200" algn="l" defTabSz="457200" rtl="0" eaLnBrk="1" latinLnBrk="0" hangingPunct="1">
       <a:defRPr sz="1800" kern="1200">
         <a:solidFill>
           <a:schemeClr val="tx1"/>
@@ -33,7 +33,7 @@
         <a:cs typeface="+mn-cs"/>
       </a:defRPr>
     </a:lvl2pPr>
-    <a:lvl3pPr marL="914400" algn="l" defTabSz="914400" rtl="0" eaLnBrk="1" latinLnBrk="0" hangingPunct="1">
+    <a:lvl3pPr marL="914400" algn="l" defTabSz="457200" rtl="0" eaLnBrk="1" latinLnBrk="0" hangingPunct="1">
       <a:defRPr sz="1800" kern="1200">
         <a:solidFill>
           <a:schemeClr val="tx1"/>
@@ -43,7 +43,7 @@
         <a:cs typeface="+mn-cs"/>
       </a:defRPr>
     </a:lvl3pPr>
-    <a:lvl4pPr marL="1371600" algn="l" defTabSz="914400" rtl="0" eaLnBrk="1" latinLnBrk="0" hangingPunct="1">
+    <a:lvl4pPr marL="1371600" algn="l" defTabSz="457200" rtl="0" eaLnBrk="1" latinLnBrk="0" hangingPunct="1">
       <a:defRPr sz="1800" kern="1200">
         <a:solidFill>
           <a:schemeClr val="tx1"/>
@@ -53,7 +53,7 @@
         <a:cs typeface="+mn-cs"/>
       </a:defRPr>
     </a:lvl4pPr>
-    <a:lvl5pPr marL="1828800" algn="l" defTabSz="914400" rtl="0" eaLnBrk="1" latinLnBrk="0" hangingPunct="1">
+    <a:lvl5pPr marL="1828800" algn="l" defTabSz="457200" rtl="0" eaLnBrk="1" latinLnBrk="0" hangingPunct="1">
       <a:defRPr sz="1800" kern="1200">
         <a:solidFill>
           <a:schemeClr val="tx1"/>
@@ -63,7 +63,7 @@
         <a:cs typeface="+mn-cs"/>
       </a:defRPr>
     </a:lvl5pPr>
-    <a:lvl6pPr marL="2286000" algn="l" defTabSz="914400" rtl="0" eaLnBrk="1" latinLnBrk="0" hangingPunct="1">
+    <a:lvl6pPr marL="2286000" algn="l" defTabSz="457200" rtl="0" eaLnBrk="1" latinLnBrk="0" hangingPunct="1">
       <a:defRPr sz="1800" kern="1200">
         <a:solidFill>
           <a:schemeClr val="tx1"/>
@@ -73,7 +73,7 @@
         <a:cs typeface="+mn-cs"/>
       </a:defRPr>
     </a:lvl6pPr>
-    <a:lvl7pPr marL="2743200" algn="l" defTabSz="914400" rtl="0" eaLnBrk="1" latinLnBrk="0" hangingPunct="1">
+    <a:lvl7pPr marL="2743200" algn="l" defTabSz="457200" rtl="0" eaLnBrk="1" latinLnBrk="0" hangingPunct="1">
       <a:defRPr sz="1800" kern="1200">
         <a:solidFill>
           <a:schemeClr val="tx1"/>
@@ -83,7 +83,7 @@
         <a:cs typeface="+mn-cs"/>
       </a:defRPr>
     </a:lvl7pPr>
-    <a:lvl8pPr marL="3200400" algn="l" defTabSz="914400" rtl="0" eaLnBrk="1" latinLnBrk="0" hangingPunct="1">
+    <a:lvl8pPr marL="3200400" algn="l" defTabSz="457200" rtl="0" eaLnBrk="1" latinLnBrk="0" hangingPunct="1">
       <a:defRPr sz="1800" kern="1200">
         <a:solidFill>
           <a:schemeClr val="tx1"/>
@@ -93,7 +93,7 @@
         <a:cs typeface="+mn-cs"/>
       </a:defRPr>
     </a:lvl8pPr>
-    <a:lvl9pPr marL="3657600" algn="l" defTabSz="914400" rtl="0" eaLnBrk="1" latinLnBrk="0" hangingPunct="1">
+    <a:lvl9pPr marL="3657600" algn="l" defTabSz="457200" rtl="0" eaLnBrk="1" latinLnBrk="0" hangingPunct="1">
       <a:defRPr sz="1800" kern="1200">
         <a:solidFill>
           <a:schemeClr val="tx1"/>
@@ -131,13 +131,7 @@
       </p:grpSpPr>
       <p:sp>
         <p:nvSpPr>
-          <p:cNvPr id="2" name="Title 1">
-            <a:extLst>
-              <a:ext uri="{FF2B5EF4-FFF2-40B4-BE49-F238E27FC236}">
-                <a16:creationId xmlns:a16="http://schemas.microsoft.com/office/drawing/2014/main" id="{300D093F-2F09-431D-97AF-05FFF06451CB}"/>
-              </a:ext>
-            </a:extLst>
-          </p:cNvPr>
+          <p:cNvPr id="2" name="Title 1"/>
           <p:cNvSpPr>
             <a:spLocks noGrp="1"/>
           </p:cNvSpPr>
@@ -147,15 +141,15 @@
         </p:nvSpPr>
         <p:spPr>
           <a:xfrm>
-            <a:off x="1524000" y="1122363"/>
-            <a:ext cx="9144000" cy="2387600"/>
+            <a:off x="1524000" y="897890"/>
+            <a:ext cx="9144000" cy="1910080"/>
           </a:xfrm>
         </p:spPr>
         <p:txBody>
           <a:bodyPr anchor="b"/>
           <a:lstStyle>
             <a:lvl1pPr algn="ctr">
-              <a:defRPr sz="6000"/>
+              <a:defRPr sz="4800"/>
             </a:lvl1pPr>
           </a:lstStyle>
           <a:p>
@@ -163,18 +157,13 @@
               <a:rPr lang="en-US"/>
               <a:t>Click to edit Master title style</a:t>
             </a:r>
-          </a:p>
-        </p:txBody>
-      </p:sp>
-      <p:sp>
-        <p:nvSpPr>
-          <p:cNvPr id="3" name="Subtitle 2">
-            <a:extLst>
-              <a:ext uri="{FF2B5EF4-FFF2-40B4-BE49-F238E27FC236}">
-                <a16:creationId xmlns:a16="http://schemas.microsoft.com/office/drawing/2014/main" id="{866C9030-4C42-42C2-926D-65C250327C04}"/>
-              </a:ext>
-            </a:extLst>
-          </p:cNvPr>
+            <a:endParaRPr lang="en-US" dirty="0"/>
+          </a:p>
+        </p:txBody>
+      </p:sp>
+      <p:sp>
+        <p:nvSpPr>
+          <p:cNvPr id="3" name="Subtitle 2"/>
           <p:cNvSpPr>
             <a:spLocks noGrp="1"/>
           </p:cNvSpPr>
@@ -184,8 +173,8 @@
         </p:nvSpPr>
         <p:spPr>
           <a:xfrm>
-            <a:off x="1524000" y="3602038"/>
-            <a:ext cx="9144000" cy="1655762"/>
+            <a:off x="1524000" y="2881630"/>
+            <a:ext cx="9144000" cy="1324610"/>
           </a:xfrm>
         </p:spPr>
         <p:txBody>
@@ -193,39 +182,39 @@
           <a:lstStyle>
             <a:lvl1pPr marL="0" indent="0" algn="ctr">
               <a:buNone/>
-              <a:defRPr sz="2400"/>
+              <a:defRPr sz="1920"/>
             </a:lvl1pPr>
-            <a:lvl2pPr marL="457200" indent="0" algn="ctr">
-              <a:buNone/>
-              <a:defRPr sz="2000"/>
+            <a:lvl2pPr marL="365760" indent="0" algn="ctr">
+              <a:buNone/>
+              <a:defRPr sz="1600"/>
             </a:lvl2pPr>
-            <a:lvl3pPr marL="914400" indent="0" algn="ctr">
-              <a:buNone/>
-              <a:defRPr sz="1800"/>
+            <a:lvl3pPr marL="731520" indent="0" algn="ctr">
+              <a:buNone/>
+              <a:defRPr sz="1440"/>
             </a:lvl3pPr>
-            <a:lvl4pPr marL="1371600" indent="0" algn="ctr">
-              <a:buNone/>
-              <a:defRPr sz="1600"/>
+            <a:lvl4pPr marL="1097280" indent="0" algn="ctr">
+              <a:buNone/>
+              <a:defRPr sz="1280"/>
             </a:lvl4pPr>
-            <a:lvl5pPr marL="1828800" indent="0" algn="ctr">
-              <a:buNone/>
-              <a:defRPr sz="1600"/>
+            <a:lvl5pPr marL="1463040" indent="0" algn="ctr">
+              <a:buNone/>
+              <a:defRPr sz="1280"/>
             </a:lvl5pPr>
-            <a:lvl6pPr marL="2286000" indent="0" algn="ctr">
-              <a:buNone/>
-              <a:defRPr sz="1600"/>
+            <a:lvl6pPr marL="1828800" indent="0" algn="ctr">
+              <a:buNone/>
+              <a:defRPr sz="1280"/>
             </a:lvl6pPr>
-            <a:lvl7pPr marL="2743200" indent="0" algn="ctr">
-              <a:buNone/>
-              <a:defRPr sz="1600"/>
+            <a:lvl7pPr marL="2194560" indent="0" algn="ctr">
+              <a:buNone/>
+              <a:defRPr sz="1280"/>
             </a:lvl7pPr>
-            <a:lvl8pPr marL="3200400" indent="0" algn="ctr">
-              <a:buNone/>
-              <a:defRPr sz="1600"/>
+            <a:lvl8pPr marL="2560320" indent="0" algn="ctr">
+              <a:buNone/>
+              <a:defRPr sz="1280"/>
             </a:lvl8pPr>
-            <a:lvl9pPr marL="3657600" indent="0" algn="ctr">
-              <a:buNone/>
-              <a:defRPr sz="1600"/>
+            <a:lvl9pPr marL="2926080" indent="0" algn="ctr">
+              <a:buNone/>
+              <a:defRPr sz="1280"/>
             </a:lvl9pPr>
           </a:lstStyle>
           <a:p>
@@ -233,18 +222,13 @@
               <a:rPr lang="en-US"/>
               <a:t>Click to edit Master subtitle style</a:t>
             </a:r>
-          </a:p>
-        </p:txBody>
-      </p:sp>
-      <p:sp>
-        <p:nvSpPr>
-          <p:cNvPr id="4" name="Date Placeholder 3">
-            <a:extLst>
-              <a:ext uri="{FF2B5EF4-FFF2-40B4-BE49-F238E27FC236}">
-                <a16:creationId xmlns:a16="http://schemas.microsoft.com/office/drawing/2014/main" id="{50937FB0-58A6-4B7B-960D-6A86B377D673}"/>
-              </a:ext>
-            </a:extLst>
-          </p:cNvPr>
+            <a:endParaRPr lang="en-US" dirty="0"/>
+          </a:p>
+        </p:txBody>
+      </p:sp>
+      <p:sp>
+        <p:nvSpPr>
+          <p:cNvPr id="4" name="Date Placeholder 3"/>
           <p:cNvSpPr>
             <a:spLocks noGrp="1"/>
           </p:cNvSpPr>
@@ -259,7 +243,7 @@
           <a:p>
             <a:fld id="{64538243-B5A4-4835-B8F8-268F515CADC0}" type="datetimeFigureOut">
               <a:rPr lang="en-US" smtClean="0"/>
-              <a:t>2/21/2021</a:t>
+              <a:t>3/5/2021</a:t>
             </a:fld>
             <a:endParaRPr lang="en-US"/>
           </a:p>
@@ -267,13 +251,7 @@
       </p:sp>
       <p:sp>
         <p:nvSpPr>
-          <p:cNvPr id="5" name="Footer Placeholder 4">
-            <a:extLst>
-              <a:ext uri="{FF2B5EF4-FFF2-40B4-BE49-F238E27FC236}">
-                <a16:creationId xmlns:a16="http://schemas.microsoft.com/office/drawing/2014/main" id="{7B0A7F1A-7A20-41AA-829B-42A4D1C78EA0}"/>
-              </a:ext>
-            </a:extLst>
-          </p:cNvPr>
+          <p:cNvPr id="5" name="Footer Placeholder 4"/>
           <p:cNvSpPr>
             <a:spLocks noGrp="1"/>
           </p:cNvSpPr>
@@ -292,13 +270,7 @@
       </p:sp>
       <p:sp>
         <p:nvSpPr>
-          <p:cNvPr id="6" name="Slide Number Placeholder 5">
-            <a:extLst>
-              <a:ext uri="{FF2B5EF4-FFF2-40B4-BE49-F238E27FC236}">
-                <a16:creationId xmlns:a16="http://schemas.microsoft.com/office/drawing/2014/main" id="{B200AD09-9F1B-4CAF-8F77-8DF937827C68}"/>
-              </a:ext>
-            </a:extLst>
-          </p:cNvPr>
+          <p:cNvPr id="6" name="Slide Number Placeholder 5"/>
           <p:cNvSpPr>
             <a:spLocks noGrp="1"/>
           </p:cNvSpPr>
@@ -322,7 +294,7 @@
     </p:spTree>
     <p:extLst>
       <p:ext uri="{BB962C8B-B14F-4D97-AF65-F5344CB8AC3E}">
-        <p14:creationId xmlns:p14="http://schemas.microsoft.com/office/powerpoint/2010/main" val="2224268987"/>
+        <p14:creationId xmlns:p14="http://schemas.microsoft.com/office/powerpoint/2010/main" val="2002992468"/>
       </p:ext>
     </p:extLst>
   </p:cSld>
@@ -351,13 +323,7 @@
       </p:grpSpPr>
       <p:sp>
         <p:nvSpPr>
-          <p:cNvPr id="2" name="Title 1">
-            <a:extLst>
-              <a:ext uri="{FF2B5EF4-FFF2-40B4-BE49-F238E27FC236}">
-                <a16:creationId xmlns:a16="http://schemas.microsoft.com/office/drawing/2014/main" id="{94DF2E42-47FA-4010-B251-10A966ABFD98}"/>
-              </a:ext>
-            </a:extLst>
-          </p:cNvPr>
+          <p:cNvPr id="2" name="Title 1"/>
           <p:cNvSpPr>
             <a:spLocks noGrp="1"/>
           </p:cNvSpPr>
@@ -374,18 +340,13 @@
               <a:rPr lang="en-US"/>
               <a:t>Click to edit Master title style</a:t>
             </a:r>
-          </a:p>
-        </p:txBody>
-      </p:sp>
-      <p:sp>
-        <p:nvSpPr>
-          <p:cNvPr id="3" name="Vertical Text Placeholder 2">
-            <a:extLst>
-              <a:ext uri="{FF2B5EF4-FFF2-40B4-BE49-F238E27FC236}">
-                <a16:creationId xmlns:a16="http://schemas.microsoft.com/office/drawing/2014/main" id="{A593E960-D205-4A29-83EB-D9DAD89F6855}"/>
-              </a:ext>
-            </a:extLst>
-          </p:cNvPr>
+            <a:endParaRPr lang="en-US" dirty="0"/>
+          </a:p>
+        </p:txBody>
+      </p:sp>
+      <p:sp>
+        <p:nvSpPr>
+          <p:cNvPr id="3" name="Vertical Text Placeholder 2"/>
           <p:cNvSpPr>
             <a:spLocks noGrp="1"/>
           </p:cNvSpPr>
@@ -431,18 +392,13 @@
               <a:rPr lang="en-US"/>
               <a:t>Fifth level</a:t>
             </a:r>
-          </a:p>
-        </p:txBody>
-      </p:sp>
-      <p:sp>
-        <p:nvSpPr>
-          <p:cNvPr id="4" name="Date Placeholder 3">
-            <a:extLst>
-              <a:ext uri="{FF2B5EF4-FFF2-40B4-BE49-F238E27FC236}">
-                <a16:creationId xmlns:a16="http://schemas.microsoft.com/office/drawing/2014/main" id="{1FB6911E-03EA-4267-BCB8-3271A6820FCD}"/>
-              </a:ext>
-            </a:extLst>
-          </p:cNvPr>
+            <a:endParaRPr lang="en-US" dirty="0"/>
+          </a:p>
+        </p:txBody>
+      </p:sp>
+      <p:sp>
+        <p:nvSpPr>
+          <p:cNvPr id="4" name="Date Placeholder 3"/>
           <p:cNvSpPr>
             <a:spLocks noGrp="1"/>
           </p:cNvSpPr>
@@ -457,7 +413,7 @@
           <a:p>
             <a:fld id="{64538243-B5A4-4835-B8F8-268F515CADC0}" type="datetimeFigureOut">
               <a:rPr lang="en-US" smtClean="0"/>
-              <a:t>2/21/2021</a:t>
+              <a:t>3/5/2021</a:t>
             </a:fld>
             <a:endParaRPr lang="en-US"/>
           </a:p>
@@ -465,13 +421,7 @@
       </p:sp>
       <p:sp>
         <p:nvSpPr>
-          <p:cNvPr id="5" name="Footer Placeholder 4">
-            <a:extLst>
-              <a:ext uri="{FF2B5EF4-FFF2-40B4-BE49-F238E27FC236}">
-                <a16:creationId xmlns:a16="http://schemas.microsoft.com/office/drawing/2014/main" id="{9D818A1A-7022-4194-8657-288FEBAC62E2}"/>
-              </a:ext>
-            </a:extLst>
-          </p:cNvPr>
+          <p:cNvPr id="5" name="Footer Placeholder 4"/>
           <p:cNvSpPr>
             <a:spLocks noGrp="1"/>
           </p:cNvSpPr>
@@ -490,13 +440,7 @@
       </p:sp>
       <p:sp>
         <p:nvSpPr>
-          <p:cNvPr id="6" name="Slide Number Placeholder 5">
-            <a:extLst>
-              <a:ext uri="{FF2B5EF4-FFF2-40B4-BE49-F238E27FC236}">
-                <a16:creationId xmlns:a16="http://schemas.microsoft.com/office/drawing/2014/main" id="{D33FAF47-3D09-43BB-9246-77C7D3537D3F}"/>
-              </a:ext>
-            </a:extLst>
-          </p:cNvPr>
+          <p:cNvPr id="6" name="Slide Number Placeholder 5"/>
           <p:cNvSpPr>
             <a:spLocks noGrp="1"/>
           </p:cNvSpPr>
@@ -520,7 +464,7 @@
     </p:spTree>
     <p:extLst>
       <p:ext uri="{BB962C8B-B14F-4D97-AF65-F5344CB8AC3E}">
-        <p14:creationId xmlns:p14="http://schemas.microsoft.com/office/powerpoint/2010/main" val="748429728"/>
+        <p14:creationId xmlns:p14="http://schemas.microsoft.com/office/powerpoint/2010/main" val="148504261"/>
       </p:ext>
     </p:extLst>
   </p:cSld>
@@ -549,13 +493,7 @@
       </p:grpSpPr>
       <p:sp>
         <p:nvSpPr>
-          <p:cNvPr id="2" name="Vertical Title 1">
-            <a:extLst>
-              <a:ext uri="{FF2B5EF4-FFF2-40B4-BE49-F238E27FC236}">
-                <a16:creationId xmlns:a16="http://schemas.microsoft.com/office/drawing/2014/main" id="{5BA43260-7705-48DA-A1C7-74C3FE300025}"/>
-              </a:ext>
-            </a:extLst>
-          </p:cNvPr>
+          <p:cNvPr id="2" name="Vertical Title 1"/>
           <p:cNvSpPr>
             <a:spLocks noGrp="1"/>
           </p:cNvSpPr>
@@ -565,8 +503,8 @@
         </p:nvSpPr>
         <p:spPr>
           <a:xfrm>
-            <a:off x="8724900" y="365125"/>
-            <a:ext cx="2628900" cy="5811838"/>
+            <a:off x="8724900" y="292100"/>
+            <a:ext cx="2628900" cy="4649470"/>
           </a:xfrm>
         </p:spPr>
         <p:txBody>
@@ -577,18 +515,13 @@
               <a:rPr lang="en-US"/>
               <a:t>Click to edit Master title style</a:t>
             </a:r>
-          </a:p>
-        </p:txBody>
-      </p:sp>
-      <p:sp>
-        <p:nvSpPr>
-          <p:cNvPr id="3" name="Vertical Text Placeholder 2">
-            <a:extLst>
-              <a:ext uri="{FF2B5EF4-FFF2-40B4-BE49-F238E27FC236}">
-                <a16:creationId xmlns:a16="http://schemas.microsoft.com/office/drawing/2014/main" id="{33EE73A6-1C27-49B4-AADE-23DDFD1ED22A}"/>
-              </a:ext>
-            </a:extLst>
-          </p:cNvPr>
+            <a:endParaRPr lang="en-US" dirty="0"/>
+          </a:p>
+        </p:txBody>
+      </p:sp>
+      <p:sp>
+        <p:nvSpPr>
+          <p:cNvPr id="3" name="Vertical Text Placeholder 2"/>
           <p:cNvSpPr>
             <a:spLocks noGrp="1"/>
           </p:cNvSpPr>
@@ -598,8 +531,8 @@
         </p:nvSpPr>
         <p:spPr>
           <a:xfrm>
-            <a:off x="838200" y="365125"/>
-            <a:ext cx="7734300" cy="5811838"/>
+            <a:off x="838200" y="292100"/>
+            <a:ext cx="7734300" cy="4649470"/>
           </a:xfrm>
         </p:spPr>
         <p:txBody>
@@ -639,18 +572,13 @@
               <a:rPr lang="en-US"/>
               <a:t>Fifth level</a:t>
             </a:r>
-          </a:p>
-        </p:txBody>
-      </p:sp>
-      <p:sp>
-        <p:nvSpPr>
-          <p:cNvPr id="4" name="Date Placeholder 3">
-            <a:extLst>
-              <a:ext uri="{FF2B5EF4-FFF2-40B4-BE49-F238E27FC236}">
-                <a16:creationId xmlns:a16="http://schemas.microsoft.com/office/drawing/2014/main" id="{726C4863-710E-434C-9431-CA689A25D941}"/>
-              </a:ext>
-            </a:extLst>
-          </p:cNvPr>
+            <a:endParaRPr lang="en-US" dirty="0"/>
+          </a:p>
+        </p:txBody>
+      </p:sp>
+      <p:sp>
+        <p:nvSpPr>
+          <p:cNvPr id="4" name="Date Placeholder 3"/>
           <p:cNvSpPr>
             <a:spLocks noGrp="1"/>
           </p:cNvSpPr>
@@ -665,7 +593,7 @@
           <a:p>
             <a:fld id="{64538243-B5A4-4835-B8F8-268F515CADC0}" type="datetimeFigureOut">
               <a:rPr lang="en-US" smtClean="0"/>
-              <a:t>2/21/2021</a:t>
+              <a:t>3/5/2021</a:t>
             </a:fld>
             <a:endParaRPr lang="en-US"/>
           </a:p>
@@ -673,13 +601,7 @@
       </p:sp>
       <p:sp>
         <p:nvSpPr>
-          <p:cNvPr id="5" name="Footer Placeholder 4">
-            <a:extLst>
-              <a:ext uri="{FF2B5EF4-FFF2-40B4-BE49-F238E27FC236}">
-                <a16:creationId xmlns:a16="http://schemas.microsoft.com/office/drawing/2014/main" id="{3DB5AE2B-B274-4DE0-9ACA-0B33C3A4D708}"/>
-              </a:ext>
-            </a:extLst>
-          </p:cNvPr>
+          <p:cNvPr id="5" name="Footer Placeholder 4"/>
           <p:cNvSpPr>
             <a:spLocks noGrp="1"/>
           </p:cNvSpPr>
@@ -698,13 +620,7 @@
       </p:sp>
       <p:sp>
         <p:nvSpPr>
-          <p:cNvPr id="6" name="Slide Number Placeholder 5">
-            <a:extLst>
-              <a:ext uri="{FF2B5EF4-FFF2-40B4-BE49-F238E27FC236}">
-                <a16:creationId xmlns:a16="http://schemas.microsoft.com/office/drawing/2014/main" id="{FDCE614E-4520-4653-8284-753F75EA02C4}"/>
-              </a:ext>
-            </a:extLst>
-          </p:cNvPr>
+          <p:cNvPr id="6" name="Slide Number Placeholder 5"/>
           <p:cNvSpPr>
             <a:spLocks noGrp="1"/>
           </p:cNvSpPr>
@@ -728,7 +644,7 @@
     </p:spTree>
     <p:extLst>
       <p:ext uri="{BB962C8B-B14F-4D97-AF65-F5344CB8AC3E}">
-        <p14:creationId xmlns:p14="http://schemas.microsoft.com/office/powerpoint/2010/main" val="3343294743"/>
+        <p14:creationId xmlns:p14="http://schemas.microsoft.com/office/powerpoint/2010/main" val="1437257631"/>
       </p:ext>
     </p:extLst>
   </p:cSld>
@@ -757,13 +673,7 @@
       </p:grpSpPr>
       <p:sp>
         <p:nvSpPr>
-          <p:cNvPr id="2" name="Title 1">
-            <a:extLst>
-              <a:ext uri="{FF2B5EF4-FFF2-40B4-BE49-F238E27FC236}">
-                <a16:creationId xmlns:a16="http://schemas.microsoft.com/office/drawing/2014/main" id="{23731D26-F1E6-4DBD-BE68-5640EE31870F}"/>
-              </a:ext>
-            </a:extLst>
-          </p:cNvPr>
+          <p:cNvPr id="2" name="Title 1"/>
           <p:cNvSpPr>
             <a:spLocks noGrp="1"/>
           </p:cNvSpPr>
@@ -780,18 +690,13 @@
               <a:rPr lang="en-US"/>
               <a:t>Click to edit Master title style</a:t>
             </a:r>
-          </a:p>
-        </p:txBody>
-      </p:sp>
-      <p:sp>
-        <p:nvSpPr>
-          <p:cNvPr id="3" name="Content Placeholder 2">
-            <a:extLst>
-              <a:ext uri="{FF2B5EF4-FFF2-40B4-BE49-F238E27FC236}">
-                <a16:creationId xmlns:a16="http://schemas.microsoft.com/office/drawing/2014/main" id="{1F89165A-95FE-4803-A350-0C1D35EB1F8A}"/>
-              </a:ext>
-            </a:extLst>
-          </p:cNvPr>
+            <a:endParaRPr lang="en-US" dirty="0"/>
+          </a:p>
+        </p:txBody>
+      </p:sp>
+      <p:sp>
+        <p:nvSpPr>
+          <p:cNvPr id="3" name="Content Placeholder 2"/>
           <p:cNvSpPr>
             <a:spLocks noGrp="1"/>
           </p:cNvSpPr>
@@ -837,18 +742,13 @@
               <a:rPr lang="en-US"/>
               <a:t>Fifth level</a:t>
             </a:r>
-          </a:p>
-        </p:txBody>
-      </p:sp>
-      <p:sp>
-        <p:nvSpPr>
-          <p:cNvPr id="4" name="Date Placeholder 3">
-            <a:extLst>
-              <a:ext uri="{FF2B5EF4-FFF2-40B4-BE49-F238E27FC236}">
-                <a16:creationId xmlns:a16="http://schemas.microsoft.com/office/drawing/2014/main" id="{B8B72485-8055-4648-979B-D6B3613BFFEE}"/>
-              </a:ext>
-            </a:extLst>
-          </p:cNvPr>
+            <a:endParaRPr lang="en-US" dirty="0"/>
+          </a:p>
+        </p:txBody>
+      </p:sp>
+      <p:sp>
+        <p:nvSpPr>
+          <p:cNvPr id="4" name="Date Placeholder 3"/>
           <p:cNvSpPr>
             <a:spLocks noGrp="1"/>
           </p:cNvSpPr>
@@ -863,7 +763,7 @@
           <a:p>
             <a:fld id="{64538243-B5A4-4835-B8F8-268F515CADC0}" type="datetimeFigureOut">
               <a:rPr lang="en-US" smtClean="0"/>
-              <a:t>2/21/2021</a:t>
+              <a:t>3/5/2021</a:t>
             </a:fld>
             <a:endParaRPr lang="en-US"/>
           </a:p>
@@ -871,13 +771,7 @@
       </p:sp>
       <p:sp>
         <p:nvSpPr>
-          <p:cNvPr id="5" name="Footer Placeholder 4">
-            <a:extLst>
-              <a:ext uri="{FF2B5EF4-FFF2-40B4-BE49-F238E27FC236}">
-                <a16:creationId xmlns:a16="http://schemas.microsoft.com/office/drawing/2014/main" id="{7BF795C7-6A1F-4342-9C8D-A50E19FBABC8}"/>
-              </a:ext>
-            </a:extLst>
-          </p:cNvPr>
+          <p:cNvPr id="5" name="Footer Placeholder 4"/>
           <p:cNvSpPr>
             <a:spLocks noGrp="1"/>
           </p:cNvSpPr>
@@ -896,13 +790,7 @@
       </p:sp>
       <p:sp>
         <p:nvSpPr>
-          <p:cNvPr id="6" name="Slide Number Placeholder 5">
-            <a:extLst>
-              <a:ext uri="{FF2B5EF4-FFF2-40B4-BE49-F238E27FC236}">
-                <a16:creationId xmlns:a16="http://schemas.microsoft.com/office/drawing/2014/main" id="{97EF0DDD-8A69-4093-B389-0CAD1089C87D}"/>
-              </a:ext>
-            </a:extLst>
-          </p:cNvPr>
+          <p:cNvPr id="6" name="Slide Number Placeholder 5"/>
           <p:cNvSpPr>
             <a:spLocks noGrp="1"/>
           </p:cNvSpPr>
@@ -926,7 +814,7 @@
     </p:spTree>
     <p:extLst>
       <p:ext uri="{BB962C8B-B14F-4D97-AF65-F5344CB8AC3E}">
-        <p14:creationId xmlns:p14="http://schemas.microsoft.com/office/powerpoint/2010/main" val="3235515307"/>
+        <p14:creationId xmlns:p14="http://schemas.microsoft.com/office/powerpoint/2010/main" val="952952294"/>
       </p:ext>
     </p:extLst>
   </p:cSld>
@@ -955,13 +843,7 @@
       </p:grpSpPr>
       <p:sp>
         <p:nvSpPr>
-          <p:cNvPr id="2" name="Title 1">
-            <a:extLst>
-              <a:ext uri="{FF2B5EF4-FFF2-40B4-BE49-F238E27FC236}">
-                <a16:creationId xmlns:a16="http://schemas.microsoft.com/office/drawing/2014/main" id="{68C97933-1D23-4269-B59B-B4F5CD7C3AC4}"/>
-              </a:ext>
-            </a:extLst>
-          </p:cNvPr>
+          <p:cNvPr id="2" name="Title 1"/>
           <p:cNvSpPr>
             <a:spLocks noGrp="1"/>
           </p:cNvSpPr>
@@ -971,15 +853,15 @@
         </p:nvSpPr>
         <p:spPr>
           <a:xfrm>
-            <a:off x="831850" y="1709738"/>
-            <a:ext cx="10515600" cy="2852737"/>
+            <a:off x="831850" y="1367791"/>
+            <a:ext cx="10515600" cy="2282190"/>
           </a:xfrm>
         </p:spPr>
         <p:txBody>
           <a:bodyPr anchor="b"/>
           <a:lstStyle>
             <a:lvl1pPr>
-              <a:defRPr sz="6000"/>
+              <a:defRPr sz="4800"/>
             </a:lvl1pPr>
           </a:lstStyle>
           <a:p>
@@ -987,18 +869,13 @@
               <a:rPr lang="en-US"/>
               <a:t>Click to edit Master title style</a:t>
             </a:r>
-          </a:p>
-        </p:txBody>
-      </p:sp>
-      <p:sp>
-        <p:nvSpPr>
-          <p:cNvPr id="3" name="Text Placeholder 2">
-            <a:extLst>
-              <a:ext uri="{FF2B5EF4-FFF2-40B4-BE49-F238E27FC236}">
-                <a16:creationId xmlns:a16="http://schemas.microsoft.com/office/drawing/2014/main" id="{9C3F94DC-371C-47A3-BB78-FBD0DBA5AB39}"/>
-              </a:ext>
-            </a:extLst>
-          </p:cNvPr>
+            <a:endParaRPr lang="en-US" dirty="0"/>
+          </a:p>
+        </p:txBody>
+      </p:sp>
+      <p:sp>
+        <p:nvSpPr>
+          <p:cNvPr id="3" name="Text Placeholder 2"/>
           <p:cNvSpPr>
             <a:spLocks noGrp="1"/>
           </p:cNvSpPr>
@@ -1008,8 +885,8 @@
         </p:nvSpPr>
         <p:spPr>
           <a:xfrm>
-            <a:off x="831850" y="4589463"/>
-            <a:ext cx="10515600" cy="1500187"/>
+            <a:off x="831850" y="3671571"/>
+            <a:ext cx="10515600" cy="1200150"/>
           </a:xfrm>
         </p:spPr>
         <p:txBody>
@@ -1017,7 +894,7 @@
           <a:lstStyle>
             <a:lvl1pPr marL="0" indent="0">
               <a:buNone/>
-              <a:defRPr sz="2400">
+              <a:defRPr sz="1920">
                 <a:solidFill>
                   <a:schemeClr val="tx1">
                     <a:tint val="75000"/>
@@ -1025,9 +902,9 @@
                 </a:solidFill>
               </a:defRPr>
             </a:lvl1pPr>
-            <a:lvl2pPr marL="457200" indent="0">
-              <a:buNone/>
-              <a:defRPr sz="2000">
+            <a:lvl2pPr marL="365760" indent="0">
+              <a:buNone/>
+              <a:defRPr sz="1600">
                 <a:solidFill>
                   <a:schemeClr val="tx1">
                     <a:tint val="75000"/>
@@ -1035,9 +912,9 @@
                 </a:solidFill>
               </a:defRPr>
             </a:lvl2pPr>
-            <a:lvl3pPr marL="914400" indent="0">
-              <a:buNone/>
-              <a:defRPr sz="1800">
+            <a:lvl3pPr marL="731520" indent="0">
+              <a:buNone/>
+              <a:defRPr sz="1440">
                 <a:solidFill>
                   <a:schemeClr val="tx1">
                     <a:tint val="75000"/>
@@ -1045,9 +922,9 @@
                 </a:solidFill>
               </a:defRPr>
             </a:lvl3pPr>
-            <a:lvl4pPr marL="1371600" indent="0">
-              <a:buNone/>
-              <a:defRPr sz="1600">
+            <a:lvl4pPr marL="1097280" indent="0">
+              <a:buNone/>
+              <a:defRPr sz="1280">
                 <a:solidFill>
                   <a:schemeClr val="tx1">
                     <a:tint val="75000"/>
@@ -1055,9 +932,9 @@
                 </a:solidFill>
               </a:defRPr>
             </a:lvl4pPr>
-            <a:lvl5pPr marL="1828800" indent="0">
-              <a:buNone/>
-              <a:defRPr sz="1600">
+            <a:lvl5pPr marL="1463040" indent="0">
+              <a:buNone/>
+              <a:defRPr sz="1280">
                 <a:solidFill>
                   <a:schemeClr val="tx1">
                     <a:tint val="75000"/>
@@ -1065,9 +942,9 @@
                 </a:solidFill>
               </a:defRPr>
             </a:lvl5pPr>
-            <a:lvl6pPr marL="2286000" indent="0">
-              <a:buNone/>
-              <a:defRPr sz="1600">
+            <a:lvl6pPr marL="1828800" indent="0">
+              <a:buNone/>
+              <a:defRPr sz="1280">
                 <a:solidFill>
                   <a:schemeClr val="tx1">
                     <a:tint val="75000"/>
@@ -1075,9 +952,9 @@
                 </a:solidFill>
               </a:defRPr>
             </a:lvl6pPr>
-            <a:lvl7pPr marL="2743200" indent="0">
-              <a:buNone/>
-              <a:defRPr sz="1600">
+            <a:lvl7pPr marL="2194560" indent="0">
+              <a:buNone/>
+              <a:defRPr sz="1280">
                 <a:solidFill>
                   <a:schemeClr val="tx1">
                     <a:tint val="75000"/>
@@ -1085,9 +962,9 @@
                 </a:solidFill>
               </a:defRPr>
             </a:lvl7pPr>
-            <a:lvl8pPr marL="3200400" indent="0">
-              <a:buNone/>
-              <a:defRPr sz="1600">
+            <a:lvl8pPr marL="2560320" indent="0">
+              <a:buNone/>
+              <a:defRPr sz="1280">
                 <a:solidFill>
                   <a:schemeClr val="tx1">
                     <a:tint val="75000"/>
@@ -1095,9 +972,9 @@
                 </a:solidFill>
               </a:defRPr>
             </a:lvl8pPr>
-            <a:lvl9pPr marL="3657600" indent="0">
-              <a:buNone/>
-              <a:defRPr sz="1600">
+            <a:lvl9pPr marL="2926080" indent="0">
+              <a:buNone/>
+              <a:defRPr sz="1280">
                 <a:solidFill>
                   <a:schemeClr val="tx1">
                     <a:tint val="75000"/>
@@ -1117,13 +994,7 @@
       </p:sp>
       <p:sp>
         <p:nvSpPr>
-          <p:cNvPr id="4" name="Date Placeholder 3">
-            <a:extLst>
-              <a:ext uri="{FF2B5EF4-FFF2-40B4-BE49-F238E27FC236}">
-                <a16:creationId xmlns:a16="http://schemas.microsoft.com/office/drawing/2014/main" id="{25BDEF44-4EC5-487B-A5D6-E81EFF70B43D}"/>
-              </a:ext>
-            </a:extLst>
-          </p:cNvPr>
+          <p:cNvPr id="4" name="Date Placeholder 3"/>
           <p:cNvSpPr>
             <a:spLocks noGrp="1"/>
           </p:cNvSpPr>
@@ -1138,7 +1009,7 @@
           <a:p>
             <a:fld id="{64538243-B5A4-4835-B8F8-268F515CADC0}" type="datetimeFigureOut">
               <a:rPr lang="en-US" smtClean="0"/>
-              <a:t>2/21/2021</a:t>
+              <a:t>3/5/2021</a:t>
             </a:fld>
             <a:endParaRPr lang="en-US"/>
           </a:p>
@@ -1146,13 +1017,7 @@
       </p:sp>
       <p:sp>
         <p:nvSpPr>
-          <p:cNvPr id="5" name="Footer Placeholder 4">
-            <a:extLst>
-              <a:ext uri="{FF2B5EF4-FFF2-40B4-BE49-F238E27FC236}">
-                <a16:creationId xmlns:a16="http://schemas.microsoft.com/office/drawing/2014/main" id="{1B16C1A6-452E-423F-A630-8A904C09B5BD}"/>
-              </a:ext>
-            </a:extLst>
-          </p:cNvPr>
+          <p:cNvPr id="5" name="Footer Placeholder 4"/>
           <p:cNvSpPr>
             <a:spLocks noGrp="1"/>
           </p:cNvSpPr>
@@ -1171,13 +1036,7 @@
       </p:sp>
       <p:sp>
         <p:nvSpPr>
-          <p:cNvPr id="6" name="Slide Number Placeholder 5">
-            <a:extLst>
-              <a:ext uri="{FF2B5EF4-FFF2-40B4-BE49-F238E27FC236}">
-                <a16:creationId xmlns:a16="http://schemas.microsoft.com/office/drawing/2014/main" id="{603D7D6C-F786-41CF-9F75-04EEA661E42E}"/>
-              </a:ext>
-            </a:extLst>
-          </p:cNvPr>
+          <p:cNvPr id="6" name="Slide Number Placeholder 5"/>
           <p:cNvSpPr>
             <a:spLocks noGrp="1"/>
           </p:cNvSpPr>
@@ -1201,7 +1060,7 @@
     </p:spTree>
     <p:extLst>
       <p:ext uri="{BB962C8B-B14F-4D97-AF65-F5344CB8AC3E}">
-        <p14:creationId xmlns:p14="http://schemas.microsoft.com/office/powerpoint/2010/main" val="3507307243"/>
+        <p14:creationId xmlns:p14="http://schemas.microsoft.com/office/powerpoint/2010/main" val="2079164079"/>
       </p:ext>
     </p:extLst>
   </p:cSld>
@@ -1230,13 +1089,7 @@
       </p:grpSpPr>
       <p:sp>
         <p:nvSpPr>
-          <p:cNvPr id="2" name="Title 1">
-            <a:extLst>
-              <a:ext uri="{FF2B5EF4-FFF2-40B4-BE49-F238E27FC236}">
-                <a16:creationId xmlns:a16="http://schemas.microsoft.com/office/drawing/2014/main" id="{0DF58B7B-7770-4CAA-A08E-F77793C1DCE8}"/>
-              </a:ext>
-            </a:extLst>
-          </p:cNvPr>
+          <p:cNvPr id="2" name="Title 1"/>
           <p:cNvSpPr>
             <a:spLocks noGrp="1"/>
           </p:cNvSpPr>
@@ -1253,18 +1106,13 @@
               <a:rPr lang="en-US"/>
               <a:t>Click to edit Master title style</a:t>
             </a:r>
-          </a:p>
-        </p:txBody>
-      </p:sp>
-      <p:sp>
-        <p:nvSpPr>
-          <p:cNvPr id="3" name="Content Placeholder 2">
-            <a:extLst>
-              <a:ext uri="{FF2B5EF4-FFF2-40B4-BE49-F238E27FC236}">
-                <a16:creationId xmlns:a16="http://schemas.microsoft.com/office/drawing/2014/main" id="{06BAD938-C1AB-48EA-81DE-013827ABA522}"/>
-              </a:ext>
-            </a:extLst>
-          </p:cNvPr>
+            <a:endParaRPr lang="en-US" dirty="0"/>
+          </a:p>
+        </p:txBody>
+      </p:sp>
+      <p:sp>
+        <p:nvSpPr>
+          <p:cNvPr id="3" name="Content Placeholder 2"/>
           <p:cNvSpPr>
             <a:spLocks noGrp="1"/>
           </p:cNvSpPr>
@@ -1274,8 +1122,8 @@
         </p:nvSpPr>
         <p:spPr>
           <a:xfrm>
-            <a:off x="838200" y="1825625"/>
-            <a:ext cx="5181600" cy="4351338"/>
+            <a:off x="838200" y="1460500"/>
+            <a:ext cx="5181600" cy="3481070"/>
           </a:xfrm>
         </p:spPr>
         <p:txBody>
@@ -1315,18 +1163,13 @@
               <a:rPr lang="en-US"/>
               <a:t>Fifth level</a:t>
             </a:r>
-          </a:p>
-        </p:txBody>
-      </p:sp>
-      <p:sp>
-        <p:nvSpPr>
-          <p:cNvPr id="4" name="Content Placeholder 3">
-            <a:extLst>
-              <a:ext uri="{FF2B5EF4-FFF2-40B4-BE49-F238E27FC236}">
-                <a16:creationId xmlns:a16="http://schemas.microsoft.com/office/drawing/2014/main" id="{6A5F4BC0-42D5-474C-B556-ED5750796351}"/>
-              </a:ext>
-            </a:extLst>
-          </p:cNvPr>
+            <a:endParaRPr lang="en-US" dirty="0"/>
+          </a:p>
+        </p:txBody>
+      </p:sp>
+      <p:sp>
+        <p:nvSpPr>
+          <p:cNvPr id="4" name="Content Placeholder 3"/>
           <p:cNvSpPr>
             <a:spLocks noGrp="1"/>
           </p:cNvSpPr>
@@ -1336,8 +1179,8 @@
         </p:nvSpPr>
         <p:spPr>
           <a:xfrm>
-            <a:off x="6172200" y="1825625"/>
-            <a:ext cx="5181600" cy="4351338"/>
+            <a:off x="6172200" y="1460500"/>
+            <a:ext cx="5181600" cy="3481070"/>
           </a:xfrm>
         </p:spPr>
         <p:txBody>
@@ -1377,18 +1220,13 @@
               <a:rPr lang="en-US"/>
               <a:t>Fifth level</a:t>
             </a:r>
-          </a:p>
-        </p:txBody>
-      </p:sp>
-      <p:sp>
-        <p:nvSpPr>
-          <p:cNvPr id="5" name="Date Placeholder 4">
-            <a:extLst>
-              <a:ext uri="{FF2B5EF4-FFF2-40B4-BE49-F238E27FC236}">
-                <a16:creationId xmlns:a16="http://schemas.microsoft.com/office/drawing/2014/main" id="{FAC67364-A4ED-417F-A1BC-C71E95F1BC01}"/>
-              </a:ext>
-            </a:extLst>
-          </p:cNvPr>
+            <a:endParaRPr lang="en-US" dirty="0"/>
+          </a:p>
+        </p:txBody>
+      </p:sp>
+      <p:sp>
+        <p:nvSpPr>
+          <p:cNvPr id="5" name="Date Placeholder 4"/>
           <p:cNvSpPr>
             <a:spLocks noGrp="1"/>
           </p:cNvSpPr>
@@ -1403,7 +1241,7 @@
           <a:p>
             <a:fld id="{64538243-B5A4-4835-B8F8-268F515CADC0}" type="datetimeFigureOut">
               <a:rPr lang="en-US" smtClean="0"/>
-              <a:t>2/21/2021</a:t>
+              <a:t>3/5/2021</a:t>
             </a:fld>
             <a:endParaRPr lang="en-US"/>
           </a:p>
@@ -1411,13 +1249,7 @@
       </p:sp>
       <p:sp>
         <p:nvSpPr>
-          <p:cNvPr id="6" name="Footer Placeholder 5">
-            <a:extLst>
-              <a:ext uri="{FF2B5EF4-FFF2-40B4-BE49-F238E27FC236}">
-                <a16:creationId xmlns:a16="http://schemas.microsoft.com/office/drawing/2014/main" id="{70D20DA3-CB67-4981-AC03-11513230E231}"/>
-              </a:ext>
-            </a:extLst>
-          </p:cNvPr>
+          <p:cNvPr id="6" name="Footer Placeholder 5"/>
           <p:cNvSpPr>
             <a:spLocks noGrp="1"/>
           </p:cNvSpPr>
@@ -1436,13 +1268,7 @@
       </p:sp>
       <p:sp>
         <p:nvSpPr>
-          <p:cNvPr id="7" name="Slide Number Placeholder 6">
-            <a:extLst>
-              <a:ext uri="{FF2B5EF4-FFF2-40B4-BE49-F238E27FC236}">
-                <a16:creationId xmlns:a16="http://schemas.microsoft.com/office/drawing/2014/main" id="{8CA5FF27-C554-420B-9AA0-B7102F8D472A}"/>
-              </a:ext>
-            </a:extLst>
-          </p:cNvPr>
+          <p:cNvPr id="7" name="Slide Number Placeholder 6"/>
           <p:cNvSpPr>
             <a:spLocks noGrp="1"/>
           </p:cNvSpPr>
@@ -1466,7 +1292,7 @@
     </p:spTree>
     <p:extLst>
       <p:ext uri="{BB962C8B-B14F-4D97-AF65-F5344CB8AC3E}">
-        <p14:creationId xmlns:p14="http://schemas.microsoft.com/office/powerpoint/2010/main" val="1072952151"/>
+        <p14:creationId xmlns:p14="http://schemas.microsoft.com/office/powerpoint/2010/main" val="467125478"/>
       </p:ext>
     </p:extLst>
   </p:cSld>
@@ -1495,13 +1321,7 @@
       </p:grpSpPr>
       <p:sp>
         <p:nvSpPr>
-          <p:cNvPr id="2" name="Title 1">
-            <a:extLst>
-              <a:ext uri="{FF2B5EF4-FFF2-40B4-BE49-F238E27FC236}">
-                <a16:creationId xmlns:a16="http://schemas.microsoft.com/office/drawing/2014/main" id="{9FE43FBC-6481-4961-A4A6-E2D98764BFB6}"/>
-              </a:ext>
-            </a:extLst>
-          </p:cNvPr>
+          <p:cNvPr id="2" name="Title 1"/>
           <p:cNvSpPr>
             <a:spLocks noGrp="1"/>
           </p:cNvSpPr>
@@ -1511,8 +1331,8 @@
         </p:nvSpPr>
         <p:spPr>
           <a:xfrm>
-            <a:off x="839788" y="365125"/>
-            <a:ext cx="10515600" cy="1325563"/>
+            <a:off x="839788" y="292101"/>
+            <a:ext cx="10515600" cy="1060450"/>
           </a:xfrm>
         </p:spPr>
         <p:txBody>
@@ -1523,18 +1343,13 @@
               <a:rPr lang="en-US"/>
               <a:t>Click to edit Master title style</a:t>
             </a:r>
-          </a:p>
-        </p:txBody>
-      </p:sp>
-      <p:sp>
-        <p:nvSpPr>
-          <p:cNvPr id="3" name="Text Placeholder 2">
-            <a:extLst>
-              <a:ext uri="{FF2B5EF4-FFF2-40B4-BE49-F238E27FC236}">
-                <a16:creationId xmlns:a16="http://schemas.microsoft.com/office/drawing/2014/main" id="{53A17994-7E10-4058-9152-C2C820B43531}"/>
-              </a:ext>
-            </a:extLst>
-          </p:cNvPr>
+            <a:endParaRPr lang="en-US" dirty="0"/>
+          </a:p>
+        </p:txBody>
+      </p:sp>
+      <p:sp>
+        <p:nvSpPr>
+          <p:cNvPr id="3" name="Text Placeholder 2"/>
           <p:cNvSpPr>
             <a:spLocks noGrp="1"/>
           </p:cNvSpPr>
@@ -1544,8 +1359,8 @@
         </p:nvSpPr>
         <p:spPr>
           <a:xfrm>
-            <a:off x="839788" y="1681163"/>
-            <a:ext cx="5157787" cy="823912"/>
+            <a:off x="839789" y="1344930"/>
+            <a:ext cx="5157787" cy="659130"/>
           </a:xfrm>
         </p:spPr>
         <p:txBody>
@@ -1553,39 +1368,39 @@
           <a:lstStyle>
             <a:lvl1pPr marL="0" indent="0">
               <a:buNone/>
-              <a:defRPr sz="2400" b="1"/>
+              <a:defRPr sz="1920" b="1"/>
             </a:lvl1pPr>
-            <a:lvl2pPr marL="457200" indent="0">
-              <a:buNone/>
-              <a:defRPr sz="2000" b="1"/>
+            <a:lvl2pPr marL="365760" indent="0">
+              <a:buNone/>
+              <a:defRPr sz="1600" b="1"/>
             </a:lvl2pPr>
-            <a:lvl3pPr marL="914400" indent="0">
-              <a:buNone/>
-              <a:defRPr sz="1800" b="1"/>
+            <a:lvl3pPr marL="731520" indent="0">
+              <a:buNone/>
+              <a:defRPr sz="1440" b="1"/>
             </a:lvl3pPr>
-            <a:lvl4pPr marL="1371600" indent="0">
-              <a:buNone/>
-              <a:defRPr sz="1600" b="1"/>
+            <a:lvl4pPr marL="1097280" indent="0">
+              <a:buNone/>
+              <a:defRPr sz="1280" b="1"/>
             </a:lvl4pPr>
-            <a:lvl5pPr marL="1828800" indent="0">
-              <a:buNone/>
-              <a:defRPr sz="1600" b="1"/>
+            <a:lvl5pPr marL="1463040" indent="0">
+              <a:buNone/>
+              <a:defRPr sz="1280" b="1"/>
             </a:lvl5pPr>
-            <a:lvl6pPr marL="2286000" indent="0">
-              <a:buNone/>
-              <a:defRPr sz="1600" b="1"/>
+            <a:lvl6pPr marL="1828800" indent="0">
+              <a:buNone/>
+              <a:defRPr sz="1280" b="1"/>
             </a:lvl6pPr>
-            <a:lvl7pPr marL="2743200" indent="0">
-              <a:buNone/>
-              <a:defRPr sz="1600" b="1"/>
+            <a:lvl7pPr marL="2194560" indent="0">
+              <a:buNone/>
+              <a:defRPr sz="1280" b="1"/>
             </a:lvl7pPr>
-            <a:lvl8pPr marL="3200400" indent="0">
-              <a:buNone/>
-              <a:defRPr sz="1600" b="1"/>
+            <a:lvl8pPr marL="2560320" indent="0">
+              <a:buNone/>
+              <a:defRPr sz="1280" b="1"/>
             </a:lvl8pPr>
-            <a:lvl9pPr marL="3657600" indent="0">
-              <a:buNone/>
-              <a:defRPr sz="1600" b="1"/>
+            <a:lvl9pPr marL="2926080" indent="0">
+              <a:buNone/>
+              <a:defRPr sz="1280" b="1"/>
             </a:lvl9pPr>
           </a:lstStyle>
           <a:p>
@@ -1599,13 +1414,7 @@
       </p:sp>
       <p:sp>
         <p:nvSpPr>
-          <p:cNvPr id="4" name="Content Placeholder 3">
-            <a:extLst>
-              <a:ext uri="{FF2B5EF4-FFF2-40B4-BE49-F238E27FC236}">
-                <a16:creationId xmlns:a16="http://schemas.microsoft.com/office/drawing/2014/main" id="{09491E41-CBDE-49F2-AB6F-AB6E88FCD2C6}"/>
-              </a:ext>
-            </a:extLst>
-          </p:cNvPr>
+          <p:cNvPr id="4" name="Content Placeholder 3"/>
           <p:cNvSpPr>
             <a:spLocks noGrp="1"/>
           </p:cNvSpPr>
@@ -1615,8 +1424,8 @@
         </p:nvSpPr>
         <p:spPr>
           <a:xfrm>
-            <a:off x="839788" y="2505075"/>
-            <a:ext cx="5157787" cy="3684588"/>
+            <a:off x="839789" y="2004060"/>
+            <a:ext cx="5157787" cy="2947670"/>
           </a:xfrm>
         </p:spPr>
         <p:txBody>
@@ -1656,18 +1465,13 @@
               <a:rPr lang="en-US"/>
               <a:t>Fifth level</a:t>
             </a:r>
-          </a:p>
-        </p:txBody>
-      </p:sp>
-      <p:sp>
-        <p:nvSpPr>
-          <p:cNvPr id="5" name="Text Placeholder 4">
-            <a:extLst>
-              <a:ext uri="{FF2B5EF4-FFF2-40B4-BE49-F238E27FC236}">
-                <a16:creationId xmlns:a16="http://schemas.microsoft.com/office/drawing/2014/main" id="{0F4879D8-4510-4A6F-923D-DDD4CD516CE9}"/>
-              </a:ext>
-            </a:extLst>
-          </p:cNvPr>
+            <a:endParaRPr lang="en-US" dirty="0"/>
+          </a:p>
+        </p:txBody>
+      </p:sp>
+      <p:sp>
+        <p:nvSpPr>
+          <p:cNvPr id="5" name="Text Placeholder 4"/>
           <p:cNvSpPr>
             <a:spLocks noGrp="1"/>
           </p:cNvSpPr>
@@ -1677,8 +1481,8 @@
         </p:nvSpPr>
         <p:spPr>
           <a:xfrm>
-            <a:off x="6172200" y="1681163"/>
-            <a:ext cx="5183188" cy="823912"/>
+            <a:off x="6172200" y="1344930"/>
+            <a:ext cx="5183188" cy="659130"/>
           </a:xfrm>
         </p:spPr>
         <p:txBody>
@@ -1686,39 +1490,39 @@
           <a:lstStyle>
             <a:lvl1pPr marL="0" indent="0">
               <a:buNone/>
-              <a:defRPr sz="2400" b="1"/>
+              <a:defRPr sz="1920" b="1"/>
             </a:lvl1pPr>
-            <a:lvl2pPr marL="457200" indent="0">
-              <a:buNone/>
-              <a:defRPr sz="2000" b="1"/>
+            <a:lvl2pPr marL="365760" indent="0">
+              <a:buNone/>
+              <a:defRPr sz="1600" b="1"/>
             </a:lvl2pPr>
-            <a:lvl3pPr marL="914400" indent="0">
-              <a:buNone/>
-              <a:defRPr sz="1800" b="1"/>
+            <a:lvl3pPr marL="731520" indent="0">
+              <a:buNone/>
+              <a:defRPr sz="1440" b="1"/>
             </a:lvl3pPr>
-            <a:lvl4pPr marL="1371600" indent="0">
-              <a:buNone/>
-              <a:defRPr sz="1600" b="1"/>
+            <a:lvl4pPr marL="1097280" indent="0">
+              <a:buNone/>
+              <a:defRPr sz="1280" b="1"/>
             </a:lvl4pPr>
-            <a:lvl5pPr marL="1828800" indent="0">
-              <a:buNone/>
-              <a:defRPr sz="1600" b="1"/>
+            <a:lvl5pPr marL="1463040" indent="0">
+              <a:buNone/>
+              <a:defRPr sz="1280" b="1"/>
             </a:lvl5pPr>
-            <a:lvl6pPr marL="2286000" indent="0">
-              <a:buNone/>
-              <a:defRPr sz="1600" b="1"/>
+            <a:lvl6pPr marL="1828800" indent="0">
+              <a:buNone/>
+              <a:defRPr sz="1280" b="1"/>
             </a:lvl6pPr>
-            <a:lvl7pPr marL="2743200" indent="0">
-              <a:buNone/>
-              <a:defRPr sz="1600" b="1"/>
+            <a:lvl7pPr marL="2194560" indent="0">
+              <a:buNone/>
+              <a:defRPr sz="1280" b="1"/>
             </a:lvl7pPr>
-            <a:lvl8pPr marL="3200400" indent="0">
-              <a:buNone/>
-              <a:defRPr sz="1600" b="1"/>
+            <a:lvl8pPr marL="2560320" indent="0">
+              <a:buNone/>
+              <a:defRPr sz="1280" b="1"/>
             </a:lvl8pPr>
-            <a:lvl9pPr marL="3657600" indent="0">
-              <a:buNone/>
-              <a:defRPr sz="1600" b="1"/>
+            <a:lvl9pPr marL="2926080" indent="0">
+              <a:buNone/>
+              <a:defRPr sz="1280" b="1"/>
             </a:lvl9pPr>
           </a:lstStyle>
           <a:p>
@@ -1732,13 +1536,7 @@
       </p:sp>
       <p:sp>
         <p:nvSpPr>
-          <p:cNvPr id="6" name="Content Placeholder 5">
-            <a:extLst>
-              <a:ext uri="{FF2B5EF4-FFF2-40B4-BE49-F238E27FC236}">
-                <a16:creationId xmlns:a16="http://schemas.microsoft.com/office/drawing/2014/main" id="{2169A74F-5DB3-4505-89AD-CDC07F338AC4}"/>
-              </a:ext>
-            </a:extLst>
-          </p:cNvPr>
+          <p:cNvPr id="6" name="Content Placeholder 5"/>
           <p:cNvSpPr>
             <a:spLocks noGrp="1"/>
           </p:cNvSpPr>
@@ -1748,8 +1546,8 @@
         </p:nvSpPr>
         <p:spPr>
           <a:xfrm>
-            <a:off x="6172200" y="2505075"/>
-            <a:ext cx="5183188" cy="3684588"/>
+            <a:off x="6172200" y="2004060"/>
+            <a:ext cx="5183188" cy="2947670"/>
           </a:xfrm>
         </p:spPr>
         <p:txBody>
@@ -1789,18 +1587,13 @@
               <a:rPr lang="en-US"/>
               <a:t>Fifth level</a:t>
             </a:r>
-          </a:p>
-        </p:txBody>
-      </p:sp>
-      <p:sp>
-        <p:nvSpPr>
-          <p:cNvPr id="7" name="Date Placeholder 6">
-            <a:extLst>
-              <a:ext uri="{FF2B5EF4-FFF2-40B4-BE49-F238E27FC236}">
-                <a16:creationId xmlns:a16="http://schemas.microsoft.com/office/drawing/2014/main" id="{B6AD53F0-5340-4185-BAB6-ABAA14B1B497}"/>
-              </a:ext>
-            </a:extLst>
-          </p:cNvPr>
+            <a:endParaRPr lang="en-US" dirty="0"/>
+          </a:p>
+        </p:txBody>
+      </p:sp>
+      <p:sp>
+        <p:nvSpPr>
+          <p:cNvPr id="7" name="Date Placeholder 6"/>
           <p:cNvSpPr>
             <a:spLocks noGrp="1"/>
           </p:cNvSpPr>
@@ -1815,7 +1608,7 @@
           <a:p>
             <a:fld id="{64538243-B5A4-4835-B8F8-268F515CADC0}" type="datetimeFigureOut">
               <a:rPr lang="en-US" smtClean="0"/>
-              <a:t>2/21/2021</a:t>
+              <a:t>3/5/2021</a:t>
             </a:fld>
             <a:endParaRPr lang="en-US"/>
           </a:p>
@@ -1823,13 +1616,7 @@
       </p:sp>
       <p:sp>
         <p:nvSpPr>
-          <p:cNvPr id="8" name="Footer Placeholder 7">
-            <a:extLst>
-              <a:ext uri="{FF2B5EF4-FFF2-40B4-BE49-F238E27FC236}">
-                <a16:creationId xmlns:a16="http://schemas.microsoft.com/office/drawing/2014/main" id="{F06C1094-D3CA-4BE8-86F5-4D1213272E68}"/>
-              </a:ext>
-            </a:extLst>
-          </p:cNvPr>
+          <p:cNvPr id="8" name="Footer Placeholder 7"/>
           <p:cNvSpPr>
             <a:spLocks noGrp="1"/>
           </p:cNvSpPr>
@@ -1848,13 +1635,7 @@
       </p:sp>
       <p:sp>
         <p:nvSpPr>
-          <p:cNvPr id="9" name="Slide Number Placeholder 8">
-            <a:extLst>
-              <a:ext uri="{FF2B5EF4-FFF2-40B4-BE49-F238E27FC236}">
-                <a16:creationId xmlns:a16="http://schemas.microsoft.com/office/drawing/2014/main" id="{DD6F30DB-363F-49E5-B87E-11C396784D07}"/>
-              </a:ext>
-            </a:extLst>
-          </p:cNvPr>
+          <p:cNvPr id="9" name="Slide Number Placeholder 8"/>
           <p:cNvSpPr>
             <a:spLocks noGrp="1"/>
           </p:cNvSpPr>
@@ -1878,7 +1659,7 @@
     </p:spTree>
     <p:extLst>
       <p:ext uri="{BB962C8B-B14F-4D97-AF65-F5344CB8AC3E}">
-        <p14:creationId xmlns:p14="http://schemas.microsoft.com/office/powerpoint/2010/main" val="481553108"/>
+        <p14:creationId xmlns:p14="http://schemas.microsoft.com/office/powerpoint/2010/main" val="71033946"/>
       </p:ext>
     </p:extLst>
   </p:cSld>
@@ -1907,13 +1688,7 @@
       </p:grpSpPr>
       <p:sp>
         <p:nvSpPr>
-          <p:cNvPr id="2" name="Title 1">
-            <a:extLst>
-              <a:ext uri="{FF2B5EF4-FFF2-40B4-BE49-F238E27FC236}">
-                <a16:creationId xmlns:a16="http://schemas.microsoft.com/office/drawing/2014/main" id="{AF02CEB0-6A33-41FE-BC9A-503F1531B9E0}"/>
-              </a:ext>
-            </a:extLst>
-          </p:cNvPr>
+          <p:cNvPr id="2" name="Title 1"/>
           <p:cNvSpPr>
             <a:spLocks noGrp="1"/>
           </p:cNvSpPr>
@@ -1930,18 +1705,13 @@
               <a:rPr lang="en-US"/>
               <a:t>Click to edit Master title style</a:t>
             </a:r>
-          </a:p>
-        </p:txBody>
-      </p:sp>
-      <p:sp>
-        <p:nvSpPr>
-          <p:cNvPr id="3" name="Date Placeholder 2">
-            <a:extLst>
-              <a:ext uri="{FF2B5EF4-FFF2-40B4-BE49-F238E27FC236}">
-                <a16:creationId xmlns:a16="http://schemas.microsoft.com/office/drawing/2014/main" id="{A5FDF00C-E6FB-4562-A963-EAEE8A07B8EA}"/>
-              </a:ext>
-            </a:extLst>
-          </p:cNvPr>
+            <a:endParaRPr lang="en-US" dirty="0"/>
+          </a:p>
+        </p:txBody>
+      </p:sp>
+      <p:sp>
+        <p:nvSpPr>
+          <p:cNvPr id="3" name="Date Placeholder 2"/>
           <p:cNvSpPr>
             <a:spLocks noGrp="1"/>
           </p:cNvSpPr>
@@ -1956,7 +1726,7 @@
           <a:p>
             <a:fld id="{64538243-B5A4-4835-B8F8-268F515CADC0}" type="datetimeFigureOut">
               <a:rPr lang="en-US" smtClean="0"/>
-              <a:t>2/21/2021</a:t>
+              <a:t>3/5/2021</a:t>
             </a:fld>
             <a:endParaRPr lang="en-US"/>
           </a:p>
@@ -1964,13 +1734,7 @@
       </p:sp>
       <p:sp>
         <p:nvSpPr>
-          <p:cNvPr id="4" name="Footer Placeholder 3">
-            <a:extLst>
-              <a:ext uri="{FF2B5EF4-FFF2-40B4-BE49-F238E27FC236}">
-                <a16:creationId xmlns:a16="http://schemas.microsoft.com/office/drawing/2014/main" id="{33E02CC9-7283-4DDD-BB92-ABCFD8307B59}"/>
-              </a:ext>
-            </a:extLst>
-          </p:cNvPr>
+          <p:cNvPr id="4" name="Footer Placeholder 3"/>
           <p:cNvSpPr>
             <a:spLocks noGrp="1"/>
           </p:cNvSpPr>
@@ -1989,13 +1753,7 @@
       </p:sp>
       <p:sp>
         <p:nvSpPr>
-          <p:cNvPr id="5" name="Slide Number Placeholder 4">
-            <a:extLst>
-              <a:ext uri="{FF2B5EF4-FFF2-40B4-BE49-F238E27FC236}">
-                <a16:creationId xmlns:a16="http://schemas.microsoft.com/office/drawing/2014/main" id="{471C264B-0EE1-47FF-96B8-6A3AEF0C97B0}"/>
-              </a:ext>
-            </a:extLst>
-          </p:cNvPr>
+          <p:cNvPr id="5" name="Slide Number Placeholder 4"/>
           <p:cNvSpPr>
             <a:spLocks noGrp="1"/>
           </p:cNvSpPr>
@@ -2019,7 +1777,7 @@
     </p:spTree>
     <p:extLst>
       <p:ext uri="{BB962C8B-B14F-4D97-AF65-F5344CB8AC3E}">
-        <p14:creationId xmlns:p14="http://schemas.microsoft.com/office/powerpoint/2010/main" val="2440608847"/>
+        <p14:creationId xmlns:p14="http://schemas.microsoft.com/office/powerpoint/2010/main" val="1314413692"/>
       </p:ext>
     </p:extLst>
   </p:cSld>
@@ -2048,13 +1806,7 @@
       </p:grpSpPr>
       <p:sp>
         <p:nvSpPr>
-          <p:cNvPr id="2" name="Date Placeholder 1">
-            <a:extLst>
-              <a:ext uri="{FF2B5EF4-FFF2-40B4-BE49-F238E27FC236}">
-                <a16:creationId xmlns:a16="http://schemas.microsoft.com/office/drawing/2014/main" id="{2233FCD8-C447-486E-A61C-0E35291076AB}"/>
-              </a:ext>
-            </a:extLst>
-          </p:cNvPr>
+          <p:cNvPr id="2" name="Date Placeholder 1"/>
           <p:cNvSpPr>
             <a:spLocks noGrp="1"/>
           </p:cNvSpPr>
@@ -2069,7 +1821,7 @@
           <a:p>
             <a:fld id="{64538243-B5A4-4835-B8F8-268F515CADC0}" type="datetimeFigureOut">
               <a:rPr lang="en-US" smtClean="0"/>
-              <a:t>2/21/2021</a:t>
+              <a:t>3/5/2021</a:t>
             </a:fld>
             <a:endParaRPr lang="en-US"/>
           </a:p>
@@ -2077,13 +1829,7 @@
       </p:sp>
       <p:sp>
         <p:nvSpPr>
-          <p:cNvPr id="3" name="Footer Placeholder 2">
-            <a:extLst>
-              <a:ext uri="{FF2B5EF4-FFF2-40B4-BE49-F238E27FC236}">
-                <a16:creationId xmlns:a16="http://schemas.microsoft.com/office/drawing/2014/main" id="{AFFF8159-96D3-4B25-9394-356844FF2AEA}"/>
-              </a:ext>
-            </a:extLst>
-          </p:cNvPr>
+          <p:cNvPr id="3" name="Footer Placeholder 2"/>
           <p:cNvSpPr>
             <a:spLocks noGrp="1"/>
           </p:cNvSpPr>
@@ -2102,13 +1848,7 @@
       </p:sp>
       <p:sp>
         <p:nvSpPr>
-          <p:cNvPr id="4" name="Slide Number Placeholder 3">
-            <a:extLst>
-              <a:ext uri="{FF2B5EF4-FFF2-40B4-BE49-F238E27FC236}">
-                <a16:creationId xmlns:a16="http://schemas.microsoft.com/office/drawing/2014/main" id="{5A332379-BFFC-443F-B001-28CA64AFB910}"/>
-              </a:ext>
-            </a:extLst>
-          </p:cNvPr>
+          <p:cNvPr id="4" name="Slide Number Placeholder 3"/>
           <p:cNvSpPr>
             <a:spLocks noGrp="1"/>
           </p:cNvSpPr>
@@ -2132,7 +1872,7 @@
     </p:spTree>
     <p:extLst>
       <p:ext uri="{BB962C8B-B14F-4D97-AF65-F5344CB8AC3E}">
-        <p14:creationId xmlns:p14="http://schemas.microsoft.com/office/powerpoint/2010/main" val="3433471817"/>
+        <p14:creationId xmlns:p14="http://schemas.microsoft.com/office/powerpoint/2010/main" val="3146032585"/>
       </p:ext>
     </p:extLst>
   </p:cSld>
@@ -2161,13 +1901,7 @@
       </p:grpSpPr>
       <p:sp>
         <p:nvSpPr>
-          <p:cNvPr id="2" name="Title 1">
-            <a:extLst>
-              <a:ext uri="{FF2B5EF4-FFF2-40B4-BE49-F238E27FC236}">
-                <a16:creationId xmlns:a16="http://schemas.microsoft.com/office/drawing/2014/main" id="{B6320F60-5DA2-4E35-BA60-1E8561439CB6}"/>
-              </a:ext>
-            </a:extLst>
-          </p:cNvPr>
+          <p:cNvPr id="2" name="Title 1"/>
           <p:cNvSpPr>
             <a:spLocks noGrp="1"/>
           </p:cNvSpPr>
@@ -2177,15 +1911,15 @@
         </p:nvSpPr>
         <p:spPr>
           <a:xfrm>
-            <a:off x="839788" y="457200"/>
-            <a:ext cx="3932237" cy="1600200"/>
+            <a:off x="839789" y="365760"/>
+            <a:ext cx="3932237" cy="1280160"/>
           </a:xfrm>
         </p:spPr>
         <p:txBody>
           <a:bodyPr anchor="b"/>
           <a:lstStyle>
             <a:lvl1pPr>
-              <a:defRPr sz="3200"/>
+              <a:defRPr sz="2560"/>
             </a:lvl1pPr>
           </a:lstStyle>
           <a:p>
@@ -2193,18 +1927,13 @@
               <a:rPr lang="en-US"/>
               <a:t>Click to edit Master title style</a:t>
             </a:r>
-          </a:p>
-        </p:txBody>
-      </p:sp>
-      <p:sp>
-        <p:nvSpPr>
-          <p:cNvPr id="3" name="Content Placeholder 2">
-            <a:extLst>
-              <a:ext uri="{FF2B5EF4-FFF2-40B4-BE49-F238E27FC236}">
-                <a16:creationId xmlns:a16="http://schemas.microsoft.com/office/drawing/2014/main" id="{15A9992E-132D-479C-B01C-3205A487A8AC}"/>
-              </a:ext>
-            </a:extLst>
-          </p:cNvPr>
+            <a:endParaRPr lang="en-US" dirty="0"/>
+          </a:p>
+        </p:txBody>
+      </p:sp>
+      <p:sp>
+        <p:nvSpPr>
+          <p:cNvPr id="3" name="Content Placeholder 2"/>
           <p:cNvSpPr>
             <a:spLocks noGrp="1"/>
           </p:cNvSpPr>
@@ -2214,39 +1943,39 @@
         </p:nvSpPr>
         <p:spPr>
           <a:xfrm>
-            <a:off x="5183188" y="987425"/>
-            <a:ext cx="6172200" cy="4873625"/>
+            <a:off x="5183188" y="789940"/>
+            <a:ext cx="6172200" cy="3898900"/>
           </a:xfrm>
         </p:spPr>
         <p:txBody>
           <a:bodyPr/>
           <a:lstStyle>
             <a:lvl1pPr>
-              <a:defRPr sz="3200"/>
+              <a:defRPr sz="2560"/>
             </a:lvl1pPr>
             <a:lvl2pPr>
-              <a:defRPr sz="2800"/>
+              <a:defRPr sz="2240"/>
             </a:lvl2pPr>
             <a:lvl3pPr>
-              <a:defRPr sz="2400"/>
+              <a:defRPr sz="1920"/>
             </a:lvl3pPr>
             <a:lvl4pPr>
-              <a:defRPr sz="2000"/>
+              <a:defRPr sz="1600"/>
             </a:lvl4pPr>
             <a:lvl5pPr>
-              <a:defRPr sz="2000"/>
+              <a:defRPr sz="1600"/>
             </a:lvl5pPr>
             <a:lvl6pPr>
-              <a:defRPr sz="2000"/>
+              <a:defRPr sz="1600"/>
             </a:lvl6pPr>
             <a:lvl7pPr>
-              <a:defRPr sz="2000"/>
+              <a:defRPr sz="1600"/>
             </a:lvl7pPr>
             <a:lvl8pPr>
-              <a:defRPr sz="2000"/>
+              <a:defRPr sz="1600"/>
             </a:lvl8pPr>
             <a:lvl9pPr>
-              <a:defRPr sz="2000"/>
+              <a:defRPr sz="1600"/>
             </a:lvl9pPr>
           </a:lstStyle>
           <a:p>
@@ -2283,18 +2012,13 @@
               <a:rPr lang="en-US"/>
               <a:t>Fifth level</a:t>
             </a:r>
-          </a:p>
-        </p:txBody>
-      </p:sp>
-      <p:sp>
-        <p:nvSpPr>
-          <p:cNvPr id="4" name="Text Placeholder 3">
-            <a:extLst>
-              <a:ext uri="{FF2B5EF4-FFF2-40B4-BE49-F238E27FC236}">
-                <a16:creationId xmlns:a16="http://schemas.microsoft.com/office/drawing/2014/main" id="{C1792B21-08B5-4D99-A0EF-38BFFF18B871}"/>
-              </a:ext>
-            </a:extLst>
-          </p:cNvPr>
+            <a:endParaRPr lang="en-US" dirty="0"/>
+          </a:p>
+        </p:txBody>
+      </p:sp>
+      <p:sp>
+        <p:nvSpPr>
+          <p:cNvPr id="4" name="Text Placeholder 3"/>
           <p:cNvSpPr>
             <a:spLocks noGrp="1"/>
           </p:cNvSpPr>
@@ -2304,8 +2028,8 @@
         </p:nvSpPr>
         <p:spPr>
           <a:xfrm>
-            <a:off x="839788" y="2057400"/>
-            <a:ext cx="3932237" cy="3811588"/>
+            <a:off x="839789" y="1645920"/>
+            <a:ext cx="3932237" cy="3049270"/>
           </a:xfrm>
         </p:spPr>
         <p:txBody>
@@ -2313,39 +2037,39 @@
           <a:lstStyle>
             <a:lvl1pPr marL="0" indent="0">
               <a:buNone/>
-              <a:defRPr sz="1600"/>
+              <a:defRPr sz="1280"/>
             </a:lvl1pPr>
-            <a:lvl2pPr marL="457200" indent="0">
-              <a:buNone/>
-              <a:defRPr sz="1400"/>
+            <a:lvl2pPr marL="365760" indent="0">
+              <a:buNone/>
+              <a:defRPr sz="1120"/>
             </a:lvl2pPr>
-            <a:lvl3pPr marL="914400" indent="0">
-              <a:buNone/>
-              <a:defRPr sz="1200"/>
+            <a:lvl3pPr marL="731520" indent="0">
+              <a:buNone/>
+              <a:defRPr sz="960"/>
             </a:lvl3pPr>
-            <a:lvl4pPr marL="1371600" indent="0">
-              <a:buNone/>
-              <a:defRPr sz="1000"/>
+            <a:lvl4pPr marL="1097280" indent="0">
+              <a:buNone/>
+              <a:defRPr sz="800"/>
             </a:lvl4pPr>
-            <a:lvl5pPr marL="1828800" indent="0">
-              <a:buNone/>
-              <a:defRPr sz="1000"/>
+            <a:lvl5pPr marL="1463040" indent="0">
+              <a:buNone/>
+              <a:defRPr sz="800"/>
             </a:lvl5pPr>
-            <a:lvl6pPr marL="2286000" indent="0">
-              <a:buNone/>
-              <a:defRPr sz="1000"/>
+            <a:lvl6pPr marL="1828800" indent="0">
+              <a:buNone/>
+              <a:defRPr sz="800"/>
             </a:lvl6pPr>
-            <a:lvl7pPr marL="2743200" indent="0">
-              <a:buNone/>
-              <a:defRPr sz="1000"/>
+            <a:lvl7pPr marL="2194560" indent="0">
+              <a:buNone/>
+              <a:defRPr sz="800"/>
             </a:lvl7pPr>
-            <a:lvl8pPr marL="3200400" indent="0">
-              <a:buNone/>
-              <a:defRPr sz="1000"/>
+            <a:lvl8pPr marL="2560320" indent="0">
+              <a:buNone/>
+              <a:defRPr sz="800"/>
             </a:lvl8pPr>
-            <a:lvl9pPr marL="3657600" indent="0">
-              <a:buNone/>
-              <a:defRPr sz="1000"/>
+            <a:lvl9pPr marL="2926080" indent="0">
+              <a:buNone/>
+              <a:defRPr sz="800"/>
             </a:lvl9pPr>
           </a:lstStyle>
           <a:p>
@@ -2359,13 +2083,7 @@
       </p:sp>
       <p:sp>
         <p:nvSpPr>
-          <p:cNvPr id="5" name="Date Placeholder 4">
-            <a:extLst>
-              <a:ext uri="{FF2B5EF4-FFF2-40B4-BE49-F238E27FC236}">
-                <a16:creationId xmlns:a16="http://schemas.microsoft.com/office/drawing/2014/main" id="{BDCD7CA4-8D52-45D7-989B-962958540879}"/>
-              </a:ext>
-            </a:extLst>
-          </p:cNvPr>
+          <p:cNvPr id="5" name="Date Placeholder 4"/>
           <p:cNvSpPr>
             <a:spLocks noGrp="1"/>
           </p:cNvSpPr>
@@ -2380,7 +2098,7 @@
           <a:p>
             <a:fld id="{64538243-B5A4-4835-B8F8-268F515CADC0}" type="datetimeFigureOut">
               <a:rPr lang="en-US" smtClean="0"/>
-              <a:t>2/21/2021</a:t>
+              <a:t>3/5/2021</a:t>
             </a:fld>
             <a:endParaRPr lang="en-US"/>
           </a:p>
@@ -2388,13 +2106,7 @@
       </p:sp>
       <p:sp>
         <p:nvSpPr>
-          <p:cNvPr id="6" name="Footer Placeholder 5">
-            <a:extLst>
-              <a:ext uri="{FF2B5EF4-FFF2-40B4-BE49-F238E27FC236}">
-                <a16:creationId xmlns:a16="http://schemas.microsoft.com/office/drawing/2014/main" id="{15C5A325-8781-419F-949F-E28FF48FA062}"/>
-              </a:ext>
-            </a:extLst>
-          </p:cNvPr>
+          <p:cNvPr id="6" name="Footer Placeholder 5"/>
           <p:cNvSpPr>
             <a:spLocks noGrp="1"/>
           </p:cNvSpPr>
@@ -2413,13 +2125,7 @@
       </p:sp>
       <p:sp>
         <p:nvSpPr>
-          <p:cNvPr id="7" name="Slide Number Placeholder 6">
-            <a:extLst>
-              <a:ext uri="{FF2B5EF4-FFF2-40B4-BE49-F238E27FC236}">
-                <a16:creationId xmlns:a16="http://schemas.microsoft.com/office/drawing/2014/main" id="{A64090FA-9028-4405-816B-DC9619F1374E}"/>
-              </a:ext>
-            </a:extLst>
-          </p:cNvPr>
+          <p:cNvPr id="7" name="Slide Number Placeholder 6"/>
           <p:cNvSpPr>
             <a:spLocks noGrp="1"/>
           </p:cNvSpPr>
@@ -2443,7 +2149,7 @@
     </p:spTree>
     <p:extLst>
       <p:ext uri="{BB962C8B-B14F-4D97-AF65-F5344CB8AC3E}">
-        <p14:creationId xmlns:p14="http://schemas.microsoft.com/office/powerpoint/2010/main" val="3073253771"/>
+        <p14:creationId xmlns:p14="http://schemas.microsoft.com/office/powerpoint/2010/main" val="1293194408"/>
       </p:ext>
     </p:extLst>
   </p:cSld>
@@ -2472,13 +2178,7 @@
       </p:grpSpPr>
       <p:sp>
         <p:nvSpPr>
-          <p:cNvPr id="2" name="Title 1">
-            <a:extLst>
-              <a:ext uri="{FF2B5EF4-FFF2-40B4-BE49-F238E27FC236}">
-                <a16:creationId xmlns:a16="http://schemas.microsoft.com/office/drawing/2014/main" id="{230689C0-C211-4427-803D-7E9D3146B685}"/>
-              </a:ext>
-            </a:extLst>
-          </p:cNvPr>
+          <p:cNvPr id="2" name="Title 1"/>
           <p:cNvSpPr>
             <a:spLocks noGrp="1"/>
           </p:cNvSpPr>
@@ -2488,15 +2188,15 @@
         </p:nvSpPr>
         <p:spPr>
           <a:xfrm>
-            <a:off x="839788" y="457200"/>
-            <a:ext cx="3932237" cy="1600200"/>
+            <a:off x="839789" y="365760"/>
+            <a:ext cx="3932237" cy="1280160"/>
           </a:xfrm>
         </p:spPr>
         <p:txBody>
           <a:bodyPr anchor="b"/>
           <a:lstStyle>
             <a:lvl1pPr>
-              <a:defRPr sz="3200"/>
+              <a:defRPr sz="2560"/>
             </a:lvl1pPr>
           </a:lstStyle>
           <a:p>
@@ -2504,20 +2204,15 @@
               <a:rPr lang="en-US"/>
               <a:t>Click to edit Master title style</a:t>
             </a:r>
-          </a:p>
-        </p:txBody>
-      </p:sp>
-      <p:sp>
-        <p:nvSpPr>
-          <p:cNvPr id="3" name="Picture Placeholder 2">
-            <a:extLst>
-              <a:ext uri="{FF2B5EF4-FFF2-40B4-BE49-F238E27FC236}">
-                <a16:creationId xmlns:a16="http://schemas.microsoft.com/office/drawing/2014/main" id="{0B2F45F7-9A93-416A-8A5F-4A77C16F6B92}"/>
-              </a:ext>
-            </a:extLst>
-          </p:cNvPr>
-          <p:cNvSpPr>
-            <a:spLocks noGrp="1"/>
+            <a:endParaRPr lang="en-US" dirty="0"/>
+          </a:p>
+        </p:txBody>
+      </p:sp>
+      <p:sp>
+        <p:nvSpPr>
+          <p:cNvPr id="3" name="Picture Placeholder 2"/>
+          <p:cNvSpPr>
+            <a:spLocks noGrp="1" noChangeAspect="1"/>
           </p:cNvSpPr>
           <p:nvPr>
             <p:ph type="pic" idx="1"/>
@@ -2525,64 +2220,62 @@
         </p:nvSpPr>
         <p:spPr>
           <a:xfrm>
-            <a:off x="5183188" y="987425"/>
-            <a:ext cx="6172200" cy="4873625"/>
+            <a:off x="5183188" y="789940"/>
+            <a:ext cx="6172200" cy="3898900"/>
           </a:xfrm>
         </p:spPr>
         <p:txBody>
-          <a:bodyPr/>
+          <a:bodyPr anchor="t"/>
           <a:lstStyle>
             <a:lvl1pPr marL="0" indent="0">
               <a:buNone/>
-              <a:defRPr sz="3200"/>
+              <a:defRPr sz="2560"/>
             </a:lvl1pPr>
-            <a:lvl2pPr marL="457200" indent="0">
-              <a:buNone/>
-              <a:defRPr sz="2800"/>
+            <a:lvl2pPr marL="365760" indent="0">
+              <a:buNone/>
+              <a:defRPr sz="2240"/>
             </a:lvl2pPr>
-            <a:lvl3pPr marL="914400" indent="0">
-              <a:buNone/>
-              <a:defRPr sz="2400"/>
+            <a:lvl3pPr marL="731520" indent="0">
+              <a:buNone/>
+              <a:defRPr sz="1920"/>
             </a:lvl3pPr>
-            <a:lvl4pPr marL="1371600" indent="0">
-              <a:buNone/>
-              <a:defRPr sz="2000"/>
+            <a:lvl4pPr marL="1097280" indent="0">
+              <a:buNone/>
+              <a:defRPr sz="1600"/>
             </a:lvl4pPr>
-            <a:lvl5pPr marL="1828800" indent="0">
-              <a:buNone/>
-              <a:defRPr sz="2000"/>
+            <a:lvl5pPr marL="1463040" indent="0">
+              <a:buNone/>
+              <a:defRPr sz="1600"/>
             </a:lvl5pPr>
-            <a:lvl6pPr marL="2286000" indent="0">
-              <a:buNone/>
-              <a:defRPr sz="2000"/>
+            <a:lvl6pPr marL="1828800" indent="0">
+              <a:buNone/>
+              <a:defRPr sz="1600"/>
             </a:lvl6pPr>
-            <a:lvl7pPr marL="2743200" indent="0">
-              <a:buNone/>
-              <a:defRPr sz="2000"/>
+            <a:lvl7pPr marL="2194560" indent="0">
+              <a:buNone/>
+              <a:defRPr sz="1600"/>
             </a:lvl7pPr>
-            <a:lvl8pPr marL="3200400" indent="0">
-              <a:buNone/>
-              <a:defRPr sz="2000"/>
+            <a:lvl8pPr marL="2560320" indent="0">
+              <a:buNone/>
+              <a:defRPr sz="1600"/>
             </a:lvl8pPr>
-            <a:lvl9pPr marL="3657600" indent="0">
-              <a:buNone/>
-              <a:defRPr sz="2000"/>
+            <a:lvl9pPr marL="2926080" indent="0">
+              <a:buNone/>
+              <a:defRPr sz="1600"/>
             </a:lvl9pPr>
           </a:lstStyle>
           <a:p>
-            <a:endParaRPr lang="en-US"/>
-          </a:p>
-        </p:txBody>
-      </p:sp>
-      <p:sp>
-        <p:nvSpPr>
-          <p:cNvPr id="4" name="Text Placeholder 3">
-            <a:extLst>
-              <a:ext uri="{FF2B5EF4-FFF2-40B4-BE49-F238E27FC236}">
-                <a16:creationId xmlns:a16="http://schemas.microsoft.com/office/drawing/2014/main" id="{F8A04736-8C6B-4328-8F01-444EE543F3D3}"/>
-              </a:ext>
-            </a:extLst>
-          </p:cNvPr>
+            <a:r>
+              <a:rPr lang="en-US"/>
+              <a:t>Click icon to add picture</a:t>
+            </a:r>
+            <a:endParaRPr lang="en-US" dirty="0"/>
+          </a:p>
+        </p:txBody>
+      </p:sp>
+      <p:sp>
+        <p:nvSpPr>
+          <p:cNvPr id="4" name="Text Placeholder 3"/>
           <p:cNvSpPr>
             <a:spLocks noGrp="1"/>
           </p:cNvSpPr>
@@ -2592,8 +2285,8 @@
         </p:nvSpPr>
         <p:spPr>
           <a:xfrm>
-            <a:off x="839788" y="2057400"/>
-            <a:ext cx="3932237" cy="3811588"/>
+            <a:off x="839789" y="1645920"/>
+            <a:ext cx="3932237" cy="3049270"/>
           </a:xfrm>
         </p:spPr>
         <p:txBody>
@@ -2601,39 +2294,39 @@
           <a:lstStyle>
             <a:lvl1pPr marL="0" indent="0">
               <a:buNone/>
-              <a:defRPr sz="1600"/>
+              <a:defRPr sz="1280"/>
             </a:lvl1pPr>
-            <a:lvl2pPr marL="457200" indent="0">
-              <a:buNone/>
-              <a:defRPr sz="1400"/>
+            <a:lvl2pPr marL="365760" indent="0">
+              <a:buNone/>
+              <a:defRPr sz="1120"/>
             </a:lvl2pPr>
-            <a:lvl3pPr marL="914400" indent="0">
-              <a:buNone/>
-              <a:defRPr sz="1200"/>
+            <a:lvl3pPr marL="731520" indent="0">
+              <a:buNone/>
+              <a:defRPr sz="960"/>
             </a:lvl3pPr>
-            <a:lvl4pPr marL="1371600" indent="0">
-              <a:buNone/>
-              <a:defRPr sz="1000"/>
+            <a:lvl4pPr marL="1097280" indent="0">
+              <a:buNone/>
+              <a:defRPr sz="800"/>
             </a:lvl4pPr>
-            <a:lvl5pPr marL="1828800" indent="0">
-              <a:buNone/>
-              <a:defRPr sz="1000"/>
+            <a:lvl5pPr marL="1463040" indent="0">
+              <a:buNone/>
+              <a:defRPr sz="800"/>
             </a:lvl5pPr>
-            <a:lvl6pPr marL="2286000" indent="0">
-              <a:buNone/>
-              <a:defRPr sz="1000"/>
+            <a:lvl6pPr marL="1828800" indent="0">
+              <a:buNone/>
+              <a:defRPr sz="800"/>
             </a:lvl6pPr>
-            <a:lvl7pPr marL="2743200" indent="0">
-              <a:buNone/>
-              <a:defRPr sz="1000"/>
+            <a:lvl7pPr marL="2194560" indent="0">
+              <a:buNone/>
+              <a:defRPr sz="800"/>
             </a:lvl7pPr>
-            <a:lvl8pPr marL="3200400" indent="0">
-              <a:buNone/>
-              <a:defRPr sz="1000"/>
+            <a:lvl8pPr marL="2560320" indent="0">
+              <a:buNone/>
+              <a:defRPr sz="800"/>
             </a:lvl8pPr>
-            <a:lvl9pPr marL="3657600" indent="0">
-              <a:buNone/>
-              <a:defRPr sz="1000"/>
+            <a:lvl9pPr marL="2926080" indent="0">
+              <a:buNone/>
+              <a:defRPr sz="800"/>
             </a:lvl9pPr>
           </a:lstStyle>
           <a:p>
@@ -2647,13 +2340,7 @@
       </p:sp>
       <p:sp>
         <p:nvSpPr>
-          <p:cNvPr id="5" name="Date Placeholder 4">
-            <a:extLst>
-              <a:ext uri="{FF2B5EF4-FFF2-40B4-BE49-F238E27FC236}">
-                <a16:creationId xmlns:a16="http://schemas.microsoft.com/office/drawing/2014/main" id="{04F2FDBB-0562-4E19-9A7A-6764969CDE6C}"/>
-              </a:ext>
-            </a:extLst>
-          </p:cNvPr>
+          <p:cNvPr id="5" name="Date Placeholder 4"/>
           <p:cNvSpPr>
             <a:spLocks noGrp="1"/>
           </p:cNvSpPr>
@@ -2668,7 +2355,7 @@
           <a:p>
             <a:fld id="{64538243-B5A4-4835-B8F8-268F515CADC0}" type="datetimeFigureOut">
               <a:rPr lang="en-US" smtClean="0"/>
-              <a:t>2/21/2021</a:t>
+              <a:t>3/5/2021</a:t>
             </a:fld>
             <a:endParaRPr lang="en-US"/>
           </a:p>
@@ -2676,13 +2363,7 @@
       </p:sp>
       <p:sp>
         <p:nvSpPr>
-          <p:cNvPr id="6" name="Footer Placeholder 5">
-            <a:extLst>
-              <a:ext uri="{FF2B5EF4-FFF2-40B4-BE49-F238E27FC236}">
-                <a16:creationId xmlns:a16="http://schemas.microsoft.com/office/drawing/2014/main" id="{6D3756A4-3151-4E37-8732-A1BCD830D8BD}"/>
-              </a:ext>
-            </a:extLst>
-          </p:cNvPr>
+          <p:cNvPr id="6" name="Footer Placeholder 5"/>
           <p:cNvSpPr>
             <a:spLocks noGrp="1"/>
           </p:cNvSpPr>
@@ -2701,13 +2382,7 @@
       </p:sp>
       <p:sp>
         <p:nvSpPr>
-          <p:cNvPr id="7" name="Slide Number Placeholder 6">
-            <a:extLst>
-              <a:ext uri="{FF2B5EF4-FFF2-40B4-BE49-F238E27FC236}">
-                <a16:creationId xmlns:a16="http://schemas.microsoft.com/office/drawing/2014/main" id="{7D4AF876-5C1B-4172-81E8-5C952048BA57}"/>
-              </a:ext>
-            </a:extLst>
-          </p:cNvPr>
+          <p:cNvPr id="7" name="Slide Number Placeholder 6"/>
           <p:cNvSpPr>
             <a:spLocks noGrp="1"/>
           </p:cNvSpPr>
@@ -2731,7 +2406,7 @@
     </p:spTree>
     <p:extLst>
       <p:ext uri="{BB962C8B-B14F-4D97-AF65-F5344CB8AC3E}">
-        <p14:creationId xmlns:p14="http://schemas.microsoft.com/office/powerpoint/2010/main" val="436660948"/>
+        <p14:creationId xmlns:p14="http://schemas.microsoft.com/office/powerpoint/2010/main" val="2900041037"/>
       </p:ext>
     </p:extLst>
   </p:cSld>
@@ -2765,13 +2440,7 @@
       </p:grpSpPr>
       <p:sp>
         <p:nvSpPr>
-          <p:cNvPr id="2" name="Title Placeholder 1">
-            <a:extLst>
-              <a:ext uri="{FF2B5EF4-FFF2-40B4-BE49-F238E27FC236}">
-                <a16:creationId xmlns:a16="http://schemas.microsoft.com/office/drawing/2014/main" id="{51F3DA79-DE87-4087-BB3F-F752C6BE8AFE}"/>
-              </a:ext>
-            </a:extLst>
-          </p:cNvPr>
+          <p:cNvPr id="2" name="Title Placeholder 1"/>
           <p:cNvSpPr>
             <a:spLocks noGrp="1"/>
           </p:cNvSpPr>
@@ -2781,8 +2450,8 @@
         </p:nvSpPr>
         <p:spPr>
           <a:xfrm>
-            <a:off x="838200" y="365125"/>
-            <a:ext cx="10515600" cy="1325563"/>
+            <a:off x="838200" y="292101"/>
+            <a:ext cx="10515600" cy="1060450"/>
           </a:xfrm>
           <a:prstGeom prst="rect">
             <a:avLst/>
@@ -2798,18 +2467,13 @@
               <a:rPr lang="en-US"/>
               <a:t>Click to edit Master title style</a:t>
             </a:r>
-          </a:p>
-        </p:txBody>
-      </p:sp>
-      <p:sp>
-        <p:nvSpPr>
-          <p:cNvPr id="3" name="Text Placeholder 2">
-            <a:extLst>
-              <a:ext uri="{FF2B5EF4-FFF2-40B4-BE49-F238E27FC236}">
-                <a16:creationId xmlns:a16="http://schemas.microsoft.com/office/drawing/2014/main" id="{CDE4028A-0875-466E-9992-A210B3965C9C}"/>
-              </a:ext>
-            </a:extLst>
-          </p:cNvPr>
+            <a:endParaRPr lang="en-US" dirty="0"/>
+          </a:p>
+        </p:txBody>
+      </p:sp>
+      <p:sp>
+        <p:nvSpPr>
+          <p:cNvPr id="3" name="Text Placeholder 2"/>
           <p:cNvSpPr>
             <a:spLocks noGrp="1"/>
           </p:cNvSpPr>
@@ -2819,8 +2483,8 @@
         </p:nvSpPr>
         <p:spPr>
           <a:xfrm>
-            <a:off x="838200" y="1825625"/>
-            <a:ext cx="10515600" cy="4351338"/>
+            <a:off x="838200" y="1460500"/>
+            <a:ext cx="10515600" cy="3481070"/>
           </a:xfrm>
           <a:prstGeom prst="rect">
             <a:avLst/>
@@ -2865,18 +2529,13 @@
               <a:rPr lang="en-US"/>
               <a:t>Fifth level</a:t>
             </a:r>
-          </a:p>
-        </p:txBody>
-      </p:sp>
-      <p:sp>
-        <p:nvSpPr>
-          <p:cNvPr id="4" name="Date Placeholder 3">
-            <a:extLst>
-              <a:ext uri="{FF2B5EF4-FFF2-40B4-BE49-F238E27FC236}">
-                <a16:creationId xmlns:a16="http://schemas.microsoft.com/office/drawing/2014/main" id="{CC4FC575-672A-44A5-89E8-29AC2BBDF024}"/>
-              </a:ext>
-            </a:extLst>
-          </p:cNvPr>
+            <a:endParaRPr lang="en-US" dirty="0"/>
+          </a:p>
+        </p:txBody>
+      </p:sp>
+      <p:sp>
+        <p:nvSpPr>
+          <p:cNvPr id="4" name="Date Placeholder 3"/>
           <p:cNvSpPr>
             <a:spLocks noGrp="1"/>
           </p:cNvSpPr>
@@ -2886,8 +2545,8 @@
         </p:nvSpPr>
         <p:spPr>
           <a:xfrm>
-            <a:off x="838200" y="6356350"/>
-            <a:ext cx="2743200" cy="365125"/>
+            <a:off x="838200" y="5085080"/>
+            <a:ext cx="2743200" cy="292100"/>
           </a:xfrm>
           <a:prstGeom prst="rect">
             <a:avLst/>
@@ -2897,7 +2556,7 @@
           <a:bodyPr vert="horz" lIns="91440" tIns="45720" rIns="91440" bIns="45720" rtlCol="0" anchor="ctr"/>
           <a:lstStyle>
             <a:lvl1pPr algn="l">
-              <a:defRPr sz="1200">
+              <a:defRPr sz="960">
                 <a:solidFill>
                   <a:schemeClr val="tx1">
                     <a:tint val="75000"/>
@@ -2909,7 +2568,7 @@
           <a:p>
             <a:fld id="{64538243-B5A4-4835-B8F8-268F515CADC0}" type="datetimeFigureOut">
               <a:rPr lang="en-US" smtClean="0"/>
-              <a:t>2/21/2021</a:t>
+              <a:t>3/5/2021</a:t>
             </a:fld>
             <a:endParaRPr lang="en-US"/>
           </a:p>
@@ -2917,13 +2576,7 @@
       </p:sp>
       <p:sp>
         <p:nvSpPr>
-          <p:cNvPr id="5" name="Footer Placeholder 4">
-            <a:extLst>
-              <a:ext uri="{FF2B5EF4-FFF2-40B4-BE49-F238E27FC236}">
-                <a16:creationId xmlns:a16="http://schemas.microsoft.com/office/drawing/2014/main" id="{151E83B5-8C79-424A-BA1E-1216AE4BBD98}"/>
-              </a:ext>
-            </a:extLst>
-          </p:cNvPr>
+          <p:cNvPr id="5" name="Footer Placeholder 4"/>
           <p:cNvSpPr>
             <a:spLocks noGrp="1"/>
           </p:cNvSpPr>
@@ -2933,8 +2586,8 @@
         </p:nvSpPr>
         <p:spPr>
           <a:xfrm>
-            <a:off x="4038600" y="6356350"/>
-            <a:ext cx="4114800" cy="365125"/>
+            <a:off x="4038600" y="5085080"/>
+            <a:ext cx="4114800" cy="292100"/>
           </a:xfrm>
           <a:prstGeom prst="rect">
             <a:avLst/>
@@ -2944,7 +2597,7 @@
           <a:bodyPr vert="horz" lIns="91440" tIns="45720" rIns="91440" bIns="45720" rtlCol="0" anchor="ctr"/>
           <a:lstStyle>
             <a:lvl1pPr algn="ctr">
-              <a:defRPr sz="1200">
+              <a:defRPr sz="960">
                 <a:solidFill>
                   <a:schemeClr val="tx1">
                     <a:tint val="75000"/>
@@ -2960,13 +2613,7 @@
       </p:sp>
       <p:sp>
         <p:nvSpPr>
-          <p:cNvPr id="6" name="Slide Number Placeholder 5">
-            <a:extLst>
-              <a:ext uri="{FF2B5EF4-FFF2-40B4-BE49-F238E27FC236}">
-                <a16:creationId xmlns:a16="http://schemas.microsoft.com/office/drawing/2014/main" id="{F9AEF27D-218E-4643-AAD5-83FFF33E4775}"/>
-              </a:ext>
-            </a:extLst>
-          </p:cNvPr>
+          <p:cNvPr id="6" name="Slide Number Placeholder 5"/>
           <p:cNvSpPr>
             <a:spLocks noGrp="1"/>
           </p:cNvSpPr>
@@ -2976,8 +2623,8 @@
         </p:nvSpPr>
         <p:spPr>
           <a:xfrm>
-            <a:off x="8610600" y="6356350"/>
-            <a:ext cx="2743200" cy="365125"/>
+            <a:off x="8610600" y="5085080"/>
+            <a:ext cx="2743200" cy="292100"/>
           </a:xfrm>
           <a:prstGeom prst="rect">
             <a:avLst/>
@@ -2987,7 +2634,7 @@
           <a:bodyPr vert="horz" lIns="91440" tIns="45720" rIns="91440" bIns="45720" rtlCol="0" anchor="ctr"/>
           <a:lstStyle>
             <a:lvl1pPr algn="r">
-              <a:defRPr sz="1200">
+              <a:defRPr sz="960">
                 <a:solidFill>
                   <a:schemeClr val="tx1">
                     <a:tint val="75000"/>
@@ -3008,27 +2655,27 @@
     </p:spTree>
     <p:extLst>
       <p:ext uri="{BB962C8B-B14F-4D97-AF65-F5344CB8AC3E}">
-        <p14:creationId xmlns:p14="http://schemas.microsoft.com/office/powerpoint/2010/main" val="2360913460"/>
+        <p14:creationId xmlns:p14="http://schemas.microsoft.com/office/powerpoint/2010/main" val="1855126574"/>
       </p:ext>
     </p:extLst>
   </p:cSld>
   <p:clrMap bg1="lt1" tx1="dk1" bg2="lt2" tx2="dk2" accent1="accent1" accent2="accent2" accent3="accent3" accent4="accent4" accent5="accent5" accent6="accent6" hlink="hlink" folHlink="folHlink"/>
   <p:sldLayoutIdLst>
-    <p:sldLayoutId id="2147483649" r:id="rId1"/>
-    <p:sldLayoutId id="2147483650" r:id="rId2"/>
-    <p:sldLayoutId id="2147483651" r:id="rId3"/>
-    <p:sldLayoutId id="2147483652" r:id="rId4"/>
-    <p:sldLayoutId id="2147483653" r:id="rId5"/>
-    <p:sldLayoutId id="2147483654" r:id="rId6"/>
-    <p:sldLayoutId id="2147483655" r:id="rId7"/>
-    <p:sldLayoutId id="2147483656" r:id="rId8"/>
-    <p:sldLayoutId id="2147483657" r:id="rId9"/>
-    <p:sldLayoutId id="2147483658" r:id="rId10"/>
-    <p:sldLayoutId id="2147483659" r:id="rId11"/>
+    <p:sldLayoutId id="2147483661" r:id="rId1"/>
+    <p:sldLayoutId id="2147483662" r:id="rId2"/>
+    <p:sldLayoutId id="2147483663" r:id="rId3"/>
+    <p:sldLayoutId id="2147483664" r:id="rId4"/>
+    <p:sldLayoutId id="2147483665" r:id="rId5"/>
+    <p:sldLayoutId id="2147483666" r:id="rId6"/>
+    <p:sldLayoutId id="2147483667" r:id="rId7"/>
+    <p:sldLayoutId id="2147483668" r:id="rId8"/>
+    <p:sldLayoutId id="2147483669" r:id="rId9"/>
+    <p:sldLayoutId id="2147483670" r:id="rId10"/>
+    <p:sldLayoutId id="2147483671" r:id="rId11"/>
   </p:sldLayoutIdLst>
   <p:txStyles>
     <p:titleStyle>
-      <a:lvl1pPr algn="l" defTabSz="914400" rtl="0" eaLnBrk="1" latinLnBrk="0" hangingPunct="1">
+      <a:lvl1pPr algn="l" defTabSz="731520" rtl="0" eaLnBrk="1" latinLnBrk="0" hangingPunct="1">
         <a:lnSpc>
           <a:spcPct val="90000"/>
         </a:lnSpc>
@@ -3036,7 +2683,7 @@
           <a:spcPct val="0"/>
         </a:spcBef>
         <a:buNone/>
-        <a:defRPr sz="4400" kern="1200">
+        <a:defRPr sz="3520" kern="1200">
           <a:solidFill>
             <a:schemeClr val="tx1"/>
           </a:solidFill>
@@ -3047,16 +2694,16 @@
       </a:lvl1pPr>
     </p:titleStyle>
     <p:bodyStyle>
-      <a:lvl1pPr marL="228600" indent="-228600" algn="l" defTabSz="914400" rtl="0" eaLnBrk="1" latinLnBrk="0" hangingPunct="1">
+      <a:lvl1pPr marL="182880" indent="-182880" algn="l" defTabSz="731520" rtl="0" eaLnBrk="1" latinLnBrk="0" hangingPunct="1">
         <a:lnSpc>
           <a:spcPct val="90000"/>
         </a:lnSpc>
         <a:spcBef>
-          <a:spcPts val="1000"/>
+          <a:spcPts val="800"/>
         </a:spcBef>
         <a:buFont typeface="Arial" panose="020B0604020202020204" pitchFamily="34" charset="0"/>
         <a:buChar char="•"/>
-        <a:defRPr sz="2800" kern="1200">
+        <a:defRPr sz="2240" kern="1200">
           <a:solidFill>
             <a:schemeClr val="tx1"/>
           </a:solidFill>
@@ -3065,16 +2712,16 @@
           <a:cs typeface="+mn-cs"/>
         </a:defRPr>
       </a:lvl1pPr>
-      <a:lvl2pPr marL="685800" indent="-228600" algn="l" defTabSz="914400" rtl="0" eaLnBrk="1" latinLnBrk="0" hangingPunct="1">
+      <a:lvl2pPr marL="548640" indent="-182880" algn="l" defTabSz="731520" rtl="0" eaLnBrk="1" latinLnBrk="0" hangingPunct="1">
         <a:lnSpc>
           <a:spcPct val="90000"/>
         </a:lnSpc>
         <a:spcBef>
-          <a:spcPts val="500"/>
+          <a:spcPts val="400"/>
         </a:spcBef>
         <a:buFont typeface="Arial" panose="020B0604020202020204" pitchFamily="34" charset="0"/>
         <a:buChar char="•"/>
-        <a:defRPr sz="2400" kern="1200">
+        <a:defRPr sz="1920" kern="1200">
           <a:solidFill>
             <a:schemeClr val="tx1"/>
           </a:solidFill>
@@ -3083,16 +2730,16 @@
           <a:cs typeface="+mn-cs"/>
         </a:defRPr>
       </a:lvl2pPr>
-      <a:lvl3pPr marL="1143000" indent="-228600" algn="l" defTabSz="914400" rtl="0" eaLnBrk="1" latinLnBrk="0" hangingPunct="1">
+      <a:lvl3pPr marL="914400" indent="-182880" algn="l" defTabSz="731520" rtl="0" eaLnBrk="1" latinLnBrk="0" hangingPunct="1">
         <a:lnSpc>
           <a:spcPct val="90000"/>
         </a:lnSpc>
         <a:spcBef>
-          <a:spcPts val="500"/>
+          <a:spcPts val="400"/>
         </a:spcBef>
         <a:buFont typeface="Arial" panose="020B0604020202020204" pitchFamily="34" charset="0"/>
         <a:buChar char="•"/>
-        <a:defRPr sz="2000" kern="1200">
+        <a:defRPr sz="1600" kern="1200">
           <a:solidFill>
             <a:schemeClr val="tx1"/>
           </a:solidFill>
@@ -3101,16 +2748,16 @@
           <a:cs typeface="+mn-cs"/>
         </a:defRPr>
       </a:lvl3pPr>
-      <a:lvl4pPr marL="1600200" indent="-228600" algn="l" defTabSz="914400" rtl="0" eaLnBrk="1" latinLnBrk="0" hangingPunct="1">
+      <a:lvl4pPr marL="1280160" indent="-182880" algn="l" defTabSz="731520" rtl="0" eaLnBrk="1" latinLnBrk="0" hangingPunct="1">
         <a:lnSpc>
           <a:spcPct val="90000"/>
         </a:lnSpc>
         <a:spcBef>
-          <a:spcPts val="500"/>
+          <a:spcPts val="400"/>
         </a:spcBef>
         <a:buFont typeface="Arial" panose="020B0604020202020204" pitchFamily="34" charset="0"/>
         <a:buChar char="•"/>
-        <a:defRPr sz="1800" kern="1200">
+        <a:defRPr sz="1440" kern="1200">
           <a:solidFill>
             <a:schemeClr val="tx1"/>
           </a:solidFill>
@@ -3119,16 +2766,16 @@
           <a:cs typeface="+mn-cs"/>
         </a:defRPr>
       </a:lvl4pPr>
-      <a:lvl5pPr marL="2057400" indent="-228600" algn="l" defTabSz="914400" rtl="0" eaLnBrk="1" latinLnBrk="0" hangingPunct="1">
+      <a:lvl5pPr marL="1645920" indent="-182880" algn="l" defTabSz="731520" rtl="0" eaLnBrk="1" latinLnBrk="0" hangingPunct="1">
         <a:lnSpc>
           <a:spcPct val="90000"/>
         </a:lnSpc>
         <a:spcBef>
-          <a:spcPts val="500"/>
+          <a:spcPts val="400"/>
         </a:spcBef>
         <a:buFont typeface="Arial" panose="020B0604020202020204" pitchFamily="34" charset="0"/>
         <a:buChar char="•"/>
-        <a:defRPr sz="1800" kern="1200">
+        <a:defRPr sz="1440" kern="1200">
           <a:solidFill>
             <a:schemeClr val="tx1"/>
           </a:solidFill>
@@ -3137,16 +2784,16 @@
           <a:cs typeface="+mn-cs"/>
         </a:defRPr>
       </a:lvl5pPr>
-      <a:lvl6pPr marL="2514600" indent="-228600" algn="l" defTabSz="914400" rtl="0" eaLnBrk="1" latinLnBrk="0" hangingPunct="1">
+      <a:lvl6pPr marL="2011680" indent="-182880" algn="l" defTabSz="731520" rtl="0" eaLnBrk="1" latinLnBrk="0" hangingPunct="1">
         <a:lnSpc>
           <a:spcPct val="90000"/>
         </a:lnSpc>
         <a:spcBef>
-          <a:spcPts val="500"/>
+          <a:spcPts val="400"/>
         </a:spcBef>
         <a:buFont typeface="Arial" panose="020B0604020202020204" pitchFamily="34" charset="0"/>
         <a:buChar char="•"/>
-        <a:defRPr sz="1800" kern="1200">
+        <a:defRPr sz="1440" kern="1200">
           <a:solidFill>
             <a:schemeClr val="tx1"/>
           </a:solidFill>
@@ -3155,16 +2802,16 @@
           <a:cs typeface="+mn-cs"/>
         </a:defRPr>
       </a:lvl6pPr>
-      <a:lvl7pPr marL="2971800" indent="-228600" algn="l" defTabSz="914400" rtl="0" eaLnBrk="1" latinLnBrk="0" hangingPunct="1">
+      <a:lvl7pPr marL="2377440" indent="-182880" algn="l" defTabSz="731520" rtl="0" eaLnBrk="1" latinLnBrk="0" hangingPunct="1">
         <a:lnSpc>
           <a:spcPct val="90000"/>
         </a:lnSpc>
         <a:spcBef>
-          <a:spcPts val="500"/>
+          <a:spcPts val="400"/>
         </a:spcBef>
         <a:buFont typeface="Arial" panose="020B0604020202020204" pitchFamily="34" charset="0"/>
         <a:buChar char="•"/>
-        <a:defRPr sz="1800" kern="1200">
+        <a:defRPr sz="1440" kern="1200">
           <a:solidFill>
             <a:schemeClr val="tx1"/>
           </a:solidFill>
@@ -3173,16 +2820,16 @@
           <a:cs typeface="+mn-cs"/>
         </a:defRPr>
       </a:lvl7pPr>
-      <a:lvl8pPr marL="3429000" indent="-228600" algn="l" defTabSz="914400" rtl="0" eaLnBrk="1" latinLnBrk="0" hangingPunct="1">
+      <a:lvl8pPr marL="2743200" indent="-182880" algn="l" defTabSz="731520" rtl="0" eaLnBrk="1" latinLnBrk="0" hangingPunct="1">
         <a:lnSpc>
           <a:spcPct val="90000"/>
         </a:lnSpc>
         <a:spcBef>
-          <a:spcPts val="500"/>
+          <a:spcPts val="400"/>
         </a:spcBef>
         <a:buFont typeface="Arial" panose="020B0604020202020204" pitchFamily="34" charset="0"/>
         <a:buChar char="•"/>
-        <a:defRPr sz="1800" kern="1200">
+        <a:defRPr sz="1440" kern="1200">
           <a:solidFill>
             <a:schemeClr val="tx1"/>
           </a:solidFill>
@@ -3191,16 +2838,16 @@
           <a:cs typeface="+mn-cs"/>
         </a:defRPr>
       </a:lvl8pPr>
-      <a:lvl9pPr marL="3886200" indent="-228600" algn="l" defTabSz="914400" rtl="0" eaLnBrk="1" latinLnBrk="0" hangingPunct="1">
+      <a:lvl9pPr marL="3108960" indent="-182880" algn="l" defTabSz="731520" rtl="0" eaLnBrk="1" latinLnBrk="0" hangingPunct="1">
         <a:lnSpc>
           <a:spcPct val="90000"/>
         </a:lnSpc>
         <a:spcBef>
-          <a:spcPts val="500"/>
+          <a:spcPts val="400"/>
         </a:spcBef>
         <a:buFont typeface="Arial" panose="020B0604020202020204" pitchFamily="34" charset="0"/>
         <a:buChar char="•"/>
-        <a:defRPr sz="1800" kern="1200">
+        <a:defRPr sz="1440" kern="1200">
           <a:solidFill>
             <a:schemeClr val="tx1"/>
           </a:solidFill>
@@ -3214,8 +2861,8 @@
       <a:defPPr>
         <a:defRPr lang="en-US"/>
       </a:defPPr>
-      <a:lvl1pPr marL="0" algn="l" defTabSz="914400" rtl="0" eaLnBrk="1" latinLnBrk="0" hangingPunct="1">
-        <a:defRPr sz="1800" kern="1200">
+      <a:lvl1pPr marL="0" algn="l" defTabSz="731520" rtl="0" eaLnBrk="1" latinLnBrk="0" hangingPunct="1">
+        <a:defRPr sz="1440" kern="1200">
           <a:solidFill>
             <a:schemeClr val="tx1"/>
           </a:solidFill>
@@ -3224,8 +2871,8 @@
           <a:cs typeface="+mn-cs"/>
         </a:defRPr>
       </a:lvl1pPr>
-      <a:lvl2pPr marL="457200" algn="l" defTabSz="914400" rtl="0" eaLnBrk="1" latinLnBrk="0" hangingPunct="1">
-        <a:defRPr sz="1800" kern="1200">
+      <a:lvl2pPr marL="365760" algn="l" defTabSz="731520" rtl="0" eaLnBrk="1" latinLnBrk="0" hangingPunct="1">
+        <a:defRPr sz="1440" kern="1200">
           <a:solidFill>
             <a:schemeClr val="tx1"/>
           </a:solidFill>
@@ -3234,8 +2881,8 @@
           <a:cs typeface="+mn-cs"/>
         </a:defRPr>
       </a:lvl2pPr>
-      <a:lvl3pPr marL="914400" algn="l" defTabSz="914400" rtl="0" eaLnBrk="1" latinLnBrk="0" hangingPunct="1">
-        <a:defRPr sz="1800" kern="1200">
+      <a:lvl3pPr marL="731520" algn="l" defTabSz="731520" rtl="0" eaLnBrk="1" latinLnBrk="0" hangingPunct="1">
+        <a:defRPr sz="1440" kern="1200">
           <a:solidFill>
             <a:schemeClr val="tx1"/>
           </a:solidFill>
@@ -3244,8 +2891,8 @@
           <a:cs typeface="+mn-cs"/>
         </a:defRPr>
       </a:lvl3pPr>
-      <a:lvl4pPr marL="1371600" algn="l" defTabSz="914400" rtl="0" eaLnBrk="1" latinLnBrk="0" hangingPunct="1">
-        <a:defRPr sz="1800" kern="1200">
+      <a:lvl4pPr marL="1097280" algn="l" defTabSz="731520" rtl="0" eaLnBrk="1" latinLnBrk="0" hangingPunct="1">
+        <a:defRPr sz="1440" kern="1200">
           <a:solidFill>
             <a:schemeClr val="tx1"/>
           </a:solidFill>
@@ -3254,8 +2901,8 @@
           <a:cs typeface="+mn-cs"/>
         </a:defRPr>
       </a:lvl4pPr>
-      <a:lvl5pPr marL="1828800" algn="l" defTabSz="914400" rtl="0" eaLnBrk="1" latinLnBrk="0" hangingPunct="1">
-        <a:defRPr sz="1800" kern="1200">
+      <a:lvl5pPr marL="1463040" algn="l" defTabSz="731520" rtl="0" eaLnBrk="1" latinLnBrk="0" hangingPunct="1">
+        <a:defRPr sz="1440" kern="1200">
           <a:solidFill>
             <a:schemeClr val="tx1"/>
           </a:solidFill>
@@ -3264,8 +2911,8 @@
           <a:cs typeface="+mn-cs"/>
         </a:defRPr>
       </a:lvl5pPr>
-      <a:lvl6pPr marL="2286000" algn="l" defTabSz="914400" rtl="0" eaLnBrk="1" latinLnBrk="0" hangingPunct="1">
-        <a:defRPr sz="1800" kern="1200">
+      <a:lvl6pPr marL="1828800" algn="l" defTabSz="731520" rtl="0" eaLnBrk="1" latinLnBrk="0" hangingPunct="1">
+        <a:defRPr sz="1440" kern="1200">
           <a:solidFill>
             <a:schemeClr val="tx1"/>
           </a:solidFill>
@@ -3274,8 +2921,8 @@
           <a:cs typeface="+mn-cs"/>
         </a:defRPr>
       </a:lvl6pPr>
-      <a:lvl7pPr marL="2743200" algn="l" defTabSz="914400" rtl="0" eaLnBrk="1" latinLnBrk="0" hangingPunct="1">
-        <a:defRPr sz="1800" kern="1200">
+      <a:lvl7pPr marL="2194560" algn="l" defTabSz="731520" rtl="0" eaLnBrk="1" latinLnBrk="0" hangingPunct="1">
+        <a:defRPr sz="1440" kern="1200">
           <a:solidFill>
             <a:schemeClr val="tx1"/>
           </a:solidFill>
@@ -3284,8 +2931,8 @@
           <a:cs typeface="+mn-cs"/>
         </a:defRPr>
       </a:lvl7pPr>
-      <a:lvl8pPr marL="3200400" algn="l" defTabSz="914400" rtl="0" eaLnBrk="1" latinLnBrk="0" hangingPunct="1">
-        <a:defRPr sz="1800" kern="1200">
+      <a:lvl8pPr marL="2560320" algn="l" defTabSz="731520" rtl="0" eaLnBrk="1" latinLnBrk="0" hangingPunct="1">
+        <a:defRPr sz="1440" kern="1200">
           <a:solidFill>
             <a:schemeClr val="tx1"/>
           </a:solidFill>
@@ -3294,8 +2941,8 @@
           <a:cs typeface="+mn-cs"/>
         </a:defRPr>
       </a:lvl8pPr>
-      <a:lvl9pPr marL="3657600" algn="l" defTabSz="914400" rtl="0" eaLnBrk="1" latinLnBrk="0" hangingPunct="1">
-        <a:defRPr sz="1800" kern="1200">
+      <a:lvl9pPr marL="2926080" algn="l" defTabSz="731520" rtl="0" eaLnBrk="1" latinLnBrk="0" hangingPunct="1">
+        <a:defRPr sz="1440" kern="1200">
           <a:solidFill>
             <a:schemeClr val="tx1"/>
           </a:solidFill>
@@ -3328,10 +2975,10 @@
       </p:grpSpPr>
       <p:sp>
         <p:nvSpPr>
-          <p:cNvPr id="4" name="Oval 3">
+          <p:cNvPr id="49" name="Rectangle: Rounded Corners 48">
             <a:extLst>
               <a:ext uri="{FF2B5EF4-FFF2-40B4-BE49-F238E27FC236}">
-                <a16:creationId xmlns:a16="http://schemas.microsoft.com/office/drawing/2014/main" id="{5E50007A-DB58-4061-8F01-F1649476C7B6}"/>
+                <a16:creationId xmlns:a16="http://schemas.microsoft.com/office/drawing/2014/main" id="{D16BB196-76DD-49C1-892C-AEADBC3A8363}"/>
               </a:ext>
             </a:extLst>
           </p:cNvPr>
@@ -3340,11 +2987,13 @@
         </p:nvSpPr>
         <p:spPr>
           <a:xfrm>
-            <a:off x="4392310" y="110970"/>
-            <a:ext cx="7563774" cy="6636058"/>
+            <a:off x="128818" y="95149"/>
+            <a:ext cx="8995726" cy="5281798"/>
           </a:xfrm>
-          <a:prstGeom prst="ellipse">
-            <a:avLst/>
+          <a:prstGeom prst="roundRect">
+            <a:avLst>
+              <a:gd name="adj" fmla="val 42992"/>
+            </a:avLst>
           </a:prstGeom>
           <a:ln w="28575"/>
         </p:spPr>
@@ -3371,334 +3020,12 @@
           </a:p>
         </p:txBody>
       </p:sp>
-      <p:grpSp>
-        <p:nvGrpSpPr>
-          <p:cNvPr id="24" name="Group 23">
+      <p:sp>
+        <p:nvSpPr>
+          <p:cNvPr id="51" name="Oval 50">
             <a:extLst>
               <a:ext uri="{FF2B5EF4-FFF2-40B4-BE49-F238E27FC236}">
-                <a16:creationId xmlns:a16="http://schemas.microsoft.com/office/drawing/2014/main" id="{315CCBC6-7855-46A6-BB93-6F4E08AA75D2}"/>
-              </a:ext>
-            </a:extLst>
-          </p:cNvPr>
-          <p:cNvGrpSpPr/>
-          <p:nvPr/>
-        </p:nvGrpSpPr>
-        <p:grpSpPr>
-          <a:xfrm>
-            <a:off x="4675823" y="990481"/>
-            <a:ext cx="5661374" cy="4675246"/>
-            <a:chOff x="4840909" y="784521"/>
-            <a:chExt cx="5661374" cy="4675246"/>
-          </a:xfrm>
-        </p:grpSpPr>
-        <p:sp>
-          <p:nvSpPr>
-            <p:cNvPr id="15" name="Oval 14">
-              <a:extLst>
-                <a:ext uri="{FF2B5EF4-FFF2-40B4-BE49-F238E27FC236}">
-                  <a16:creationId xmlns:a16="http://schemas.microsoft.com/office/drawing/2014/main" id="{5336CA82-C805-49AC-A5DB-0FA89322E5AB}"/>
-                </a:ext>
-              </a:extLst>
-            </p:cNvPr>
-            <p:cNvSpPr/>
-            <p:nvPr/>
-          </p:nvSpPr>
-          <p:spPr>
-            <a:xfrm>
-              <a:off x="4840909" y="784521"/>
-              <a:ext cx="5661374" cy="4675246"/>
-            </a:xfrm>
-            <a:prstGeom prst="ellipse">
-              <a:avLst/>
-            </a:prstGeom>
-            <a:ln w="28575"/>
-          </p:spPr>
-          <p:style>
-            <a:lnRef idx="2">
-              <a:schemeClr val="dk1"/>
-            </a:lnRef>
-            <a:fillRef idx="1">
-              <a:schemeClr val="lt1"/>
-            </a:fillRef>
-            <a:effectRef idx="0">
-              <a:schemeClr val="dk1"/>
-            </a:effectRef>
-            <a:fontRef idx="minor">
-              <a:schemeClr val="dk1"/>
-            </a:fontRef>
-          </p:style>
-          <p:txBody>
-            <a:bodyPr rtlCol="0" anchor="ctr"/>
-            <a:lstStyle/>
-            <a:p>
-              <a:pPr algn="ctr"/>
-              <a:endParaRPr lang="en-US"/>
-            </a:p>
-          </p:txBody>
-        </p:sp>
-        <p:sp>
-          <p:nvSpPr>
-            <p:cNvPr id="17" name="TextBox 16">
-              <a:extLst>
-                <a:ext uri="{FF2B5EF4-FFF2-40B4-BE49-F238E27FC236}">
-                  <a16:creationId xmlns:a16="http://schemas.microsoft.com/office/drawing/2014/main" id="{23CC2B40-626C-4224-BE86-18B3747CFD83}"/>
-                </a:ext>
-              </a:extLst>
-            </p:cNvPr>
-            <p:cNvSpPr txBox="1"/>
-            <p:nvPr/>
-          </p:nvSpPr>
-          <p:spPr>
-            <a:xfrm>
-              <a:off x="7071111" y="828643"/>
-              <a:ext cx="1200970" cy="400110"/>
-            </a:xfrm>
-            <a:prstGeom prst="rect">
-              <a:avLst/>
-            </a:prstGeom>
-            <a:noFill/>
-          </p:spPr>
-          <p:txBody>
-            <a:bodyPr wrap="none" rtlCol="0">
-              <a:spAutoFit/>
-            </a:bodyPr>
-            <a:lstStyle/>
-            <a:p>
-              <a:pPr algn="r"/>
-              <a:r>
-                <a:rPr lang="en-US" sz="2000" dirty="0" err="1">
-                  <a:latin typeface="Times New Roman" panose="02020603050405020304" pitchFamily="18" charset="0"/>
-                  <a:cs typeface="Times New Roman" panose="02020603050405020304" pitchFamily="18" charset="0"/>
-                </a:rPr>
-                <a:t>Borel</a:t>
-              </a:r>
-              <a:r>
-                <a:rPr lang="en-US" sz="2000" dirty="0">
-                  <a:latin typeface="Times New Roman" panose="02020603050405020304" pitchFamily="18" charset="0"/>
-                  <a:cs typeface="Times New Roman" panose="02020603050405020304" pitchFamily="18" charset="0"/>
-                </a:rPr>
-                <a:t> sets</a:t>
-              </a:r>
-            </a:p>
-          </p:txBody>
-        </p:sp>
-      </p:grpSp>
-      <p:grpSp>
-        <p:nvGrpSpPr>
-          <p:cNvPr id="23" name="Group 22">
-            <a:extLst>
-              <a:ext uri="{FF2B5EF4-FFF2-40B4-BE49-F238E27FC236}">
-                <a16:creationId xmlns:a16="http://schemas.microsoft.com/office/drawing/2014/main" id="{49F56B88-6494-4D72-BAE9-CE0719769831}"/>
-              </a:ext>
-            </a:extLst>
-          </p:cNvPr>
-          <p:cNvGrpSpPr/>
-          <p:nvPr/>
-        </p:nvGrpSpPr>
-        <p:grpSpPr>
-          <a:xfrm>
-            <a:off x="4979861" y="1560998"/>
-            <a:ext cx="4106593" cy="3497802"/>
-            <a:chOff x="5095526" y="1280520"/>
-            <a:chExt cx="4106593" cy="3497802"/>
-          </a:xfrm>
-        </p:grpSpPr>
-        <p:sp>
-          <p:nvSpPr>
-            <p:cNvPr id="16" name="Oval 15">
-              <a:extLst>
-                <a:ext uri="{FF2B5EF4-FFF2-40B4-BE49-F238E27FC236}">
-                  <a16:creationId xmlns:a16="http://schemas.microsoft.com/office/drawing/2014/main" id="{43DEE96C-8E9C-4D93-A96F-6278206A5BF2}"/>
-                </a:ext>
-              </a:extLst>
-            </p:cNvPr>
-            <p:cNvSpPr/>
-            <p:nvPr/>
-          </p:nvSpPr>
-          <p:spPr>
-            <a:xfrm>
-              <a:off x="5095526" y="1280520"/>
-              <a:ext cx="4106593" cy="3497802"/>
-            </a:xfrm>
-            <a:prstGeom prst="ellipse">
-              <a:avLst/>
-            </a:prstGeom>
-            <a:ln w="28575"/>
-          </p:spPr>
-          <p:style>
-            <a:lnRef idx="2">
-              <a:schemeClr val="dk1"/>
-            </a:lnRef>
-            <a:fillRef idx="1">
-              <a:schemeClr val="lt1"/>
-            </a:fillRef>
-            <a:effectRef idx="0">
-              <a:schemeClr val="dk1"/>
-            </a:effectRef>
-            <a:fontRef idx="minor">
-              <a:schemeClr val="dk1"/>
-            </a:fontRef>
-          </p:style>
-          <p:txBody>
-            <a:bodyPr rtlCol="0" anchor="ctr"/>
-            <a:lstStyle/>
-            <a:p>
-              <a:pPr algn="ctr"/>
-              <a:endParaRPr lang="en-US"/>
-            </a:p>
-          </p:txBody>
-        </p:sp>
-        <p:sp>
-          <p:nvSpPr>
-            <p:cNvPr id="18" name="TextBox 17">
-              <a:extLst>
-                <a:ext uri="{FF2B5EF4-FFF2-40B4-BE49-F238E27FC236}">
-                  <a16:creationId xmlns:a16="http://schemas.microsoft.com/office/drawing/2014/main" id="{8D4609D0-E562-41C0-9CF4-02247DD59763}"/>
-                </a:ext>
-              </a:extLst>
-            </p:cNvPr>
-            <p:cNvSpPr txBox="1"/>
-            <p:nvPr/>
-          </p:nvSpPr>
-          <p:spPr>
-            <a:xfrm>
-              <a:off x="6583603" y="1321282"/>
-              <a:ext cx="1130438" cy="400110"/>
-            </a:xfrm>
-            <a:prstGeom prst="rect">
-              <a:avLst/>
-            </a:prstGeom>
-            <a:noFill/>
-          </p:spPr>
-          <p:txBody>
-            <a:bodyPr wrap="none" rtlCol="0">
-              <a:spAutoFit/>
-            </a:bodyPr>
-            <a:lstStyle/>
-            <a:p>
-              <a:pPr algn="r"/>
-              <a:r>
-                <a:rPr lang="en-US" sz="2000" dirty="0">
-                  <a:latin typeface="Times New Roman" panose="02020603050405020304" pitchFamily="18" charset="0"/>
-                  <a:cs typeface="Times New Roman" panose="02020603050405020304" pitchFamily="18" charset="0"/>
-                </a:rPr>
-                <a:t>open sets</a:t>
-              </a:r>
-            </a:p>
-          </p:txBody>
-        </p:sp>
-      </p:grpSp>
-      <mc:AlternateContent xmlns:mc="http://schemas.openxmlformats.org/markup-compatibility/2006">
-        <mc:Choice xmlns:a14="http://schemas.microsoft.com/office/drawing/2010/main" Requires="a14">
-          <p:sp>
-            <p:nvSpPr>
-              <p:cNvPr id="6" name="TextBox 5">
-                <a:extLst>
-                  <a:ext uri="{FF2B5EF4-FFF2-40B4-BE49-F238E27FC236}">
-                    <a16:creationId xmlns:a16="http://schemas.microsoft.com/office/drawing/2014/main" id="{83ED037C-0FA8-4E55-B9E2-F03BED9FD9AE}"/>
-                  </a:ext>
-                </a:extLst>
-              </p:cNvPr>
-              <p:cNvSpPr txBox="1"/>
-              <p:nvPr/>
-            </p:nvSpPr>
-            <p:spPr>
-              <a:xfrm>
-                <a:off x="7278021" y="6272331"/>
-                <a:ext cx="1792350" cy="400110"/>
-              </a:xfrm>
-              <a:prstGeom prst="rect">
-                <a:avLst/>
-              </a:prstGeom>
-              <a:noFill/>
-            </p:spPr>
-            <p:txBody>
-              <a:bodyPr wrap="none" rtlCol="0">
-                <a:spAutoFit/>
-              </a:bodyPr>
-              <a:lstStyle/>
-              <a:p>
-                <a:pPr algn="r"/>
-                <a:r>
-                  <a:rPr lang="en-US" sz="2000" dirty="0">
-                    <a:latin typeface="Times New Roman" panose="02020603050405020304" pitchFamily="18" charset="0"/>
-                    <a:cs typeface="Times New Roman" panose="02020603050405020304" pitchFamily="18" charset="0"/>
-                  </a:rPr>
-                  <a:t>(powerset of </a:t>
-                </a:r>
-                <a14:m>
-                  <m:oMath xmlns:m="http://schemas.openxmlformats.org/officeDocument/2006/math">
-                    <m:r>
-                      <a:rPr lang="en-US" sz="2000" i="1">
-                        <a:latin typeface="Cambria Math" panose="02040503050406030204" pitchFamily="18" charset="0"/>
-                        <a:cs typeface="Times New Roman" panose="02020603050405020304" pitchFamily="18" charset="0"/>
-                      </a:rPr>
-                      <m:t>𝑋</m:t>
-                    </m:r>
-                  </m:oMath>
-                </a14:m>
-                <a:r>
-                  <a:rPr lang="en-US" sz="2000" dirty="0">
-                    <a:latin typeface="Times New Roman" panose="02020603050405020304" pitchFamily="18" charset="0"/>
-                    <a:cs typeface="Times New Roman" panose="02020603050405020304" pitchFamily="18" charset="0"/>
-                  </a:rPr>
-                  <a:t>)</a:t>
-                </a:r>
-              </a:p>
-            </p:txBody>
-          </p:sp>
-        </mc:Choice>
-        <mc:Fallback>
-          <p:sp>
-            <p:nvSpPr>
-              <p:cNvPr id="6" name="TextBox 5">
-                <a:extLst>
-                  <a:ext uri="{FF2B5EF4-FFF2-40B4-BE49-F238E27FC236}">
-                    <a16:creationId xmlns:a16="http://schemas.microsoft.com/office/drawing/2014/main" id="{83ED037C-0FA8-4E55-B9E2-F03BED9FD9AE}"/>
-                  </a:ext>
-                </a:extLst>
-              </p:cNvPr>
-              <p:cNvSpPr txBox="1">
-                <a:spLocks noRot="1" noChangeAspect="1" noMove="1" noResize="1" noEditPoints="1" noAdjustHandles="1" noChangeArrowheads="1" noChangeShapeType="1" noTextEdit="1"/>
-              </p:cNvSpPr>
-              <p:nvPr/>
-            </p:nvSpPr>
-            <p:spPr>
-              <a:xfrm>
-                <a:off x="7278021" y="6272331"/>
-                <a:ext cx="1792350" cy="400110"/>
-              </a:xfrm>
-              <a:prstGeom prst="rect">
-                <a:avLst/>
-              </a:prstGeom>
-              <a:blipFill>
-                <a:blip r:embed="rId2"/>
-                <a:stretch>
-                  <a:fillRect l="-3061" t="-9091" r="-3401" b="-25758"/>
-                </a:stretch>
-              </a:blipFill>
-            </p:spPr>
-            <p:txBody>
-              <a:bodyPr/>
-              <a:lstStyle/>
-              <a:p>
-                <a:r>
-                  <a:rPr lang="en-US">
-                    <a:noFill/>
-                  </a:rPr>
-                  <a:t> </a:t>
-                </a:r>
-              </a:p>
-            </p:txBody>
-          </p:sp>
-        </mc:Fallback>
-      </mc:AlternateContent>
-      <p:sp>
-        <p:nvSpPr>
-          <p:cNvPr id="5" name="Oval 4">
-            <a:extLst>
-              <a:ext uri="{FF2B5EF4-FFF2-40B4-BE49-F238E27FC236}">
-                <a16:creationId xmlns:a16="http://schemas.microsoft.com/office/drawing/2014/main" id="{2AFDA821-A4F1-4996-AD54-4F1AD24D3DD1}"/>
+                <a16:creationId xmlns:a16="http://schemas.microsoft.com/office/drawing/2014/main" id="{DF1539C8-0111-4B06-BD48-1E85F1C71327}"/>
               </a:ext>
             </a:extLst>
           </p:cNvPr>
@@ -3707,26 +3034,35 @@
         </p:nvSpPr>
         <p:spPr>
           <a:xfrm>
-            <a:off x="105399" y="492133"/>
-            <a:ext cx="4106593" cy="3227611"/>
+            <a:off x="7296456" y="354449"/>
+            <a:ext cx="166950" cy="166950"/>
           </a:xfrm>
           <a:prstGeom prst="ellipse">
             <a:avLst/>
           </a:prstGeom>
-          <a:ln w="28575"/>
+          <a:solidFill>
+            <a:srgbClr val="FFFFFF">
+              <a:alpha val="0"/>
+            </a:srgbClr>
+          </a:solidFill>
+          <a:ln>
+            <a:noFill/>
+          </a:ln>
         </p:spPr>
         <p:style>
           <a:lnRef idx="2">
-            <a:schemeClr val="dk1"/>
+            <a:schemeClr val="accent1">
+              <a:shade val="50000"/>
+            </a:schemeClr>
           </a:lnRef>
           <a:fillRef idx="1">
-            <a:schemeClr val="lt1"/>
+            <a:schemeClr val="accent1"/>
           </a:fillRef>
           <a:effectRef idx="0">
-            <a:schemeClr val="dk1"/>
+            <a:schemeClr val="accent1"/>
           </a:effectRef>
           <a:fontRef idx="minor">
-            <a:schemeClr val="dk1"/>
+            <a:schemeClr val="lt1"/>
           </a:fontRef>
         </p:style>
         <p:txBody>
@@ -3738,584 +3074,6 @@
           </a:p>
         </p:txBody>
       </p:sp>
-      <mc:AlternateContent xmlns:mc="http://schemas.openxmlformats.org/markup-compatibility/2006">
-        <mc:Choice xmlns:a14="http://schemas.microsoft.com/office/drawing/2010/main" Requires="a14">
-          <p:sp>
-            <p:nvSpPr>
-              <p:cNvPr id="7" name="TextBox 6">
-                <a:extLst>
-                  <a:ext uri="{FF2B5EF4-FFF2-40B4-BE49-F238E27FC236}">
-                    <a16:creationId xmlns:a16="http://schemas.microsoft.com/office/drawing/2014/main" id="{FDB67A44-ECA1-455C-A1BD-64EBE46C76A2}"/>
-                  </a:ext>
-                </a:extLst>
-              </p:cNvPr>
-              <p:cNvSpPr txBox="1"/>
-              <p:nvPr/>
-            </p:nvSpPr>
-            <p:spPr>
-              <a:xfrm>
-                <a:off x="532305" y="1102400"/>
-                <a:ext cx="561756" cy="584775"/>
-              </a:xfrm>
-              <a:prstGeom prst="rect">
-                <a:avLst/>
-              </a:prstGeom>
-              <a:noFill/>
-            </p:spPr>
-            <p:txBody>
-              <a:bodyPr wrap="none" rtlCol="0">
-                <a:spAutoFit/>
-              </a:bodyPr>
-              <a:lstStyle/>
-              <a:p>
-                <a14:m>
-                  <m:oMathPara xmlns:m="http://schemas.openxmlformats.org/officeDocument/2006/math">
-                    <m:oMathParaPr>
-                      <m:jc m:val="centerGroup"/>
-                    </m:oMathParaPr>
-                    <m:oMath xmlns:m="http://schemas.openxmlformats.org/officeDocument/2006/math">
-                      <m:r>
-                        <a:rPr lang="en-US" sz="3200" b="0" i="1" smtClean="0">
-                          <a:latin typeface="Cambria Math" panose="02040503050406030204" pitchFamily="18" charset="0"/>
-                        </a:rPr>
-                        <m:t>𝑋</m:t>
-                      </m:r>
-                    </m:oMath>
-                  </m:oMathPara>
-                </a14:m>
-                <a:endParaRPr lang="en-US" sz="2000" dirty="0">
-                  <a:latin typeface="Times New Roman" panose="02020603050405020304" pitchFamily="18" charset="0"/>
-                  <a:cs typeface="Times New Roman" panose="02020603050405020304" pitchFamily="18" charset="0"/>
-                </a:endParaRPr>
-              </a:p>
-            </p:txBody>
-          </p:sp>
-        </mc:Choice>
-        <mc:Fallback>
-          <p:sp>
-            <p:nvSpPr>
-              <p:cNvPr id="7" name="TextBox 6">
-                <a:extLst>
-                  <a:ext uri="{FF2B5EF4-FFF2-40B4-BE49-F238E27FC236}">
-                    <a16:creationId xmlns:a16="http://schemas.microsoft.com/office/drawing/2014/main" id="{FDB67A44-ECA1-455C-A1BD-64EBE46C76A2}"/>
-                  </a:ext>
-                </a:extLst>
-              </p:cNvPr>
-              <p:cNvSpPr txBox="1">
-                <a:spLocks noRot="1" noChangeAspect="1" noMove="1" noResize="1" noEditPoints="1" noAdjustHandles="1" noChangeArrowheads="1" noChangeShapeType="1" noTextEdit="1"/>
-              </p:cNvSpPr>
-              <p:nvPr/>
-            </p:nvSpPr>
-            <p:spPr>
-              <a:xfrm>
-                <a:off x="532305" y="1102400"/>
-                <a:ext cx="561756" cy="584775"/>
-              </a:xfrm>
-              <a:prstGeom prst="rect">
-                <a:avLst/>
-              </a:prstGeom>
-              <a:blipFill>
-                <a:blip r:embed="rId3"/>
-                <a:stretch>
-                  <a:fillRect/>
-                </a:stretch>
-              </a:blipFill>
-            </p:spPr>
-            <p:txBody>
-              <a:bodyPr/>
-              <a:lstStyle/>
-              <a:p>
-                <a:r>
-                  <a:rPr lang="en-US">
-                    <a:noFill/>
-                  </a:rPr>
-                  <a:t> </a:t>
-                </a:r>
-              </a:p>
-            </p:txBody>
-          </p:sp>
-        </mc:Fallback>
-      </mc:AlternateContent>
-      <p:sp>
-        <p:nvSpPr>
-          <p:cNvPr id="12" name="TextBox 11">
-            <a:extLst>
-              <a:ext uri="{FF2B5EF4-FFF2-40B4-BE49-F238E27FC236}">
-                <a16:creationId xmlns:a16="http://schemas.microsoft.com/office/drawing/2014/main" id="{D7DC53C5-AA60-4CBD-9FD5-6BC6A5E4FCBB}"/>
-              </a:ext>
-            </a:extLst>
-          </p:cNvPr>
-          <p:cNvSpPr txBox="1"/>
-          <p:nvPr/>
-        </p:nvSpPr>
-        <p:spPr>
-          <a:xfrm>
-            <a:off x="1094061" y="3024146"/>
-            <a:ext cx="2138727" cy="400110"/>
-          </a:xfrm>
-          <a:prstGeom prst="rect">
-            <a:avLst/>
-          </a:prstGeom>
-          <a:noFill/>
-        </p:spPr>
-        <p:txBody>
-          <a:bodyPr wrap="none" rtlCol="0">
-            <a:spAutoFit/>
-          </a:bodyPr>
-          <a:lstStyle/>
-          <a:p>
-            <a:pPr algn="r"/>
-            <a:r>
-              <a:rPr lang="en-US" sz="2000" dirty="0">
-                <a:latin typeface="Times New Roman" panose="02020603050405020304" pitchFamily="18" charset="0"/>
-                <a:cs typeface="Times New Roman" panose="02020603050405020304" pitchFamily="18" charset="0"/>
-              </a:rPr>
-              <a:t>(topological space)</a:t>
-            </a:r>
-          </a:p>
-        </p:txBody>
-      </p:sp>
-      <mc:AlternateContent xmlns:mc="http://schemas.openxmlformats.org/markup-compatibility/2006">
-        <mc:Choice xmlns:a14="http://schemas.microsoft.com/office/drawing/2010/main" Requires="a14">
-          <p:sp>
-            <p:nvSpPr>
-              <p:cNvPr id="13" name="TextBox 12">
-                <a:extLst>
-                  <a:ext uri="{FF2B5EF4-FFF2-40B4-BE49-F238E27FC236}">
-                    <a16:creationId xmlns:a16="http://schemas.microsoft.com/office/drawing/2014/main" id="{484938EA-2CA4-44B4-A5FB-4A8226E8B54E}"/>
-                  </a:ext>
-                </a:extLst>
-              </p:cNvPr>
-              <p:cNvSpPr txBox="1"/>
-              <p:nvPr/>
-            </p:nvSpPr>
-            <p:spPr>
-              <a:xfrm>
-                <a:off x="9457455" y="786070"/>
-                <a:ext cx="1213537" cy="584775"/>
-              </a:xfrm>
-              <a:prstGeom prst="rect">
-                <a:avLst/>
-              </a:prstGeom>
-              <a:noFill/>
-            </p:spPr>
-            <p:txBody>
-              <a:bodyPr wrap="none" rtlCol="0">
-                <a:spAutoFit/>
-              </a:bodyPr>
-              <a:lstStyle/>
-              <a:p>
-                <a:pPr algn="r"/>
-                <a14:m>
-                  <m:oMathPara xmlns:m="http://schemas.openxmlformats.org/officeDocument/2006/math">
-                    <m:oMathParaPr>
-                      <m:jc m:val="centerGroup"/>
-                    </m:oMathParaPr>
-                    <m:oMath xmlns:m="http://schemas.openxmlformats.org/officeDocument/2006/math">
-                      <m:r>
-                        <a:rPr lang="en-US" sz="3200" b="0" i="1" smtClean="0">
-                          <a:latin typeface="Cambria Math" panose="02040503050406030204" pitchFamily="18" charset="0"/>
-                        </a:rPr>
-                        <m:t>𝒫</m:t>
-                      </m:r>
-                      <m:d>
-                        <m:dPr>
-                          <m:ctrlPr>
-                            <a:rPr lang="en-US" sz="3200" b="0" i="1" smtClean="0">
-                              <a:latin typeface="Cambria Math" panose="02040503050406030204" pitchFamily="18" charset="0"/>
-                            </a:rPr>
-                          </m:ctrlPr>
-                        </m:dPr>
-                        <m:e>
-                          <m:r>
-                            <a:rPr lang="en-US" sz="3200" b="0" i="1" smtClean="0">
-                              <a:latin typeface="Cambria Math" panose="02040503050406030204" pitchFamily="18" charset="0"/>
-                            </a:rPr>
-                            <m:t>𝑋</m:t>
-                          </m:r>
-                        </m:e>
-                      </m:d>
-                    </m:oMath>
-                  </m:oMathPara>
-                </a14:m>
-                <a:endParaRPr lang="en-US" sz="3200" dirty="0">
-                  <a:latin typeface="Times New Roman" panose="02020603050405020304" pitchFamily="18" charset="0"/>
-                  <a:cs typeface="Times New Roman" panose="02020603050405020304" pitchFamily="18" charset="0"/>
-                </a:endParaRPr>
-              </a:p>
-            </p:txBody>
-          </p:sp>
-        </mc:Choice>
-        <mc:Fallback>
-          <p:sp>
-            <p:nvSpPr>
-              <p:cNvPr id="13" name="TextBox 12">
-                <a:extLst>
-                  <a:ext uri="{FF2B5EF4-FFF2-40B4-BE49-F238E27FC236}">
-                    <a16:creationId xmlns:a16="http://schemas.microsoft.com/office/drawing/2014/main" id="{484938EA-2CA4-44B4-A5FB-4A8226E8B54E}"/>
-                  </a:ext>
-                </a:extLst>
-              </p:cNvPr>
-              <p:cNvSpPr txBox="1">
-                <a:spLocks noRot="1" noChangeAspect="1" noMove="1" noResize="1" noEditPoints="1" noAdjustHandles="1" noChangeArrowheads="1" noChangeShapeType="1" noTextEdit="1"/>
-              </p:cNvSpPr>
-              <p:nvPr/>
-            </p:nvSpPr>
-            <p:spPr>
-              <a:xfrm>
-                <a:off x="9457455" y="786070"/>
-                <a:ext cx="1213537" cy="584775"/>
-              </a:xfrm>
-              <a:prstGeom prst="rect">
-                <a:avLst/>
-              </a:prstGeom>
-              <a:blipFill>
-                <a:blip r:embed="rId4"/>
-                <a:stretch>
-                  <a:fillRect/>
-                </a:stretch>
-              </a:blipFill>
-            </p:spPr>
-            <p:txBody>
-              <a:bodyPr/>
-              <a:lstStyle/>
-              <a:p>
-                <a:r>
-                  <a:rPr lang="en-US">
-                    <a:noFill/>
-                  </a:rPr>
-                  <a:t> </a:t>
-                </a:r>
-              </a:p>
-            </p:txBody>
-          </p:sp>
-        </mc:Fallback>
-      </mc:AlternateContent>
-      <mc:AlternateContent xmlns:mc="http://schemas.openxmlformats.org/markup-compatibility/2006">
-        <mc:Choice xmlns:a14="http://schemas.microsoft.com/office/drawing/2010/main" Requires="a14">
-          <p:sp>
-            <p:nvSpPr>
-              <p:cNvPr id="14" name="TextBox 13">
-                <a:extLst>
-                  <a:ext uri="{FF2B5EF4-FFF2-40B4-BE49-F238E27FC236}">
-                    <a16:creationId xmlns:a16="http://schemas.microsoft.com/office/drawing/2014/main" id="{B15E8625-7A58-4EEF-83A3-87BD52D1F0AA}"/>
-                  </a:ext>
-                </a:extLst>
-              </p:cNvPr>
-              <p:cNvSpPr txBox="1"/>
-              <p:nvPr/>
-            </p:nvSpPr>
-            <p:spPr>
-              <a:xfrm>
-                <a:off x="7296456" y="149497"/>
-                <a:ext cx="1755481" cy="400110"/>
-              </a:xfrm>
-              <a:prstGeom prst="rect">
-                <a:avLst/>
-              </a:prstGeom>
-              <a:noFill/>
-            </p:spPr>
-            <p:txBody>
-              <a:bodyPr wrap="none" rtlCol="0">
-                <a:spAutoFit/>
-              </a:bodyPr>
-              <a:lstStyle/>
-              <a:p>
-                <a:pPr algn="r"/>
-                <a:r>
-                  <a:rPr lang="en-US" sz="2000" dirty="0">
-                    <a:latin typeface="Times New Roman" panose="02020603050405020304" pitchFamily="18" charset="0"/>
-                    <a:cs typeface="Times New Roman" panose="02020603050405020304" pitchFamily="18" charset="0"/>
-                  </a:rPr>
-                  <a:t>all subsets of </a:t>
-                </a:r>
-                <a14:m>
-                  <m:oMath xmlns:m="http://schemas.openxmlformats.org/officeDocument/2006/math">
-                    <m:r>
-                      <a:rPr lang="en-US" sz="2000" b="0" i="1" smtClean="0">
-                        <a:latin typeface="Cambria Math" panose="02040503050406030204" pitchFamily="18" charset="0"/>
-                        <a:cs typeface="Times New Roman" panose="02020603050405020304" pitchFamily="18" charset="0"/>
-                      </a:rPr>
-                      <m:t>𝑋</m:t>
-                    </m:r>
-                  </m:oMath>
-                </a14:m>
-                <a:endParaRPr lang="en-US" sz="2000" dirty="0">
-                  <a:latin typeface="Times New Roman" panose="02020603050405020304" pitchFamily="18" charset="0"/>
-                  <a:cs typeface="Times New Roman" panose="02020603050405020304" pitchFamily="18" charset="0"/>
-                </a:endParaRPr>
-              </a:p>
-            </p:txBody>
-          </p:sp>
-        </mc:Choice>
-        <mc:Fallback>
-          <p:sp>
-            <p:nvSpPr>
-              <p:cNvPr id="14" name="TextBox 13">
-                <a:extLst>
-                  <a:ext uri="{FF2B5EF4-FFF2-40B4-BE49-F238E27FC236}">
-                    <a16:creationId xmlns:a16="http://schemas.microsoft.com/office/drawing/2014/main" id="{B15E8625-7A58-4EEF-83A3-87BD52D1F0AA}"/>
-                  </a:ext>
-                </a:extLst>
-              </p:cNvPr>
-              <p:cNvSpPr txBox="1">
-                <a:spLocks noRot="1" noChangeAspect="1" noMove="1" noResize="1" noEditPoints="1" noAdjustHandles="1" noChangeArrowheads="1" noChangeShapeType="1" noTextEdit="1"/>
-              </p:cNvSpPr>
-              <p:nvPr/>
-            </p:nvSpPr>
-            <p:spPr>
-              <a:xfrm>
-                <a:off x="7296456" y="149497"/>
-                <a:ext cx="1755481" cy="400110"/>
-              </a:xfrm>
-              <a:prstGeom prst="rect">
-                <a:avLst/>
-              </a:prstGeom>
-              <a:blipFill>
-                <a:blip r:embed="rId5"/>
-                <a:stretch>
-                  <a:fillRect l="-2778" t="-9231" b="-27692"/>
-                </a:stretch>
-              </a:blipFill>
-            </p:spPr>
-            <p:txBody>
-              <a:bodyPr/>
-              <a:lstStyle/>
-              <a:p>
-                <a:r>
-                  <a:rPr lang="en-US">
-                    <a:noFill/>
-                  </a:rPr>
-                  <a:t> </a:t>
-                </a:r>
-              </a:p>
-            </p:txBody>
-          </p:sp>
-        </mc:Fallback>
-      </mc:AlternateContent>
-      <mc:AlternateContent xmlns:mc="http://schemas.openxmlformats.org/markup-compatibility/2006">
-        <mc:Choice xmlns:a14="http://schemas.microsoft.com/office/drawing/2010/main" Requires="a14">
-          <p:sp>
-            <p:nvSpPr>
-              <p:cNvPr id="21" name="TextBox 20">
-                <a:extLst>
-                  <a:ext uri="{FF2B5EF4-FFF2-40B4-BE49-F238E27FC236}">
-                    <a16:creationId xmlns:a16="http://schemas.microsoft.com/office/drawing/2014/main" id="{E7A5B051-204E-4A85-A385-A46E2B350AF6}"/>
-                  </a:ext>
-                </a:extLst>
-              </p:cNvPr>
-              <p:cNvSpPr txBox="1"/>
-              <p:nvPr/>
-            </p:nvSpPr>
-            <p:spPr>
-              <a:xfrm>
-                <a:off x="7942918" y="2377557"/>
-                <a:ext cx="750847" cy="584775"/>
-              </a:xfrm>
-              <a:prstGeom prst="rect">
-                <a:avLst/>
-              </a:prstGeom>
-              <a:noFill/>
-            </p:spPr>
-            <p:txBody>
-              <a:bodyPr wrap="none" rtlCol="0">
-                <a:spAutoFit/>
-              </a:bodyPr>
-              <a:lstStyle/>
-              <a:p>
-                <a14:m>
-                  <m:oMathPara xmlns:m="http://schemas.openxmlformats.org/officeDocument/2006/math">
-                    <m:oMathParaPr>
-                      <m:jc m:val="centerGroup"/>
-                    </m:oMathParaPr>
-                    <m:oMath xmlns:m="http://schemas.openxmlformats.org/officeDocument/2006/math">
-                      <m:sSub>
-                        <m:sSubPr>
-                          <m:ctrlPr>
-                            <a:rPr lang="en-US" sz="3200" b="0" i="1" smtClean="0">
-                              <a:latin typeface="Cambria Math" panose="02040503050406030204" pitchFamily="18" charset="0"/>
-                            </a:rPr>
-                          </m:ctrlPr>
-                        </m:sSubPr>
-                        <m:e>
-                          <m:r>
-                            <m:rPr>
-                              <m:nor/>
-                            </m:rPr>
-                            <a:rPr lang="en-US" sz="3200" i="0" smtClean="0">
-                              <a:latin typeface="Arial" panose="020B0604020202020204" pitchFamily="34" charset="0"/>
-                              <a:cs typeface="Arial" panose="020B0604020202020204" pitchFamily="34" charset="0"/>
-                            </a:rPr>
-                            <m:t>T</m:t>
-                          </m:r>
-                        </m:e>
-                        <m:sub>
-                          <m:r>
-                            <a:rPr lang="en-US" sz="3200" b="0" i="1" smtClean="0">
-                              <a:latin typeface="Cambria Math" panose="02040503050406030204" pitchFamily="18" charset="0"/>
-                            </a:rPr>
-                            <m:t>𝑋</m:t>
-                          </m:r>
-                        </m:sub>
-                      </m:sSub>
-                    </m:oMath>
-                  </m:oMathPara>
-                </a14:m>
-                <a:endParaRPr lang="en-US" sz="3200" dirty="0"/>
-              </a:p>
-            </p:txBody>
-          </p:sp>
-        </mc:Choice>
-        <mc:Fallback>
-          <p:sp>
-            <p:nvSpPr>
-              <p:cNvPr id="21" name="TextBox 20">
-                <a:extLst>
-                  <a:ext uri="{FF2B5EF4-FFF2-40B4-BE49-F238E27FC236}">
-                    <a16:creationId xmlns:a16="http://schemas.microsoft.com/office/drawing/2014/main" id="{E7A5B051-204E-4A85-A385-A46E2B350AF6}"/>
-                  </a:ext>
-                </a:extLst>
-              </p:cNvPr>
-              <p:cNvSpPr txBox="1">
-                <a:spLocks noRot="1" noChangeAspect="1" noMove="1" noResize="1" noEditPoints="1" noAdjustHandles="1" noChangeArrowheads="1" noChangeShapeType="1" noTextEdit="1"/>
-              </p:cNvSpPr>
-              <p:nvPr/>
-            </p:nvSpPr>
-            <p:spPr>
-              <a:xfrm>
-                <a:off x="7942918" y="2377557"/>
-                <a:ext cx="750847" cy="584775"/>
-              </a:xfrm>
-              <a:prstGeom prst="rect">
-                <a:avLst/>
-              </a:prstGeom>
-              <a:blipFill>
-                <a:blip r:embed="rId6"/>
-                <a:stretch>
-                  <a:fillRect/>
-                </a:stretch>
-              </a:blipFill>
-            </p:spPr>
-            <p:txBody>
-              <a:bodyPr/>
-              <a:lstStyle/>
-              <a:p>
-                <a:r>
-                  <a:rPr lang="en-US">
-                    <a:noFill/>
-                  </a:rPr>
-                  <a:t> </a:t>
-                </a:r>
-              </a:p>
-            </p:txBody>
-          </p:sp>
-        </mc:Fallback>
-      </mc:AlternateContent>
-      <mc:AlternateContent xmlns:mc="http://schemas.openxmlformats.org/markup-compatibility/2006">
-        <mc:Choice xmlns:a14="http://schemas.microsoft.com/office/drawing/2010/main" Requires="a14">
-          <p:sp>
-            <p:nvSpPr>
-              <p:cNvPr id="25" name="TextBox 24">
-                <a:extLst>
-                  <a:ext uri="{FF2B5EF4-FFF2-40B4-BE49-F238E27FC236}">
-                    <a16:creationId xmlns:a16="http://schemas.microsoft.com/office/drawing/2014/main" id="{EE3B002C-3CD6-46B0-9BBE-3EC6DB19BE89}"/>
-                  </a:ext>
-                </a:extLst>
-              </p:cNvPr>
-              <p:cNvSpPr txBox="1"/>
-              <p:nvPr/>
-            </p:nvSpPr>
-            <p:spPr>
-              <a:xfrm>
-                <a:off x="6831549" y="5177481"/>
-                <a:ext cx="1349921" cy="400110"/>
-              </a:xfrm>
-              <a:prstGeom prst="rect">
-                <a:avLst/>
-              </a:prstGeom>
-              <a:noFill/>
-            </p:spPr>
-            <p:txBody>
-              <a:bodyPr wrap="none" rtlCol="0">
-                <a:spAutoFit/>
-              </a:bodyPr>
-              <a:lstStyle/>
-              <a:p>
-                <a:pPr algn="r"/>
-                <a:r>
-                  <a:rPr lang="en-US" sz="2000" dirty="0">
-                    <a:latin typeface="Times New Roman" panose="02020603050405020304" pitchFamily="18" charset="0"/>
-                    <a:cs typeface="Times New Roman" panose="02020603050405020304" pitchFamily="18" charset="0"/>
-                  </a:rPr>
-                  <a:t>(</a:t>
-                </a:r>
-                <a14:m>
-                  <m:oMath xmlns:m="http://schemas.openxmlformats.org/officeDocument/2006/math">
-                    <m:r>
-                      <a:rPr lang="en-US" sz="2000" b="0" i="1" smtClean="0">
-                        <a:latin typeface="Cambria Math" panose="02040503050406030204" pitchFamily="18" charset="0"/>
-                        <a:cs typeface="Times New Roman" panose="02020603050405020304" pitchFamily="18" charset="0"/>
-                      </a:rPr>
-                      <m:t>𝜎</m:t>
-                    </m:r>
-                  </m:oMath>
-                </a14:m>
-                <a:r>
-                  <a:rPr lang="en-US" sz="2000" dirty="0">
-                    <a:latin typeface="Times New Roman" panose="02020603050405020304" pitchFamily="18" charset="0"/>
-                    <a:cs typeface="Times New Roman" panose="02020603050405020304" pitchFamily="18" charset="0"/>
-                  </a:rPr>
-                  <a:t>-algebra)</a:t>
-                </a:r>
-              </a:p>
-            </p:txBody>
-          </p:sp>
-        </mc:Choice>
-        <mc:Fallback>
-          <p:sp>
-            <p:nvSpPr>
-              <p:cNvPr id="25" name="TextBox 24">
-                <a:extLst>
-                  <a:ext uri="{FF2B5EF4-FFF2-40B4-BE49-F238E27FC236}">
-                    <a16:creationId xmlns:a16="http://schemas.microsoft.com/office/drawing/2014/main" id="{EE3B002C-3CD6-46B0-9BBE-3EC6DB19BE89}"/>
-                  </a:ext>
-                </a:extLst>
-              </p:cNvPr>
-              <p:cNvSpPr txBox="1">
-                <a:spLocks noRot="1" noChangeAspect="1" noMove="1" noResize="1" noEditPoints="1" noAdjustHandles="1" noChangeArrowheads="1" noChangeShapeType="1" noTextEdit="1"/>
-              </p:cNvSpPr>
-              <p:nvPr/>
-            </p:nvSpPr>
-            <p:spPr>
-              <a:xfrm>
-                <a:off x="6831549" y="5177481"/>
-                <a:ext cx="1349921" cy="400110"/>
-              </a:xfrm>
-              <a:prstGeom prst="rect">
-                <a:avLst/>
-              </a:prstGeom>
-              <a:blipFill>
-                <a:blip r:embed="rId7"/>
-                <a:stretch>
-                  <a:fillRect l="-5430" t="-7576" r="-4525" b="-25758"/>
-                </a:stretch>
-              </a:blipFill>
-            </p:spPr>
-            <p:txBody>
-              <a:bodyPr/>
-              <a:lstStyle/>
-              <a:p>
-                <a:r>
-                  <a:rPr lang="en-US">
-                    <a:noFill/>
-                  </a:rPr>
-                  <a:t> </a:t>
-                </a:r>
-              </a:p>
-            </p:txBody>
-          </p:sp>
-        </mc:Fallback>
-      </mc:AlternateContent>
       <mc:AlternateContent xmlns:mc="http://schemas.openxmlformats.org/markup-compatibility/2006">
         <mc:Choice xmlns:a14="http://schemas.microsoft.com/office/drawing/2010/main" Requires="a14">
           <p:sp>
@@ -4332,8 +3090,8 @@
             </p:nvSpPr>
             <p:spPr>
               <a:xfrm>
-                <a:off x="8874431" y="1766257"/>
-                <a:ext cx="725199" cy="584775"/>
+                <a:off x="176484" y="145537"/>
+                <a:ext cx="792525" cy="584775"/>
               </a:xfrm>
               <a:prstGeom prst="rect">
                 <a:avLst/>
@@ -4346,6 +3104,7 @@
               </a:bodyPr>
               <a:lstStyle/>
               <a:p>
+                <a:pPr/>
                 <a14:m>
                   <m:oMathPara xmlns:m="http://schemas.openxmlformats.org/officeDocument/2006/math">
                     <m:oMathParaPr>
@@ -4355,26 +3114,34 @@
                       <m:sSub>
                         <m:sSubPr>
                           <m:ctrlPr>
-                            <a:rPr lang="en-US" sz="3200" b="0" i="1" smtClean="0">
+                            <a:rPr lang="en-US" sz="3200" i="1">
                               <a:latin typeface="Cambria Math" panose="02040503050406030204" pitchFamily="18" charset="0"/>
                             </a:rPr>
                           </m:ctrlPr>
                         </m:sSubPr>
                         <m:e>
-                          <m:r>
-                            <m:rPr>
-                              <m:sty m:val="p"/>
-                            </m:rPr>
-                            <a:rPr lang="en-US" sz="3200" b="0" i="0" smtClean="0">
-                              <a:latin typeface="Cambria Math" panose="02040503050406030204" pitchFamily="18" charset="0"/>
-                              <a:cs typeface="Arial" panose="020B0604020202020204" pitchFamily="34" charset="0"/>
-                            </a:rPr>
-                            <m:t>Σ</m:t>
-                          </m:r>
+                          <m:acc>
+                            <m:accPr>
+                              <m:chr m:val="̅"/>
+                              <m:ctrlPr>
+                                <a:rPr lang="en-US" sz="3200" i="1">
+                                  <a:latin typeface="Cambria Math" panose="02040503050406030204" pitchFamily="18" charset="0"/>
+                                </a:rPr>
+                              </m:ctrlPr>
+                            </m:accPr>
+                            <m:e>
+                              <m:r>
+                                <a:rPr lang="en-US" sz="3200" i="1">
+                                  <a:latin typeface="Cambria Math" panose="02040503050406030204" pitchFamily="18" charset="0"/>
+                                </a:rPr>
+                                <m:t>𝒟</m:t>
+                              </m:r>
+                            </m:e>
+                          </m:acc>
                         </m:e>
                         <m:sub>
                           <m:r>
-                            <a:rPr lang="en-US" sz="3200" b="0" i="1" smtClean="0">
+                            <a:rPr lang="en-US" sz="3200" i="1">
                               <a:latin typeface="Cambria Math" panose="02040503050406030204" pitchFamily="18" charset="0"/>
                             </a:rPr>
                             <m:t>𝑋</m:t>
@@ -4406,14 +3173,14 @@
             </p:nvSpPr>
             <p:spPr>
               <a:xfrm>
-                <a:off x="8874431" y="1766257"/>
-                <a:ext cx="725199" cy="584775"/>
+                <a:off x="176484" y="145537"/>
+                <a:ext cx="792525" cy="584775"/>
               </a:xfrm>
               <a:prstGeom prst="rect">
                 <a:avLst/>
               </a:prstGeom>
               <a:blipFill>
-                <a:blip r:embed="rId8"/>
+                <a:blip r:embed="rId2"/>
                 <a:stretch>
                   <a:fillRect/>
                 </a:stretch>
@@ -4436,10 +3203,10 @@
       </mc:AlternateContent>
       <p:sp>
         <p:nvSpPr>
-          <p:cNvPr id="27" name="TextBox 26">
+          <p:cNvPr id="41" name="TextBox 40">
             <a:extLst>
               <a:ext uri="{FF2B5EF4-FFF2-40B4-BE49-F238E27FC236}">
-                <a16:creationId xmlns:a16="http://schemas.microsoft.com/office/drawing/2014/main" id="{014EB7FF-B828-44F9-ADDE-42A701C670F3}"/>
+                <a16:creationId xmlns:a16="http://schemas.microsoft.com/office/drawing/2014/main" id="{1358B963-F77B-4842-B7BD-8A6B6F67F2F2}"/>
               </a:ext>
             </a:extLst>
           </p:cNvPr>
@@ -4448,8 +3215,8 @@
         </p:nvSpPr>
         <p:spPr>
           <a:xfrm>
-            <a:off x="6400612" y="4570877"/>
-            <a:ext cx="1265090" cy="400110"/>
+            <a:off x="1437347" y="111102"/>
+            <a:ext cx="6378669" cy="830997"/>
           </a:xfrm>
           <a:prstGeom prst="rect">
             <a:avLst/>
@@ -4462,202 +3229,135 @@
           </a:bodyPr>
           <a:lstStyle/>
           <a:p>
-            <a:pPr algn="r"/>
-            <a:r>
-              <a:rPr lang="en-US" sz="2000" dirty="0">
+            <a:pPr algn="ctr"/>
+            <a:r>
+              <a:rPr lang="en-US" sz="2400" dirty="0">
                 <a:latin typeface="Times New Roman" panose="02020603050405020304" pitchFamily="18" charset="0"/>
                 <a:cs typeface="Times New Roman" panose="02020603050405020304" pitchFamily="18" charset="0"/>
               </a:rPr>
-              <a:t>(topology)</a:t>
-            </a:r>
-          </a:p>
-        </p:txBody>
-      </p:sp>
-      <p:sp>
-        <p:nvSpPr>
-          <p:cNvPr id="29" name="TextBox 28">
-            <a:extLst>
-              <a:ext uri="{FF2B5EF4-FFF2-40B4-BE49-F238E27FC236}">
-                <a16:creationId xmlns:a16="http://schemas.microsoft.com/office/drawing/2014/main" id="{F156F557-6656-4D81-A9DC-67EED8C377F3}"/>
-              </a:ext>
-            </a:extLst>
-          </p:cNvPr>
-          <p:cNvSpPr txBox="1"/>
-          <p:nvPr/>
-        </p:nvSpPr>
-        <p:spPr>
-          <a:xfrm>
-            <a:off x="235916" y="4282322"/>
-            <a:ext cx="2178802" cy="1015663"/>
-          </a:xfrm>
-          <a:prstGeom prst="rect">
-            <a:avLst/>
-          </a:prstGeom>
-          <a:noFill/>
-        </p:spPr>
-        <p:txBody>
-          <a:bodyPr wrap="none" rtlCol="0">
-            <a:spAutoFit/>
-          </a:bodyPr>
-          <a:lstStyle/>
-          <a:p>
-            <a:r>
-              <a:rPr lang="en-US" sz="2000" dirty="0">
-                <a:latin typeface="Times New Roman" panose="02020603050405020304" pitchFamily="18" charset="0"/>
-                <a:cs typeface="Times New Roman" panose="02020603050405020304" pitchFamily="18" charset="0"/>
-              </a:rPr>
-              <a:t>experimentally</a:t>
+              <a:t>Theoretical statements:</a:t>
             </a:r>
             <a:br>
-              <a:rPr lang="en-US" sz="2000" dirty="0">
+              <a:rPr lang="en-US" sz="2400" dirty="0">
                 <a:latin typeface="Times New Roman" panose="02020603050405020304" pitchFamily="18" charset="0"/>
                 <a:cs typeface="Times New Roman" panose="02020603050405020304" pitchFamily="18" charset="0"/>
               </a:rPr>
             </a:br>
             <a:r>
-              <a:rPr lang="en-US" sz="2000" dirty="0">
+              <a:rPr lang="en-US" sz="2400" dirty="0">
                 <a:latin typeface="Times New Roman" panose="02020603050405020304" pitchFamily="18" charset="0"/>
                 <a:cs typeface="Times New Roman" panose="02020603050405020304" pitchFamily="18" charset="0"/>
               </a:rPr>
-              <a:t>distinguishable</a:t>
-            </a:r>
-            <a:br>
-              <a:rPr lang="en-US" sz="2000" dirty="0">
-                <a:latin typeface="Times New Roman" panose="02020603050405020304" pitchFamily="18" charset="0"/>
-                <a:cs typeface="Times New Roman" panose="02020603050405020304" pitchFamily="18" charset="0"/>
-              </a:rPr>
-            </a:br>
-            <a:r>
-              <a:rPr lang="en-US" sz="2000" dirty="0">
-                <a:latin typeface="Times New Roman" panose="02020603050405020304" pitchFamily="18" charset="0"/>
-                <a:cs typeface="Times New Roman" panose="02020603050405020304" pitchFamily="18" charset="0"/>
-              </a:rPr>
-              <a:t>cases (possibilities)</a:t>
-            </a:r>
-          </a:p>
-        </p:txBody>
-      </p:sp>
-      <p:sp>
-        <p:nvSpPr>
-          <p:cNvPr id="30" name="TextBox 29">
+              <a:t>all statements associated with an experimental test</a:t>
+            </a:r>
+          </a:p>
+        </p:txBody>
+      </p:sp>
+      <mc:AlternateContent xmlns:mc="http://schemas.openxmlformats.org/markup-compatibility/2006">
+        <mc:Choice xmlns:a14="http://schemas.microsoft.com/office/drawing/2010/main" Requires="a14">
+          <p:sp>
+            <p:nvSpPr>
+              <p:cNvPr id="13" name="TextBox 12">
+                <a:extLst>
+                  <a:ext uri="{FF2B5EF4-FFF2-40B4-BE49-F238E27FC236}">
+                    <a16:creationId xmlns:a16="http://schemas.microsoft.com/office/drawing/2014/main" id="{484938EA-2CA4-44B4-A5FB-4A8226E8B54E}"/>
+                  </a:ext>
+                </a:extLst>
+              </p:cNvPr>
+              <p:cNvSpPr txBox="1"/>
+              <p:nvPr/>
+            </p:nvSpPr>
+            <p:spPr>
+              <a:xfrm>
+                <a:off x="5911648" y="1215959"/>
+                <a:ext cx="561756" cy="584775"/>
+              </a:xfrm>
+              <a:prstGeom prst="rect">
+                <a:avLst/>
+              </a:prstGeom>
+              <a:noFill/>
+            </p:spPr>
+            <p:txBody>
+              <a:bodyPr wrap="none" rtlCol="0">
+                <a:spAutoFit/>
+              </a:bodyPr>
+              <a:lstStyle/>
+              <a:p>
+                <a:pPr algn="r"/>
+                <a14:m>
+                  <m:oMathPara xmlns:m="http://schemas.openxmlformats.org/officeDocument/2006/math">
+                    <m:oMathParaPr>
+                      <m:jc m:val="centerGroup"/>
+                    </m:oMathParaPr>
+                    <m:oMath xmlns:m="http://schemas.openxmlformats.org/officeDocument/2006/math">
+                      <m:r>
+                        <a:rPr lang="en-US" sz="3200" i="1">
+                          <a:latin typeface="Cambria Math" panose="02040503050406030204" pitchFamily="18" charset="0"/>
+                        </a:rPr>
+                        <m:t>𝑋</m:t>
+                      </m:r>
+                    </m:oMath>
+                  </m:oMathPara>
+                </a14:m>
+                <a:endParaRPr lang="en-US" sz="3200" dirty="0">
+                  <a:latin typeface="Times New Roman" panose="02020603050405020304" pitchFamily="18" charset="0"/>
+                  <a:cs typeface="Times New Roman" panose="02020603050405020304" pitchFamily="18" charset="0"/>
+                </a:endParaRPr>
+              </a:p>
+            </p:txBody>
+          </p:sp>
+        </mc:Choice>
+        <mc:Fallback>
+          <p:sp>
+            <p:nvSpPr>
+              <p:cNvPr id="13" name="TextBox 12">
+                <a:extLst>
+                  <a:ext uri="{FF2B5EF4-FFF2-40B4-BE49-F238E27FC236}">
+                    <a16:creationId xmlns:a16="http://schemas.microsoft.com/office/drawing/2014/main" id="{484938EA-2CA4-44B4-A5FB-4A8226E8B54E}"/>
+                  </a:ext>
+                </a:extLst>
+              </p:cNvPr>
+              <p:cNvSpPr txBox="1">
+                <a:spLocks noRot="1" noChangeAspect="1" noMove="1" noResize="1" noEditPoints="1" noAdjustHandles="1" noChangeArrowheads="1" noChangeShapeType="1" noTextEdit="1"/>
+              </p:cNvSpPr>
+              <p:nvPr/>
+            </p:nvSpPr>
+            <p:spPr>
+              <a:xfrm>
+                <a:off x="5911648" y="1215959"/>
+                <a:ext cx="561756" cy="584775"/>
+              </a:xfrm>
+              <a:prstGeom prst="rect">
+                <a:avLst/>
+              </a:prstGeom>
+              <a:blipFill>
+                <a:blip r:embed="rId3"/>
+                <a:stretch>
+                  <a:fillRect/>
+                </a:stretch>
+              </a:blipFill>
+            </p:spPr>
+            <p:txBody>
+              <a:bodyPr/>
+              <a:lstStyle/>
+              <a:p>
+                <a:r>
+                  <a:rPr lang="en-US">
+                    <a:noFill/>
+                  </a:rPr>
+                  <a:t> </a:t>
+                </a:r>
+              </a:p>
+            </p:txBody>
+          </p:sp>
+        </mc:Fallback>
+      </mc:AlternateContent>
+      <p:sp>
+        <p:nvSpPr>
+          <p:cNvPr id="40" name="Oval 39">
             <a:extLst>
               <a:ext uri="{FF2B5EF4-FFF2-40B4-BE49-F238E27FC236}">
-                <a16:creationId xmlns:a16="http://schemas.microsoft.com/office/drawing/2014/main" id="{B5F4079B-93A3-4A70-BDEE-2E0B0B353EFA}"/>
-              </a:ext>
-            </a:extLst>
-          </p:cNvPr>
-          <p:cNvSpPr txBox="1"/>
-          <p:nvPr/>
-        </p:nvSpPr>
-        <p:spPr>
-          <a:xfrm>
-            <a:off x="1619902" y="5456825"/>
-            <a:ext cx="2307042" cy="400110"/>
-          </a:xfrm>
-          <a:prstGeom prst="rect">
-            <a:avLst/>
-          </a:prstGeom>
-          <a:noFill/>
-        </p:spPr>
-        <p:txBody>
-          <a:bodyPr wrap="none" rtlCol="0">
-            <a:spAutoFit/>
-          </a:bodyPr>
-          <a:lstStyle/>
-          <a:p>
-            <a:r>
-              <a:rPr lang="en-US" sz="2000" dirty="0">
-                <a:latin typeface="Times New Roman" panose="02020603050405020304" pitchFamily="18" charset="0"/>
-                <a:cs typeface="Times New Roman" panose="02020603050405020304" pitchFamily="18" charset="0"/>
-              </a:rPr>
-              <a:t>verifiable statements</a:t>
-            </a:r>
-          </a:p>
-        </p:txBody>
-      </p:sp>
-      <p:sp>
-        <p:nvSpPr>
-          <p:cNvPr id="31" name="TextBox 30">
-            <a:extLst>
-              <a:ext uri="{FF2B5EF4-FFF2-40B4-BE49-F238E27FC236}">
-                <a16:creationId xmlns:a16="http://schemas.microsoft.com/office/drawing/2014/main" id="{F7DD1688-0D0E-44F1-884E-0D742537C025}"/>
-              </a:ext>
-            </a:extLst>
-          </p:cNvPr>
-          <p:cNvSpPr txBox="1"/>
-          <p:nvPr/>
-        </p:nvSpPr>
-        <p:spPr>
-          <a:xfrm>
-            <a:off x="2795362" y="6225572"/>
-            <a:ext cx="2406428" cy="400110"/>
-          </a:xfrm>
-          <a:prstGeom prst="rect">
-            <a:avLst/>
-          </a:prstGeom>
-          <a:noFill/>
-        </p:spPr>
-        <p:txBody>
-          <a:bodyPr wrap="none" rtlCol="0">
-            <a:spAutoFit/>
-          </a:bodyPr>
-          <a:lstStyle/>
-          <a:p>
-            <a:r>
-              <a:rPr lang="en-US" sz="2000" dirty="0">
-                <a:latin typeface="Times New Roman" panose="02020603050405020304" pitchFamily="18" charset="0"/>
-                <a:cs typeface="Times New Roman" panose="02020603050405020304" pitchFamily="18" charset="0"/>
-              </a:rPr>
-              <a:t>theoretical statements</a:t>
-            </a:r>
-          </a:p>
-        </p:txBody>
-      </p:sp>
-      <p:sp>
-        <p:nvSpPr>
-          <p:cNvPr id="33" name="TextBox 32">
-            <a:extLst>
-              <a:ext uri="{FF2B5EF4-FFF2-40B4-BE49-F238E27FC236}">
-                <a16:creationId xmlns:a16="http://schemas.microsoft.com/office/drawing/2014/main" id="{B5FA54F3-EDAA-49BC-8CAC-BAD99B887A68}"/>
-              </a:ext>
-            </a:extLst>
-          </p:cNvPr>
-          <p:cNvSpPr txBox="1"/>
-          <p:nvPr/>
-        </p:nvSpPr>
-        <p:spPr>
-          <a:xfrm>
-            <a:off x="1753776" y="493920"/>
-            <a:ext cx="809837" cy="400110"/>
-          </a:xfrm>
-          <a:prstGeom prst="rect">
-            <a:avLst/>
-          </a:prstGeom>
-          <a:noFill/>
-        </p:spPr>
-        <p:txBody>
-          <a:bodyPr wrap="none" rtlCol="0">
-            <a:spAutoFit/>
-          </a:bodyPr>
-          <a:lstStyle/>
-          <a:p>
-            <a:pPr algn="r"/>
-            <a:r>
-              <a:rPr lang="en-US" sz="2000" dirty="0">
-                <a:latin typeface="Times New Roman" panose="02020603050405020304" pitchFamily="18" charset="0"/>
-                <a:cs typeface="Times New Roman" panose="02020603050405020304" pitchFamily="18" charset="0"/>
-              </a:rPr>
-              <a:t>points</a:t>
-            </a:r>
-          </a:p>
-        </p:txBody>
-      </p:sp>
-      <p:sp>
-        <p:nvSpPr>
-          <p:cNvPr id="34" name="Oval 33">
-            <a:extLst>
-              <a:ext uri="{FF2B5EF4-FFF2-40B4-BE49-F238E27FC236}">
-                <a16:creationId xmlns:a16="http://schemas.microsoft.com/office/drawing/2014/main" id="{64F9C32A-B182-4222-9D1B-131604881549}"/>
+                <a16:creationId xmlns:a16="http://schemas.microsoft.com/office/drawing/2014/main" id="{892EBA9B-B61E-4AD6-835E-FB0761C8FAFB}"/>
               </a:ext>
             </a:extLst>
           </p:cNvPr>
@@ -4666,16 +3366,13 @@
         </p:nvSpPr>
         <p:spPr>
           <a:xfrm>
-            <a:off x="1986205" y="1280548"/>
-            <a:ext cx="1802189" cy="1017460"/>
+            <a:off x="5715476" y="1605446"/>
+            <a:ext cx="2834741" cy="2372943"/>
           </a:xfrm>
           <a:prstGeom prst="ellipse">
             <a:avLst/>
           </a:prstGeom>
-          <a:noFill/>
-          <a:ln>
-            <a:prstDash val="dash"/>
-          </a:ln>
+          <a:ln w="28575"/>
         </p:spPr>
         <p:style>
           <a:lnRef idx="2">
@@ -4696,16 +3393,94 @@
           <a:lstStyle/>
           <a:p>
             <a:pPr algn="ctr"/>
-            <a:endParaRPr lang="en-US" dirty="0"/>
-          </a:p>
-        </p:txBody>
-      </p:sp>
-      <p:sp>
-        <p:nvSpPr>
-          <p:cNvPr id="35" name="Oval 34">
+            <a:endParaRPr lang="en-US"/>
+          </a:p>
+        </p:txBody>
+      </p:sp>
+      <p:sp>
+        <p:nvSpPr>
+          <p:cNvPr id="43" name="TextBox 42">
             <a:extLst>
               <a:ext uri="{FF2B5EF4-FFF2-40B4-BE49-F238E27FC236}">
-                <a16:creationId xmlns:a16="http://schemas.microsoft.com/office/drawing/2014/main" id="{A6F3DC4F-20FE-402C-A919-831B2A7B3850}"/>
+                <a16:creationId xmlns:a16="http://schemas.microsoft.com/office/drawing/2014/main" id="{9D23510A-1D3E-4FFB-AF6E-B6BF86418028}"/>
+              </a:ext>
+            </a:extLst>
+          </p:cNvPr>
+          <p:cNvSpPr txBox="1"/>
+          <p:nvPr/>
+        </p:nvSpPr>
+        <p:spPr>
+          <a:xfrm>
+            <a:off x="6095169" y="2031695"/>
+            <a:ext cx="2045752" cy="1569660"/>
+          </a:xfrm>
+          <a:prstGeom prst="rect">
+            <a:avLst/>
+          </a:prstGeom>
+          <a:noFill/>
+        </p:spPr>
+        <p:txBody>
+          <a:bodyPr wrap="none" rtlCol="0">
+            <a:spAutoFit/>
+          </a:bodyPr>
+          <a:lstStyle/>
+          <a:p>
+            <a:pPr algn="ctr"/>
+            <a:r>
+              <a:rPr lang="en-US" sz="2400" dirty="0">
+                <a:latin typeface="Times New Roman" panose="02020603050405020304" pitchFamily="18" charset="0"/>
+                <a:cs typeface="Times New Roman" panose="02020603050405020304" pitchFamily="18" charset="0"/>
+              </a:rPr>
+              <a:t>Possibilities:</a:t>
+            </a:r>
+            <a:br>
+              <a:rPr lang="en-US" sz="2400" dirty="0">
+                <a:latin typeface="Times New Roman" panose="02020603050405020304" pitchFamily="18" charset="0"/>
+                <a:cs typeface="Times New Roman" panose="02020603050405020304" pitchFamily="18" charset="0"/>
+              </a:rPr>
+            </a:br>
+            <a:r>
+              <a:rPr lang="en-US" sz="2400" dirty="0">
+                <a:latin typeface="Times New Roman" panose="02020603050405020304" pitchFamily="18" charset="0"/>
+                <a:cs typeface="Times New Roman" panose="02020603050405020304" pitchFamily="18" charset="0"/>
+              </a:rPr>
+              <a:t>experimentally</a:t>
+            </a:r>
+            <a:br>
+              <a:rPr lang="en-US" sz="2400" dirty="0">
+                <a:latin typeface="Times New Roman" panose="02020603050405020304" pitchFamily="18" charset="0"/>
+                <a:cs typeface="Times New Roman" panose="02020603050405020304" pitchFamily="18" charset="0"/>
+              </a:rPr>
+            </a:br>
+            <a:r>
+              <a:rPr lang="en-US" sz="2400" dirty="0">
+                <a:latin typeface="Times New Roman" panose="02020603050405020304" pitchFamily="18" charset="0"/>
+                <a:cs typeface="Times New Roman" panose="02020603050405020304" pitchFamily="18" charset="0"/>
+              </a:rPr>
+              <a:t>distinguishable</a:t>
+            </a:r>
+            <a:br>
+              <a:rPr lang="en-US" sz="2400" dirty="0">
+                <a:latin typeface="Times New Roman" panose="02020603050405020304" pitchFamily="18" charset="0"/>
+                <a:cs typeface="Times New Roman" panose="02020603050405020304" pitchFamily="18" charset="0"/>
+              </a:rPr>
+            </a:br>
+            <a:r>
+              <a:rPr lang="en-US" sz="2400" dirty="0">
+                <a:latin typeface="Times New Roman" panose="02020603050405020304" pitchFamily="18" charset="0"/>
+                <a:cs typeface="Times New Roman" panose="02020603050405020304" pitchFamily="18" charset="0"/>
+              </a:rPr>
+              <a:t>cases</a:t>
+            </a:r>
+          </a:p>
+        </p:txBody>
+      </p:sp>
+      <p:sp>
+        <p:nvSpPr>
+          <p:cNvPr id="16" name="Oval 15">
+            <a:extLst>
+              <a:ext uri="{FF2B5EF4-FFF2-40B4-BE49-F238E27FC236}">
+                <a16:creationId xmlns:a16="http://schemas.microsoft.com/office/drawing/2014/main" id="{43DEE96C-8E9C-4D93-A96F-6278206A5BF2}"/>
               </a:ext>
             </a:extLst>
           </p:cNvPr>
@@ -4714,16 +3489,13 @@
         </p:nvSpPr>
         <p:spPr>
           <a:xfrm>
-            <a:off x="1385165" y="1008471"/>
-            <a:ext cx="1345566" cy="1175096"/>
+            <a:off x="614532" y="1673410"/>
+            <a:ext cx="3921958" cy="3265698"/>
           </a:xfrm>
           <a:prstGeom prst="ellipse">
             <a:avLst/>
           </a:prstGeom>
-          <a:noFill/>
-          <a:ln>
-            <a:prstDash val="dash"/>
-          </a:ln>
+          <a:ln w="28575"/>
         </p:spPr>
         <p:style>
           <a:lnRef idx="2">
@@ -4744,78 +3516,449 @@
           <a:lstStyle/>
           <a:p>
             <a:pPr algn="ctr"/>
-            <a:endParaRPr lang="en-US" dirty="0"/>
-          </a:p>
-        </p:txBody>
-      </p:sp>
-      <p:sp>
-        <p:nvSpPr>
-          <p:cNvPr id="36" name="Oval 35">
+            <a:endParaRPr lang="en-US"/>
+          </a:p>
+        </p:txBody>
+      </p:sp>
+      <mc:AlternateContent xmlns:mc="http://schemas.openxmlformats.org/markup-compatibility/2006">
+        <mc:Choice xmlns:a14="http://schemas.microsoft.com/office/drawing/2010/main" Requires="a14">
+          <p:sp>
+            <p:nvSpPr>
+              <p:cNvPr id="37" name="TextBox 36">
+                <a:extLst>
+                  <a:ext uri="{FF2B5EF4-FFF2-40B4-BE49-F238E27FC236}">
+                    <a16:creationId xmlns:a16="http://schemas.microsoft.com/office/drawing/2014/main" id="{B1227EC9-23CA-446F-96F2-53229DBFAF48}"/>
+                  </a:ext>
+                </a:extLst>
+              </p:cNvPr>
+              <p:cNvSpPr txBox="1"/>
+              <p:nvPr/>
+            </p:nvSpPr>
+            <p:spPr>
+              <a:xfrm>
+                <a:off x="751839" y="1320638"/>
+                <a:ext cx="792525" cy="584775"/>
+              </a:xfrm>
+              <a:prstGeom prst="rect">
+                <a:avLst/>
+              </a:prstGeom>
+              <a:noFill/>
+            </p:spPr>
+            <p:txBody>
+              <a:bodyPr wrap="none" rtlCol="0">
+                <a:spAutoFit/>
+              </a:bodyPr>
+              <a:lstStyle/>
+              <a:p>
+                <a:pPr/>
+                <a14:m>
+                  <m:oMathPara xmlns:m="http://schemas.openxmlformats.org/officeDocument/2006/math">
+                    <m:oMathParaPr>
+                      <m:jc m:val="centerGroup"/>
+                    </m:oMathParaPr>
+                    <m:oMath xmlns:m="http://schemas.openxmlformats.org/officeDocument/2006/math">
+                      <m:sSub>
+                        <m:sSubPr>
+                          <m:ctrlPr>
+                            <a:rPr lang="en-US" sz="3200" i="1">
+                              <a:latin typeface="Cambria Math" panose="02040503050406030204" pitchFamily="18" charset="0"/>
+                            </a:rPr>
+                          </m:ctrlPr>
+                        </m:sSubPr>
+                        <m:e>
+                          <m:r>
+                            <a:rPr lang="en-US" sz="3200" i="1">
+                              <a:latin typeface="Cambria Math" panose="02040503050406030204" pitchFamily="18" charset="0"/>
+                              <a:cs typeface="Arial" panose="020B0604020202020204" pitchFamily="34" charset="0"/>
+                            </a:rPr>
+                            <m:t>𝒟</m:t>
+                          </m:r>
+                        </m:e>
+                        <m:sub>
+                          <m:r>
+                            <a:rPr lang="en-US" sz="3200" i="1">
+                              <a:latin typeface="Cambria Math" panose="02040503050406030204" pitchFamily="18" charset="0"/>
+                            </a:rPr>
+                            <m:t>𝑋</m:t>
+                          </m:r>
+                        </m:sub>
+                      </m:sSub>
+                    </m:oMath>
+                  </m:oMathPara>
+                </a14:m>
+                <a:endParaRPr lang="en-US" sz="3200" dirty="0"/>
+              </a:p>
+            </p:txBody>
+          </p:sp>
+        </mc:Choice>
+        <mc:Fallback>
+          <p:sp>
+            <p:nvSpPr>
+              <p:cNvPr id="37" name="TextBox 36">
+                <a:extLst>
+                  <a:ext uri="{FF2B5EF4-FFF2-40B4-BE49-F238E27FC236}">
+                    <a16:creationId xmlns:a16="http://schemas.microsoft.com/office/drawing/2014/main" id="{B1227EC9-23CA-446F-96F2-53229DBFAF48}"/>
+                  </a:ext>
+                </a:extLst>
+              </p:cNvPr>
+              <p:cNvSpPr txBox="1">
+                <a:spLocks noRot="1" noChangeAspect="1" noMove="1" noResize="1" noEditPoints="1" noAdjustHandles="1" noChangeArrowheads="1" noChangeShapeType="1" noTextEdit="1"/>
+              </p:cNvSpPr>
+              <p:nvPr/>
+            </p:nvSpPr>
+            <p:spPr>
+              <a:xfrm>
+                <a:off x="751839" y="1320638"/>
+                <a:ext cx="792525" cy="584775"/>
+              </a:xfrm>
+              <a:prstGeom prst="rect">
+                <a:avLst/>
+              </a:prstGeom>
+              <a:blipFill>
+                <a:blip r:embed="rId4"/>
+                <a:stretch>
+                  <a:fillRect/>
+                </a:stretch>
+              </a:blipFill>
+            </p:spPr>
+            <p:txBody>
+              <a:bodyPr/>
+              <a:lstStyle/>
+              <a:p>
+                <a:r>
+                  <a:rPr lang="en-US">
+                    <a:noFill/>
+                  </a:rPr>
+                  <a:t> </a:t>
+                </a:r>
+              </a:p>
+            </p:txBody>
+          </p:sp>
+        </mc:Fallback>
+      </mc:AlternateContent>
+      <p:sp>
+        <p:nvSpPr>
+          <p:cNvPr id="44" name="TextBox 43">
             <a:extLst>
               <a:ext uri="{FF2B5EF4-FFF2-40B4-BE49-F238E27FC236}">
-                <a16:creationId xmlns:a16="http://schemas.microsoft.com/office/drawing/2014/main" id="{BA5088CD-463F-4D12-B4D1-DF6622BE6768}"/>
+                <a16:creationId xmlns:a16="http://schemas.microsoft.com/office/drawing/2014/main" id="{64BBFE8D-36B6-4B69-877E-1AED4DA48E13}"/>
               </a:ext>
             </a:extLst>
           </p:cNvPr>
-          <p:cNvSpPr/>
+          <p:cNvSpPr txBox="1"/>
           <p:nvPr/>
         </p:nvSpPr>
         <p:spPr>
           <a:xfrm>
-            <a:off x="1002874" y="1707606"/>
-            <a:ext cx="1940575" cy="1120820"/>
+            <a:off x="1148101" y="2706097"/>
+            <a:ext cx="2854820" cy="1200329"/>
           </a:xfrm>
-          <a:prstGeom prst="ellipse">
+          <a:prstGeom prst="rect">
             <a:avLst/>
           </a:prstGeom>
           <a:noFill/>
-          <a:ln>
-            <a:prstDash val="dash"/>
-          </a:ln>
         </p:spPr>
-        <p:style>
-          <a:lnRef idx="2">
-            <a:schemeClr val="dk1"/>
-          </a:lnRef>
-          <a:fillRef idx="1">
-            <a:schemeClr val="lt1"/>
-          </a:fillRef>
-          <a:effectRef idx="0">
-            <a:schemeClr val="dk1"/>
-          </a:effectRef>
-          <a:fontRef idx="minor">
-            <a:schemeClr val="dk1"/>
-          </a:fontRef>
-        </p:style>
-        <p:txBody>
-          <a:bodyPr rtlCol="0" anchor="ctr"/>
+        <p:txBody>
+          <a:bodyPr wrap="none" rtlCol="0">
+            <a:spAutoFit/>
+          </a:bodyPr>
           <a:lstStyle/>
           <a:p>
             <a:pPr algn="ctr"/>
-            <a:endParaRPr lang="en-US" dirty="0"/>
+            <a:r>
+              <a:rPr lang="en-US" sz="2400" dirty="0">
+                <a:latin typeface="Times New Roman" panose="02020603050405020304" pitchFamily="18" charset="0"/>
+                <a:cs typeface="Times New Roman" panose="02020603050405020304" pitchFamily="18" charset="0"/>
+              </a:rPr>
+              <a:t>Verifiable statements:</a:t>
+            </a:r>
+            <a:br>
+              <a:rPr lang="en-US" sz="2400" dirty="0">
+                <a:latin typeface="Times New Roman" panose="02020603050405020304" pitchFamily="18" charset="0"/>
+                <a:cs typeface="Times New Roman" panose="02020603050405020304" pitchFamily="18" charset="0"/>
+              </a:rPr>
+            </a:br>
+            <a:r>
+              <a:rPr lang="en-US" sz="2400" dirty="0">
+                <a:latin typeface="Times New Roman" panose="02020603050405020304" pitchFamily="18" charset="0"/>
+                <a:cs typeface="Times New Roman" panose="02020603050405020304" pitchFamily="18" charset="0"/>
+              </a:rPr>
+              <a:t>if true, test</a:t>
+            </a:r>
+            <a:br>
+              <a:rPr lang="en-US" sz="2400" dirty="0">
+                <a:latin typeface="Times New Roman" panose="02020603050405020304" pitchFamily="18" charset="0"/>
+                <a:cs typeface="Times New Roman" panose="02020603050405020304" pitchFamily="18" charset="0"/>
+              </a:rPr>
+            </a:br>
+            <a:r>
+              <a:rPr lang="en-US" sz="2400" dirty="0">
+                <a:latin typeface="Times New Roman" panose="02020603050405020304" pitchFamily="18" charset="0"/>
+                <a:cs typeface="Times New Roman" panose="02020603050405020304" pitchFamily="18" charset="0"/>
+              </a:rPr>
+              <a:t>always terminates</a:t>
+            </a:r>
           </a:p>
         </p:txBody>
       </p:sp>
       <p:cxnSp>
         <p:nvCxnSpPr>
-          <p:cNvPr id="38" name="Straight Arrow Connector 37">
+          <p:cNvPr id="45" name="Straight Arrow Connector 44">
             <a:extLst>
               <a:ext uri="{FF2B5EF4-FFF2-40B4-BE49-F238E27FC236}">
-                <a16:creationId xmlns:a16="http://schemas.microsoft.com/office/drawing/2014/main" id="{BFEB5613-0633-4D01-ACB7-80F98A6875DC}"/>
+                <a16:creationId xmlns:a16="http://schemas.microsoft.com/office/drawing/2014/main" id="{26B71040-57BB-4E06-A58B-7D74A4056ABB}"/>
               </a:ext>
             </a:extLst>
           </p:cNvPr>
           <p:cNvCxnSpPr>
             <a:cxnSpLocks/>
-            <a:stCxn id="51" idx="2"/>
-            <a:endCxn id="58" idx="6"/>
+            <a:stCxn id="48" idx="1"/>
           </p:cNvCxnSpPr>
           <p:nvPr/>
         </p:nvCxnSpPr>
         <p:spPr>
           <a:xfrm flipH="1">
-            <a:off x="3812593" y="445800"/>
-            <a:ext cx="3483863" cy="1305134"/>
+            <a:off x="8313570" y="707468"/>
+            <a:ext cx="1964032" cy="1197945"/>
+          </a:xfrm>
+          <a:prstGeom prst="straightConnector1">
+            <a:avLst/>
+          </a:prstGeom>
+          <a:ln>
+            <a:tailEnd type="triangle"/>
+          </a:ln>
+        </p:spPr>
+        <p:style>
+          <a:lnRef idx="1">
+            <a:schemeClr val="accent1"/>
+          </a:lnRef>
+          <a:fillRef idx="0">
+            <a:schemeClr val="accent1"/>
+          </a:fillRef>
+          <a:effectRef idx="0">
+            <a:schemeClr val="accent1"/>
+          </a:effectRef>
+          <a:fontRef idx="minor">
+            <a:schemeClr val="tx1"/>
+          </a:fontRef>
+        </p:style>
+      </p:cxnSp>
+      <p:sp>
+        <p:nvSpPr>
+          <p:cNvPr id="46" name="TextBox 45">
+            <a:extLst>
+              <a:ext uri="{FF2B5EF4-FFF2-40B4-BE49-F238E27FC236}">
+                <a16:creationId xmlns:a16="http://schemas.microsoft.com/office/drawing/2014/main" id="{CBD9BAA6-6961-4618-BDE3-7E23951BBBFE}"/>
+              </a:ext>
+            </a:extLst>
+          </p:cNvPr>
+          <p:cNvSpPr txBox="1"/>
+          <p:nvPr/>
+        </p:nvSpPr>
+        <p:spPr>
+          <a:xfrm>
+            <a:off x="8743621" y="4176621"/>
+            <a:ext cx="3448380" cy="1200329"/>
+          </a:xfrm>
+          <a:prstGeom prst="rect">
+            <a:avLst/>
+          </a:prstGeom>
+          <a:noFill/>
+        </p:spPr>
+        <p:txBody>
+          <a:bodyPr wrap="none" rtlCol="0">
+            <a:spAutoFit/>
+          </a:bodyPr>
+          <a:lstStyle/>
+          <a:p>
+            <a:pPr algn="ctr"/>
+            <a:r>
+              <a:rPr lang="en-US" sz="2400" dirty="0">
+                <a:latin typeface="Times New Roman" panose="02020603050405020304" pitchFamily="18" charset="0"/>
+                <a:cs typeface="Times New Roman" panose="02020603050405020304" pitchFamily="18" charset="0"/>
+              </a:rPr>
+              <a:t>Topology</a:t>
+            </a:r>
+          </a:p>
+          <a:p>
+            <a:pPr algn="ctr"/>
+            <a:r>
+              <a:rPr lang="en-US" sz="2400" dirty="0">
+                <a:latin typeface="Times New Roman" panose="02020603050405020304" pitchFamily="18" charset="0"/>
+                <a:cs typeface="Times New Roman" panose="02020603050405020304" pitchFamily="18" charset="0"/>
+              </a:rPr>
+              <a:t>Each verifiable statement</a:t>
+            </a:r>
+            <a:br>
+              <a:rPr lang="en-US" sz="2400" dirty="0">
+                <a:latin typeface="Times New Roman" panose="02020603050405020304" pitchFamily="18" charset="0"/>
+                <a:cs typeface="Times New Roman" panose="02020603050405020304" pitchFamily="18" charset="0"/>
+              </a:rPr>
+            </a:br>
+            <a:r>
+              <a:rPr lang="en-US" sz="2400" dirty="0">
+                <a:latin typeface="Times New Roman" panose="02020603050405020304" pitchFamily="18" charset="0"/>
+                <a:cs typeface="Times New Roman" panose="02020603050405020304" pitchFamily="18" charset="0"/>
+              </a:rPr>
+              <a:t>corresponds to an open set</a:t>
+            </a:r>
+          </a:p>
+        </p:txBody>
+      </p:sp>
+      <p:sp>
+        <p:nvSpPr>
+          <p:cNvPr id="47" name="TextBox 46">
+            <a:extLst>
+              <a:ext uri="{FF2B5EF4-FFF2-40B4-BE49-F238E27FC236}">
+                <a16:creationId xmlns:a16="http://schemas.microsoft.com/office/drawing/2014/main" id="{2A65D740-36EA-4D12-AE8E-79BAE8534FA9}"/>
+              </a:ext>
+            </a:extLst>
+          </p:cNvPr>
+          <p:cNvSpPr txBox="1"/>
+          <p:nvPr/>
+        </p:nvSpPr>
+        <p:spPr>
+          <a:xfrm>
+            <a:off x="9595041" y="1499042"/>
+            <a:ext cx="2052164" cy="1938992"/>
+          </a:xfrm>
+          <a:prstGeom prst="rect">
+            <a:avLst/>
+          </a:prstGeom>
+          <a:noFill/>
+        </p:spPr>
+        <p:txBody>
+          <a:bodyPr wrap="none" rtlCol="0">
+            <a:spAutoFit/>
+          </a:bodyPr>
+          <a:lstStyle/>
+          <a:p>
+            <a:pPr algn="ctr"/>
+            <a:r>
+              <a:rPr lang="en-US" sz="2400" dirty="0" err="1">
+                <a:latin typeface="Times New Roman" panose="02020603050405020304" pitchFamily="18" charset="0"/>
+                <a:cs typeface="Times New Roman" panose="02020603050405020304" pitchFamily="18" charset="0"/>
+              </a:rPr>
+              <a:t>Borel</a:t>
+            </a:r>
+            <a:r>
+              <a:rPr lang="en-US" sz="2400" dirty="0">
+                <a:latin typeface="Times New Roman" panose="02020603050405020304" pitchFamily="18" charset="0"/>
+                <a:cs typeface="Times New Roman" panose="02020603050405020304" pitchFamily="18" charset="0"/>
+              </a:rPr>
+              <a:t> algebra</a:t>
+            </a:r>
+            <a:br>
+              <a:rPr lang="en-US" sz="2400" dirty="0">
+                <a:latin typeface="Times New Roman" panose="02020603050405020304" pitchFamily="18" charset="0"/>
+                <a:cs typeface="Times New Roman" panose="02020603050405020304" pitchFamily="18" charset="0"/>
+              </a:rPr>
+            </a:br>
+            <a:r>
+              <a:rPr lang="en-US" sz="2400" dirty="0">
+                <a:latin typeface="Times New Roman" panose="02020603050405020304" pitchFamily="18" charset="0"/>
+                <a:cs typeface="Times New Roman" panose="02020603050405020304" pitchFamily="18" charset="0"/>
+              </a:rPr>
+              <a:t>Each statement</a:t>
+            </a:r>
+            <a:br>
+              <a:rPr lang="en-US" sz="2400" dirty="0">
+                <a:latin typeface="Times New Roman" panose="02020603050405020304" pitchFamily="18" charset="0"/>
+                <a:cs typeface="Times New Roman" panose="02020603050405020304" pitchFamily="18" charset="0"/>
+              </a:rPr>
+            </a:br>
+            <a:r>
+              <a:rPr lang="en-US" sz="2400" dirty="0">
+                <a:latin typeface="Times New Roman" panose="02020603050405020304" pitchFamily="18" charset="0"/>
+                <a:cs typeface="Times New Roman" panose="02020603050405020304" pitchFamily="18" charset="0"/>
+              </a:rPr>
+              <a:t>corresponds</a:t>
+            </a:r>
+            <a:br>
+              <a:rPr lang="en-US" sz="2400" dirty="0">
+                <a:latin typeface="Times New Roman" panose="02020603050405020304" pitchFamily="18" charset="0"/>
+                <a:cs typeface="Times New Roman" panose="02020603050405020304" pitchFamily="18" charset="0"/>
+              </a:rPr>
+            </a:br>
+            <a:r>
+              <a:rPr lang="en-US" sz="2400" dirty="0">
+                <a:latin typeface="Times New Roman" panose="02020603050405020304" pitchFamily="18" charset="0"/>
+                <a:cs typeface="Times New Roman" panose="02020603050405020304" pitchFamily="18" charset="0"/>
+              </a:rPr>
+              <a:t>to a set of</a:t>
+            </a:r>
+            <a:br>
+              <a:rPr lang="en-US" sz="2400" dirty="0">
+                <a:latin typeface="Times New Roman" panose="02020603050405020304" pitchFamily="18" charset="0"/>
+                <a:cs typeface="Times New Roman" panose="02020603050405020304" pitchFamily="18" charset="0"/>
+              </a:rPr>
+            </a:br>
+            <a:r>
+              <a:rPr lang="en-US" sz="2400" dirty="0">
+                <a:latin typeface="Times New Roman" panose="02020603050405020304" pitchFamily="18" charset="0"/>
+                <a:cs typeface="Times New Roman" panose="02020603050405020304" pitchFamily="18" charset="0"/>
+              </a:rPr>
+              <a:t>possible cases</a:t>
+            </a:r>
+          </a:p>
+        </p:txBody>
+      </p:sp>
+      <p:sp>
+        <p:nvSpPr>
+          <p:cNvPr id="48" name="TextBox 47">
+            <a:extLst>
+              <a:ext uri="{FF2B5EF4-FFF2-40B4-BE49-F238E27FC236}">
+                <a16:creationId xmlns:a16="http://schemas.microsoft.com/office/drawing/2014/main" id="{0ECC323F-061B-4ED5-B36F-04AFB6B9D009}"/>
+              </a:ext>
+            </a:extLst>
+          </p:cNvPr>
+          <p:cNvSpPr txBox="1"/>
+          <p:nvPr/>
+        </p:nvSpPr>
+        <p:spPr>
+          <a:xfrm>
+            <a:off x="10277603" y="476634"/>
+            <a:ext cx="954107" cy="461665"/>
+          </a:xfrm>
+          <a:prstGeom prst="rect">
+            <a:avLst/>
+          </a:prstGeom>
+          <a:noFill/>
+        </p:spPr>
+        <p:txBody>
+          <a:bodyPr wrap="none" rtlCol="0">
+            <a:spAutoFit/>
+          </a:bodyPr>
+          <a:lstStyle/>
+          <a:p>
+            <a:r>
+              <a:rPr lang="en-US" sz="2400" dirty="0">
+                <a:latin typeface="Times New Roman" panose="02020603050405020304" pitchFamily="18" charset="0"/>
+                <a:cs typeface="Times New Roman" panose="02020603050405020304" pitchFamily="18" charset="0"/>
+              </a:rPr>
+              <a:t>Points</a:t>
+            </a:r>
+          </a:p>
+        </p:txBody>
+      </p:sp>
+      <p:cxnSp>
+        <p:nvCxnSpPr>
+          <p:cNvPr id="60" name="Straight Arrow Connector 59">
+            <a:extLst>
+              <a:ext uri="{FF2B5EF4-FFF2-40B4-BE49-F238E27FC236}">
+                <a16:creationId xmlns:a16="http://schemas.microsoft.com/office/drawing/2014/main" id="{172BF244-D509-43BE-A5BA-CFEBB133019E}"/>
+              </a:ext>
+            </a:extLst>
+          </p:cNvPr>
+          <p:cNvCxnSpPr>
+            <a:cxnSpLocks/>
+          </p:cNvCxnSpPr>
+          <p:nvPr/>
+        </p:nvCxnSpPr>
+        <p:spPr>
+          <a:xfrm flipH="1" flipV="1">
+            <a:off x="4494902" y="4101382"/>
+            <a:ext cx="5252663" cy="299824"/>
           </a:xfrm>
           <a:prstGeom prst="straightConnector1">
             <a:avLst/>
@@ -4841,312 +3984,10 @@
       </p:cxnSp>
       <p:cxnSp>
         <p:nvCxnSpPr>
-          <p:cNvPr id="39" name="Straight Arrow Connector 38">
+          <p:cNvPr id="63" name="Straight Arrow Connector 62">
             <a:extLst>
               <a:ext uri="{FF2B5EF4-FFF2-40B4-BE49-F238E27FC236}">
-                <a16:creationId xmlns:a16="http://schemas.microsoft.com/office/drawing/2014/main" id="{6F2A6513-88D4-46AA-920B-DBBD9F31D1FB}"/>
-              </a:ext>
-            </a:extLst>
-          </p:cNvPr>
-          <p:cNvCxnSpPr>
-            <a:cxnSpLocks/>
-            <a:stCxn id="51" idx="2"/>
-            <a:endCxn id="59" idx="6"/>
-          </p:cNvCxnSpPr>
-          <p:nvPr/>
-        </p:nvCxnSpPr>
-        <p:spPr>
-          <a:xfrm flipH="1">
-            <a:off x="2943449" y="445800"/>
-            <a:ext cx="4353007" cy="1993266"/>
-          </a:xfrm>
-          <a:prstGeom prst="straightConnector1">
-            <a:avLst/>
-          </a:prstGeom>
-          <a:ln>
-            <a:tailEnd type="triangle"/>
-          </a:ln>
-        </p:spPr>
-        <p:style>
-          <a:lnRef idx="1">
-            <a:schemeClr val="accent1"/>
-          </a:lnRef>
-          <a:fillRef idx="0">
-            <a:schemeClr val="accent1"/>
-          </a:fillRef>
-          <a:effectRef idx="0">
-            <a:schemeClr val="accent1"/>
-          </a:effectRef>
-          <a:fontRef idx="minor">
-            <a:schemeClr val="tx1"/>
-          </a:fontRef>
-        </p:style>
-      </p:cxnSp>
-      <p:cxnSp>
-        <p:nvCxnSpPr>
-          <p:cNvPr id="42" name="Straight Arrow Connector 41">
-            <a:extLst>
-              <a:ext uri="{FF2B5EF4-FFF2-40B4-BE49-F238E27FC236}">
-                <a16:creationId xmlns:a16="http://schemas.microsoft.com/office/drawing/2014/main" id="{94778BC6-FC62-4993-9EE3-75C1354840B0}"/>
-              </a:ext>
-            </a:extLst>
-          </p:cNvPr>
-          <p:cNvCxnSpPr>
-            <a:cxnSpLocks/>
-            <a:stCxn id="51" idx="2"/>
-            <a:endCxn id="55" idx="6"/>
-          </p:cNvCxnSpPr>
-          <p:nvPr/>
-        </p:nvCxnSpPr>
-        <p:spPr>
-          <a:xfrm flipH="1">
-            <a:off x="2581668" y="445800"/>
-            <a:ext cx="4714788" cy="719786"/>
-          </a:xfrm>
-          <a:prstGeom prst="straightConnector1">
-            <a:avLst/>
-          </a:prstGeom>
-          <a:ln>
-            <a:tailEnd type="triangle"/>
-          </a:ln>
-        </p:spPr>
-        <p:style>
-          <a:lnRef idx="1">
-            <a:schemeClr val="accent1"/>
-          </a:lnRef>
-          <a:fillRef idx="0">
-            <a:schemeClr val="accent1"/>
-          </a:fillRef>
-          <a:effectRef idx="0">
-            <a:schemeClr val="accent1"/>
-          </a:effectRef>
-          <a:fontRef idx="minor">
-            <a:schemeClr val="tx1"/>
-          </a:fontRef>
-        </p:style>
-      </p:cxnSp>
-      <p:sp>
-        <p:nvSpPr>
-          <p:cNvPr id="51" name="Oval 50">
-            <a:extLst>
-              <a:ext uri="{FF2B5EF4-FFF2-40B4-BE49-F238E27FC236}">
-                <a16:creationId xmlns:a16="http://schemas.microsoft.com/office/drawing/2014/main" id="{DF1539C8-0111-4B06-BD48-1E85F1C71327}"/>
-              </a:ext>
-            </a:extLst>
-          </p:cNvPr>
-          <p:cNvSpPr/>
-          <p:nvPr/>
-        </p:nvSpPr>
-        <p:spPr>
-          <a:xfrm>
-            <a:off x="7296456" y="362325"/>
-            <a:ext cx="166950" cy="166950"/>
-          </a:xfrm>
-          <a:prstGeom prst="ellipse">
-            <a:avLst/>
-          </a:prstGeom>
-          <a:solidFill>
-            <a:srgbClr val="FFFFFF">
-              <a:alpha val="0"/>
-            </a:srgbClr>
-          </a:solidFill>
-          <a:ln>
-            <a:noFill/>
-          </a:ln>
-        </p:spPr>
-        <p:style>
-          <a:lnRef idx="2">
-            <a:schemeClr val="accent1">
-              <a:shade val="50000"/>
-            </a:schemeClr>
-          </a:lnRef>
-          <a:fillRef idx="1">
-            <a:schemeClr val="accent1"/>
-          </a:fillRef>
-          <a:effectRef idx="0">
-            <a:schemeClr val="accent1"/>
-          </a:effectRef>
-          <a:fontRef idx="minor">
-            <a:schemeClr val="lt1"/>
-          </a:fontRef>
-        </p:style>
-        <p:txBody>
-          <a:bodyPr rtlCol="0" anchor="ctr"/>
-          <a:lstStyle/>
-          <a:p>
-            <a:pPr algn="ctr"/>
-            <a:endParaRPr lang="en-US"/>
-          </a:p>
-        </p:txBody>
-      </p:sp>
-      <p:sp>
-        <p:nvSpPr>
-          <p:cNvPr id="55" name="Oval 54">
-            <a:extLst>
-              <a:ext uri="{FF2B5EF4-FFF2-40B4-BE49-F238E27FC236}">
-                <a16:creationId xmlns:a16="http://schemas.microsoft.com/office/drawing/2014/main" id="{C4961A7C-6EAF-45A3-9A44-F36EDF2BE995}"/>
-              </a:ext>
-            </a:extLst>
-          </p:cNvPr>
-          <p:cNvSpPr/>
-          <p:nvPr/>
-        </p:nvSpPr>
-        <p:spPr>
-          <a:xfrm>
-            <a:off x="2414718" y="1082111"/>
-            <a:ext cx="166950" cy="166950"/>
-          </a:xfrm>
-          <a:prstGeom prst="ellipse">
-            <a:avLst/>
-          </a:prstGeom>
-          <a:solidFill>
-            <a:srgbClr val="FFFFFF">
-              <a:alpha val="0"/>
-            </a:srgbClr>
-          </a:solidFill>
-          <a:ln>
-            <a:noFill/>
-          </a:ln>
-        </p:spPr>
-        <p:style>
-          <a:lnRef idx="2">
-            <a:schemeClr val="accent1">
-              <a:shade val="50000"/>
-            </a:schemeClr>
-          </a:lnRef>
-          <a:fillRef idx="1">
-            <a:schemeClr val="accent1"/>
-          </a:fillRef>
-          <a:effectRef idx="0">
-            <a:schemeClr val="accent1"/>
-          </a:effectRef>
-          <a:fontRef idx="minor">
-            <a:schemeClr val="lt1"/>
-          </a:fontRef>
-        </p:style>
-        <p:txBody>
-          <a:bodyPr rtlCol="0" anchor="ctr"/>
-          <a:lstStyle/>
-          <a:p>
-            <a:pPr algn="ctr"/>
-            <a:endParaRPr lang="en-US"/>
-          </a:p>
-        </p:txBody>
-      </p:sp>
-      <p:sp>
-        <p:nvSpPr>
-          <p:cNvPr id="58" name="Oval 57">
-            <a:extLst>
-              <a:ext uri="{FF2B5EF4-FFF2-40B4-BE49-F238E27FC236}">
-                <a16:creationId xmlns:a16="http://schemas.microsoft.com/office/drawing/2014/main" id="{9125E5F4-26B8-4D4B-B8A7-8147AC58A43D}"/>
-              </a:ext>
-            </a:extLst>
-          </p:cNvPr>
-          <p:cNvSpPr/>
-          <p:nvPr/>
-        </p:nvSpPr>
-        <p:spPr>
-          <a:xfrm>
-            <a:off x="3645643" y="1667459"/>
-            <a:ext cx="166950" cy="166950"/>
-          </a:xfrm>
-          <a:prstGeom prst="ellipse">
-            <a:avLst/>
-          </a:prstGeom>
-          <a:solidFill>
-            <a:srgbClr val="FFFFFF">
-              <a:alpha val="0"/>
-            </a:srgbClr>
-          </a:solidFill>
-          <a:ln>
-            <a:noFill/>
-          </a:ln>
-        </p:spPr>
-        <p:style>
-          <a:lnRef idx="2">
-            <a:schemeClr val="accent1">
-              <a:shade val="50000"/>
-            </a:schemeClr>
-          </a:lnRef>
-          <a:fillRef idx="1">
-            <a:schemeClr val="accent1"/>
-          </a:fillRef>
-          <a:effectRef idx="0">
-            <a:schemeClr val="accent1"/>
-          </a:effectRef>
-          <a:fontRef idx="minor">
-            <a:schemeClr val="lt1"/>
-          </a:fontRef>
-        </p:style>
-        <p:txBody>
-          <a:bodyPr rtlCol="0" anchor="ctr"/>
-          <a:lstStyle/>
-          <a:p>
-            <a:pPr algn="ctr"/>
-            <a:endParaRPr lang="en-US"/>
-          </a:p>
-        </p:txBody>
-      </p:sp>
-      <p:sp>
-        <p:nvSpPr>
-          <p:cNvPr id="59" name="Oval 58">
-            <a:extLst>
-              <a:ext uri="{FF2B5EF4-FFF2-40B4-BE49-F238E27FC236}">
-                <a16:creationId xmlns:a16="http://schemas.microsoft.com/office/drawing/2014/main" id="{34A2AF95-9533-4A1F-9AAB-D866F0208A54}"/>
-              </a:ext>
-            </a:extLst>
-          </p:cNvPr>
-          <p:cNvSpPr/>
-          <p:nvPr/>
-        </p:nvSpPr>
-        <p:spPr>
-          <a:xfrm>
-            <a:off x="2776499" y="2355591"/>
-            <a:ext cx="166950" cy="166950"/>
-          </a:xfrm>
-          <a:prstGeom prst="ellipse">
-            <a:avLst/>
-          </a:prstGeom>
-          <a:solidFill>
-            <a:srgbClr val="FFFFFF">
-              <a:alpha val="0"/>
-            </a:srgbClr>
-          </a:solidFill>
-          <a:ln>
-            <a:noFill/>
-          </a:ln>
-        </p:spPr>
-        <p:style>
-          <a:lnRef idx="2">
-            <a:schemeClr val="accent1">
-              <a:shade val="50000"/>
-            </a:schemeClr>
-          </a:lnRef>
-          <a:fillRef idx="1">
-            <a:schemeClr val="accent1"/>
-          </a:fillRef>
-          <a:effectRef idx="0">
-            <a:schemeClr val="accent1"/>
-          </a:effectRef>
-          <a:fontRef idx="minor">
-            <a:schemeClr val="lt1"/>
-          </a:fontRef>
-        </p:style>
-        <p:txBody>
-          <a:bodyPr rtlCol="0" anchor="ctr"/>
-          <a:lstStyle/>
-          <a:p>
-            <a:pPr algn="ctr"/>
-            <a:endParaRPr lang="en-US"/>
-          </a:p>
-        </p:txBody>
-      </p:sp>
-      <p:cxnSp>
-        <p:nvCxnSpPr>
-          <p:cNvPr id="71" name="Straight Arrow Connector 70">
-            <a:extLst>
-              <a:ext uri="{FF2B5EF4-FFF2-40B4-BE49-F238E27FC236}">
-                <a16:creationId xmlns:a16="http://schemas.microsoft.com/office/drawing/2014/main" id="{82167F0E-84DB-420D-92E2-B4B78373F65C}"/>
+                <a16:creationId xmlns:a16="http://schemas.microsoft.com/office/drawing/2014/main" id="{E355F689-8878-4E5B-A2EA-168C4CEAA1C4}"/>
               </a:ext>
             </a:extLst>
           </p:cNvPr>
@@ -5156,91 +3997,9 @@
           <p:nvPr/>
         </p:nvCxnSpPr>
         <p:spPr>
-          <a:xfrm flipH="1" flipV="1">
-            <a:off x="1036273" y="3622089"/>
-            <a:ext cx="27985" cy="613993"/>
-          </a:xfrm>
-          <a:prstGeom prst="straightConnector1">
-            <a:avLst/>
-          </a:prstGeom>
-          <a:ln>
-            <a:tailEnd type="triangle"/>
-          </a:ln>
-        </p:spPr>
-        <p:style>
-          <a:lnRef idx="1">
-            <a:schemeClr val="accent1"/>
-          </a:lnRef>
-          <a:fillRef idx="0">
-            <a:schemeClr val="accent1"/>
-          </a:fillRef>
-          <a:effectRef idx="0">
-            <a:schemeClr val="accent1"/>
-          </a:effectRef>
-          <a:fontRef idx="minor">
-            <a:schemeClr val="tx1"/>
-          </a:fontRef>
-        </p:style>
-      </p:cxnSp>
-      <p:cxnSp>
-        <p:nvCxnSpPr>
-          <p:cNvPr id="74" name="Straight Arrow Connector 73">
-            <a:extLst>
-              <a:ext uri="{FF2B5EF4-FFF2-40B4-BE49-F238E27FC236}">
-                <a16:creationId xmlns:a16="http://schemas.microsoft.com/office/drawing/2014/main" id="{11DE0B49-88D3-4924-9060-95C43CC86DC8}"/>
-              </a:ext>
-            </a:extLst>
-          </p:cNvPr>
-          <p:cNvCxnSpPr>
-            <a:cxnSpLocks/>
-          </p:cNvCxnSpPr>
-          <p:nvPr/>
-        </p:nvCxnSpPr>
-        <p:spPr>
-          <a:xfrm flipV="1">
-            <a:off x="3071675" y="4304824"/>
-            <a:ext cx="2130115" cy="1152001"/>
-          </a:xfrm>
-          <a:prstGeom prst="straightConnector1">
-            <a:avLst/>
-          </a:prstGeom>
-          <a:ln>
-            <a:tailEnd type="triangle"/>
-          </a:ln>
-        </p:spPr>
-        <p:style>
-          <a:lnRef idx="1">
-            <a:schemeClr val="accent1"/>
-          </a:lnRef>
-          <a:fillRef idx="0">
-            <a:schemeClr val="accent1"/>
-          </a:fillRef>
-          <a:effectRef idx="0">
-            <a:schemeClr val="accent1"/>
-          </a:effectRef>
-          <a:fontRef idx="minor">
-            <a:schemeClr val="tx1"/>
-          </a:fontRef>
-        </p:style>
-      </p:cxnSp>
-      <p:cxnSp>
-        <p:nvCxnSpPr>
-          <p:cNvPr id="78" name="Straight Arrow Connector 77">
-            <a:extLst>
-              <a:ext uri="{FF2B5EF4-FFF2-40B4-BE49-F238E27FC236}">
-                <a16:creationId xmlns:a16="http://schemas.microsoft.com/office/drawing/2014/main" id="{326B779B-B7E2-4A19-940B-BBE6387D7E80}"/>
-              </a:ext>
-            </a:extLst>
-          </p:cNvPr>
-          <p:cNvCxnSpPr>
-            <a:cxnSpLocks/>
-          </p:cNvCxnSpPr>
-          <p:nvPr/>
-        </p:nvCxnSpPr>
-        <p:spPr>
-          <a:xfrm flipV="1">
-            <a:off x="4466685" y="5377536"/>
-            <a:ext cx="1392062" cy="856634"/>
+          <a:xfrm flipH="1">
+            <a:off x="9124545" y="1729874"/>
+            <a:ext cx="551713" cy="70858"/>
           </a:xfrm>
           <a:prstGeom prst="straightConnector1">
             <a:avLst/>
@@ -5267,7 +4026,7 @@
     </p:spTree>
     <p:extLst>
       <p:ext uri="{BB962C8B-B14F-4D97-AF65-F5344CB8AC3E}">
-        <p14:creationId xmlns:p14="http://schemas.microsoft.com/office/powerpoint/2010/main" val="1662656358"/>
+        <p14:creationId xmlns:p14="http://schemas.microsoft.com/office/powerpoint/2010/main" val="1317260614"/>
       </p:ext>
     </p:extLst>
   </p:cSld>
@@ -5280,7 +4039,7 @@
 <file path=ppt/theme/theme1.xml><?xml version="1.0" encoding="utf-8"?>
 <a:theme xmlns:a="http://schemas.openxmlformats.org/drawingml/2006/main" name="Office Theme">
   <a:themeElements>
-    <a:clrScheme name="Office">
+    <a:clrScheme name="Office Theme">
       <a:dk1>
         <a:sysClr val="windowText" lastClr="000000"/>
       </a:dk1>
@@ -5318,7 +4077,7 @@
         <a:srgbClr val="954F72"/>
       </a:folHlink>
     </a:clrScheme>
-    <a:fontScheme name="Office">
+    <a:fontScheme name="Office Theme">
       <a:majorFont>
         <a:latin typeface="Calibri Light" panose="020F0302020204030204"/>
         <a:ea typeface=""/>
@@ -5353,23 +4112,6 @@
         <a:font script="Viet" typeface="Times New Roman"/>
         <a:font script="Uigh" typeface="Microsoft Uighur"/>
         <a:font script="Geor" typeface="Sylfaen"/>
-        <a:font script="Armn" typeface="Arial"/>
-        <a:font script="Bugi" typeface="Leelawadee UI"/>
-        <a:font script="Bopo" typeface="Microsoft JhengHei"/>
-        <a:font script="Java" typeface="Javanese Text"/>
-        <a:font script="Lisu" typeface="Segoe UI"/>
-        <a:font script="Mymr" typeface="Myanmar Text"/>
-        <a:font script="Nkoo" typeface="Ebrima"/>
-        <a:font script="Olck" typeface="Nirmala UI"/>
-        <a:font script="Osma" typeface="Ebrima"/>
-        <a:font script="Phag" typeface="Phagspa"/>
-        <a:font script="Syrn" typeface="Estrangelo Edessa"/>
-        <a:font script="Syrj" typeface="Estrangelo Edessa"/>
-        <a:font script="Syre" typeface="Estrangelo Edessa"/>
-        <a:font script="Sora" typeface="Nirmala UI"/>
-        <a:font script="Tale" typeface="Microsoft Tai Le"/>
-        <a:font script="Talu" typeface="Microsoft New Tai Lue"/>
-        <a:font script="Tfng" typeface="Ebrima"/>
       </a:majorFont>
       <a:minorFont>
         <a:latin typeface="Calibri" panose="020F0502020204030204"/>
@@ -5405,26 +4147,9 @@
         <a:font script="Viet" typeface="Arial"/>
         <a:font script="Uigh" typeface="Microsoft Uighur"/>
         <a:font script="Geor" typeface="Sylfaen"/>
-        <a:font script="Armn" typeface="Arial"/>
-        <a:font script="Bugi" typeface="Leelawadee UI"/>
-        <a:font script="Bopo" typeface="Microsoft JhengHei"/>
-        <a:font script="Java" typeface="Javanese Text"/>
-        <a:font script="Lisu" typeface="Segoe UI"/>
-        <a:font script="Mymr" typeface="Myanmar Text"/>
-        <a:font script="Nkoo" typeface="Ebrima"/>
-        <a:font script="Olck" typeface="Nirmala UI"/>
-        <a:font script="Osma" typeface="Ebrima"/>
-        <a:font script="Phag" typeface="Phagspa"/>
-        <a:font script="Syrn" typeface="Estrangelo Edessa"/>
-        <a:font script="Syrj" typeface="Estrangelo Edessa"/>
-        <a:font script="Syre" typeface="Estrangelo Edessa"/>
-        <a:font script="Sora" typeface="Nirmala UI"/>
-        <a:font script="Tale" typeface="Microsoft Tai Le"/>
-        <a:font script="Talu" typeface="Microsoft New Tai Lue"/>
-        <a:font script="Tfng" typeface="Ebrima"/>
       </a:minorFont>
     </a:fontScheme>
-    <a:fmtScheme name="Office">
+    <a:fmtScheme name="Office Theme">
       <a:fillStyleLst>
         <a:solidFill>
           <a:schemeClr val="phClr"/>
